--- a/MonitoringWeb.pptx
+++ b/MonitoringWeb.pptx
@@ -6,14 +6,16 @@
   </p:sldMasterIdLst>
   <p:sldIdLst>
     <p:sldId id="257" r:id="rId2"/>
-    <p:sldId id="258" r:id="rId3"/>
+    <p:sldId id="266" r:id="rId3"/>
     <p:sldId id="265" r:id="rId4"/>
-    <p:sldId id="264" r:id="rId5"/>
-    <p:sldId id="259" r:id="rId6"/>
-    <p:sldId id="260" r:id="rId7"/>
-    <p:sldId id="261" r:id="rId8"/>
-    <p:sldId id="262" r:id="rId9"/>
-    <p:sldId id="263" r:id="rId10"/>
+    <p:sldId id="269" r:id="rId5"/>
+    <p:sldId id="270" r:id="rId6"/>
+    <p:sldId id="264" r:id="rId7"/>
+    <p:sldId id="259" r:id="rId8"/>
+    <p:sldId id="260" r:id="rId9"/>
+    <p:sldId id="261" r:id="rId10"/>
+    <p:sldId id="262" r:id="rId11"/>
+    <p:sldId id="263" r:id="rId12"/>
   </p:sldIdLst>
   <p:sldSz cx="12192000" cy="6858000"/>
   <p:notesSz cx="6858000" cy="9144000"/>
@@ -1153,7 +1155,7 @@
                 </a:solidFill>
               </a:rPr>
               <a:pPr/>
-              <a:t>2020-03-11</a:t>
+              <a:t>2020-03-13</a:t>
             </a:fld>
             <a:endParaRPr lang="ko-KR" altLang="en-US">
               <a:solidFill>
@@ -1353,7 +1355,7 @@
                 </a:solidFill>
               </a:rPr>
               <a:pPr/>
-              <a:t>2020-03-11</a:t>
+              <a:t>2020-03-13</a:t>
             </a:fld>
             <a:endParaRPr lang="ko-KR" altLang="en-US">
               <a:solidFill>
@@ -1563,7 +1565,7 @@
                 </a:solidFill>
               </a:rPr>
               <a:pPr/>
-              <a:t>2020-03-11</a:t>
+              <a:t>2020-03-13</a:t>
             </a:fld>
             <a:endParaRPr lang="ko-KR" altLang="en-US">
               <a:solidFill>
@@ -1763,7 +1765,7 @@
                 </a:solidFill>
               </a:rPr>
               <a:pPr/>
-              <a:t>2020-03-11</a:t>
+              <a:t>2020-03-13</a:t>
             </a:fld>
             <a:endParaRPr lang="ko-KR" altLang="en-US">
               <a:solidFill>
@@ -2040,7 +2042,7 @@
                 </a:solidFill>
               </a:rPr>
               <a:pPr/>
-              <a:t>2020-03-11</a:t>
+              <a:t>2020-03-13</a:t>
             </a:fld>
             <a:endParaRPr lang="ko-KR" altLang="en-US">
               <a:solidFill>
@@ -2301,7 +2303,7 @@
                 </a:solidFill>
               </a:rPr>
               <a:pPr/>
-              <a:t>2020-03-11</a:t>
+              <a:t>2020-03-13</a:t>
             </a:fld>
             <a:endParaRPr lang="ko-KR" altLang="en-US">
               <a:solidFill>
@@ -2697,7 +2699,7 @@
                 </a:solidFill>
               </a:rPr>
               <a:pPr/>
-              <a:t>2020-03-11</a:t>
+              <a:t>2020-03-13</a:t>
             </a:fld>
             <a:endParaRPr lang="ko-KR" altLang="en-US">
               <a:solidFill>
@@ -2846,7 +2848,7 @@
                 </a:solidFill>
               </a:rPr>
               <a:pPr/>
-              <a:t>2020-03-11</a:t>
+              <a:t>2020-03-13</a:t>
             </a:fld>
             <a:endParaRPr lang="ko-KR" altLang="en-US">
               <a:solidFill>
@@ -2973,7 +2975,7 @@
                 </a:solidFill>
               </a:rPr>
               <a:pPr/>
-              <a:t>2020-03-11</a:t>
+              <a:t>2020-03-13</a:t>
             </a:fld>
             <a:endParaRPr lang="ko-KR" altLang="en-US">
               <a:solidFill>
@@ -3280,7 +3282,7 @@
                 </a:solidFill>
               </a:rPr>
               <a:pPr/>
-              <a:t>2020-03-11</a:t>
+              <a:t>2020-03-13</a:t>
             </a:fld>
             <a:endParaRPr lang="ko-KR" altLang="en-US">
               <a:solidFill>
@@ -3564,7 +3566,7 @@
                 </a:solidFill>
               </a:rPr>
               <a:pPr/>
-              <a:t>2020-03-11</a:t>
+              <a:t>2020-03-13</a:t>
             </a:fld>
             <a:endParaRPr lang="ko-KR" altLang="en-US">
               <a:solidFill>
@@ -3807,7 +3809,7 @@
                 </a:solidFill>
               </a:rPr>
               <a:pPr/>
-              <a:t>2020-03-11</a:t>
+              <a:t>2020-03-13</a:t>
             </a:fld>
             <a:endParaRPr lang="ko-KR" altLang="en-US">
               <a:solidFill>
@@ -4620,6 +4622,867 @@
 </p:sld>
 </file>
 
+<file path=ppt/slides/slide10.xml><?xml version="1.0" encoding="utf-8"?>
+<p:sld xmlns:a="http://schemas.openxmlformats.org/drawingml/2006/main" xmlns:r="http://schemas.openxmlformats.org/officeDocument/2006/relationships" xmlns:p="http://schemas.openxmlformats.org/presentationml/2006/main">
+  <p:cSld>
+    <p:spTree>
+      <p:nvGrpSpPr>
+        <p:cNvPr id="1" name=""/>
+        <p:cNvGrpSpPr/>
+        <p:nvPr/>
+      </p:nvGrpSpPr>
+      <p:grpSpPr>
+        <a:xfrm>
+          <a:off x="0" y="0"/>
+          <a:ext cx="0" cy="0"/>
+          <a:chOff x="0" y="0"/>
+          <a:chExt cx="0" cy="0"/>
+        </a:xfrm>
+      </p:grpSpPr>
+      <p:sp>
+        <p:nvSpPr>
+          <p:cNvPr id="4" name="직사각형 3"/>
+          <p:cNvSpPr/>
+          <p:nvPr/>
+        </p:nvSpPr>
+        <p:spPr>
+          <a:xfrm>
+            <a:off x="3919935" y="461016"/>
+            <a:ext cx="4236842" cy="655372"/>
+          </a:xfrm>
+          <a:prstGeom prst="rect">
+            <a:avLst/>
+          </a:prstGeom>
+        </p:spPr>
+        <p:txBody>
+          <a:bodyPr wrap="square">
+            <a:spAutoFit/>
+          </a:bodyPr>
+          <a:lstStyle/>
+          <a:p>
+            <a:pPr algn="ctr">
+              <a:lnSpc>
+                <a:spcPct val="150000"/>
+              </a:lnSpc>
+            </a:pPr>
+            <a:r>
+              <a:rPr lang="ko-KR" altLang="en-US" sz="2800" b="1" dirty="0">
+                <a:solidFill>
+                  <a:prstClr val="black">
+                    <a:lumMod val="75000"/>
+                    <a:lumOff val="25000"/>
+                  </a:prstClr>
+                </a:solidFill>
+              </a:rPr>
+              <a:t>오늘 사용한 색상은</a:t>
+            </a:r>
+            <a:r>
+              <a:rPr lang="en-US" altLang="ko-KR" sz="2800" b="1" dirty="0">
+                <a:solidFill>
+                  <a:prstClr val="black">
+                    <a:lumMod val="75000"/>
+                    <a:lumOff val="25000"/>
+                  </a:prstClr>
+                </a:solidFill>
+              </a:rPr>
+              <a:t>?</a:t>
+            </a:r>
+            <a:endParaRPr lang="ko-KR" altLang="en-US" sz="2000" dirty="0">
+              <a:solidFill>
+                <a:prstClr val="black">
+                  <a:lumMod val="75000"/>
+                  <a:lumOff val="25000"/>
+                </a:prstClr>
+              </a:solidFill>
+            </a:endParaRPr>
+          </a:p>
+        </p:txBody>
+      </p:sp>
+      <p:sp>
+        <p:nvSpPr>
+          <p:cNvPr id="5" name="직사각형 4"/>
+          <p:cNvSpPr/>
+          <p:nvPr/>
+        </p:nvSpPr>
+        <p:spPr>
+          <a:xfrm>
+            <a:off x="2387119" y="5524135"/>
+            <a:ext cx="7302474" cy="738664"/>
+          </a:xfrm>
+          <a:prstGeom prst="rect">
+            <a:avLst/>
+          </a:prstGeom>
+        </p:spPr>
+        <p:txBody>
+          <a:bodyPr wrap="square">
+            <a:spAutoFit/>
+          </a:bodyPr>
+          <a:lstStyle/>
+          <a:p>
+            <a:pPr algn="ctr">
+              <a:lnSpc>
+                <a:spcPct val="150000"/>
+              </a:lnSpc>
+            </a:pPr>
+            <a:r>
+              <a:rPr lang="en-US" altLang="ko-KR" sz="1400" dirty="0">
+                <a:solidFill>
+                  <a:prstClr val="black">
+                    <a:lumMod val="75000"/>
+                    <a:lumOff val="25000"/>
+                  </a:prstClr>
+                </a:solidFill>
+              </a:rPr>
+              <a:t>2013 </a:t>
+            </a:r>
+            <a:r>
+              <a:rPr lang="ko-KR" altLang="en-US" sz="1400" dirty="0">
+                <a:solidFill>
+                  <a:prstClr val="black">
+                    <a:lumMod val="75000"/>
+                    <a:lumOff val="25000"/>
+                  </a:prstClr>
+                </a:solidFill>
+              </a:rPr>
+              <a:t>버전 이상 사용자께서는 스포이트 기능을 이용하시면 </a:t>
+            </a:r>
+            <a:r>
+              <a:rPr lang="ko-KR" altLang="en-US" sz="1400" dirty="0" err="1">
+                <a:solidFill>
+                  <a:prstClr val="black">
+                    <a:lumMod val="75000"/>
+                    <a:lumOff val="25000"/>
+                  </a:prstClr>
+                </a:solidFill>
+              </a:rPr>
+              <a:t>편하구요</a:t>
+            </a:r>
+            <a:r>
+              <a:rPr lang="en-US" altLang="ko-KR" sz="1400" dirty="0">
+                <a:solidFill>
+                  <a:prstClr val="black">
+                    <a:lumMod val="75000"/>
+                    <a:lumOff val="25000"/>
+                  </a:prstClr>
+                </a:solidFill>
+              </a:rPr>
+              <a:t>.</a:t>
+            </a:r>
+          </a:p>
+          <a:p>
+            <a:pPr algn="ctr">
+              <a:lnSpc>
+                <a:spcPct val="150000"/>
+              </a:lnSpc>
+            </a:pPr>
+            <a:r>
+              <a:rPr lang="en-US" altLang="ko-KR" sz="1400" dirty="0">
+                <a:solidFill>
+                  <a:prstClr val="black">
+                    <a:lumMod val="75000"/>
+                    <a:lumOff val="25000"/>
+                  </a:prstClr>
+                </a:solidFill>
+              </a:rPr>
+              <a:t>2010 </a:t>
+            </a:r>
+            <a:r>
+              <a:rPr lang="ko-KR" altLang="en-US" sz="1400" dirty="0">
+                <a:solidFill>
+                  <a:prstClr val="black">
+                    <a:lumMod val="75000"/>
+                    <a:lumOff val="25000"/>
+                  </a:prstClr>
+                </a:solidFill>
+              </a:rPr>
+              <a:t>이하 버전 사용자 께서는 다른 채우기 색 </a:t>
+            </a:r>
+            <a:r>
+              <a:rPr lang="en-US" altLang="ko-KR" sz="1400" dirty="0">
+                <a:solidFill>
+                  <a:prstClr val="black">
+                    <a:lumMod val="75000"/>
+                    <a:lumOff val="25000"/>
+                  </a:prstClr>
+                </a:solidFill>
+              </a:rPr>
+              <a:t>&gt;</a:t>
+            </a:r>
+            <a:r>
+              <a:rPr lang="ko-KR" altLang="en-US" sz="1400" dirty="0">
+                <a:solidFill>
+                  <a:prstClr val="black">
+                    <a:lumMod val="75000"/>
+                    <a:lumOff val="25000"/>
+                  </a:prstClr>
+                </a:solidFill>
+              </a:rPr>
+              <a:t> 사용자 지정 탭 </a:t>
+            </a:r>
+            <a:r>
+              <a:rPr lang="en-US" altLang="ko-KR" sz="1400" dirty="0">
+                <a:solidFill>
+                  <a:prstClr val="black">
+                    <a:lumMod val="75000"/>
+                    <a:lumOff val="25000"/>
+                  </a:prstClr>
+                </a:solidFill>
+              </a:rPr>
+              <a:t>&gt; RGB </a:t>
+            </a:r>
+            <a:r>
+              <a:rPr lang="ko-KR" altLang="en-US" sz="1400" dirty="0">
+                <a:solidFill>
+                  <a:prstClr val="black">
+                    <a:lumMod val="75000"/>
+                    <a:lumOff val="25000"/>
+                  </a:prstClr>
+                </a:solidFill>
+              </a:rPr>
+              <a:t>색상 값 입력</a:t>
+            </a:r>
+            <a:endParaRPr lang="en-US" altLang="ko-KR" sz="1400" dirty="0">
+              <a:solidFill>
+                <a:prstClr val="black">
+                  <a:lumMod val="75000"/>
+                  <a:lumOff val="25000"/>
+                </a:prstClr>
+              </a:solidFill>
+            </a:endParaRPr>
+          </a:p>
+        </p:txBody>
+      </p:sp>
+      <p:sp>
+        <p:nvSpPr>
+          <p:cNvPr id="6" name="타원 5"/>
+          <p:cNvSpPr/>
+          <p:nvPr/>
+        </p:nvSpPr>
+        <p:spPr>
+          <a:xfrm>
+            <a:off x="4814737" y="1892806"/>
+            <a:ext cx="2854910" cy="2854910"/>
+          </a:xfrm>
+          <a:prstGeom prst="ellipse">
+            <a:avLst/>
+          </a:prstGeom>
+          <a:solidFill>
+            <a:srgbClr val="3D9DE4"/>
+          </a:solidFill>
+          <a:ln>
+            <a:noFill/>
+          </a:ln>
+        </p:spPr>
+        <p:style>
+          <a:lnRef idx="2">
+            <a:schemeClr val="accent1">
+              <a:shade val="50000"/>
+            </a:schemeClr>
+          </a:lnRef>
+          <a:fillRef idx="1">
+            <a:schemeClr val="accent1"/>
+          </a:fillRef>
+          <a:effectRef idx="0">
+            <a:schemeClr val="accent1"/>
+          </a:effectRef>
+          <a:fontRef idx="minor">
+            <a:schemeClr val="lt1"/>
+          </a:fontRef>
+        </p:style>
+        <p:txBody>
+          <a:bodyPr rtlCol="0" anchor="ctr"/>
+          <a:lstStyle/>
+          <a:p>
+            <a:pPr algn="ctr">
+              <a:lnSpc>
+                <a:spcPct val="150000"/>
+              </a:lnSpc>
+            </a:pPr>
+            <a:r>
+              <a:rPr lang="en-US" altLang="ko-KR" sz="2800" b="1" dirty="0">
+                <a:solidFill>
+                  <a:prstClr val="white"/>
+                </a:solidFill>
+              </a:rPr>
+              <a:t>R 61</a:t>
+            </a:r>
+          </a:p>
+          <a:p>
+            <a:pPr algn="ctr">
+              <a:lnSpc>
+                <a:spcPct val="150000"/>
+              </a:lnSpc>
+            </a:pPr>
+            <a:r>
+              <a:rPr lang="en-US" altLang="ko-KR" sz="2800" b="1" dirty="0">
+                <a:solidFill>
+                  <a:prstClr val="white"/>
+                </a:solidFill>
+              </a:rPr>
+              <a:t>G 157</a:t>
+            </a:r>
+          </a:p>
+          <a:p>
+            <a:pPr algn="ctr">
+              <a:lnSpc>
+                <a:spcPct val="150000"/>
+              </a:lnSpc>
+            </a:pPr>
+            <a:r>
+              <a:rPr lang="en-US" altLang="ko-KR" sz="2800" b="1" dirty="0">
+                <a:solidFill>
+                  <a:prstClr val="white"/>
+                </a:solidFill>
+              </a:rPr>
+              <a:t>B 228</a:t>
+            </a:r>
+          </a:p>
+        </p:txBody>
+      </p:sp>
+      <p:sp>
+        <p:nvSpPr>
+          <p:cNvPr id="7" name="타원 6"/>
+          <p:cNvSpPr/>
+          <p:nvPr/>
+        </p:nvSpPr>
+        <p:spPr>
+          <a:xfrm>
+            <a:off x="1472697" y="1988311"/>
+            <a:ext cx="2854910" cy="2854910"/>
+          </a:xfrm>
+          <a:prstGeom prst="ellipse">
+            <a:avLst/>
+          </a:prstGeom>
+          <a:solidFill>
+            <a:srgbClr val="5C9BC7"/>
+          </a:solidFill>
+          <a:ln>
+            <a:noFill/>
+          </a:ln>
+        </p:spPr>
+        <p:style>
+          <a:lnRef idx="2">
+            <a:schemeClr val="accent1">
+              <a:shade val="50000"/>
+            </a:schemeClr>
+          </a:lnRef>
+          <a:fillRef idx="1">
+            <a:schemeClr val="accent1"/>
+          </a:fillRef>
+          <a:effectRef idx="0">
+            <a:schemeClr val="accent1"/>
+          </a:effectRef>
+          <a:fontRef idx="minor">
+            <a:schemeClr val="lt1"/>
+          </a:fontRef>
+        </p:style>
+        <p:txBody>
+          <a:bodyPr rtlCol="0" anchor="ctr"/>
+          <a:lstStyle/>
+          <a:p>
+            <a:pPr algn="ctr">
+              <a:lnSpc>
+                <a:spcPct val="150000"/>
+              </a:lnSpc>
+            </a:pPr>
+            <a:r>
+              <a:rPr lang="en-US" altLang="ko-KR" sz="2800" b="1" dirty="0">
+                <a:solidFill>
+                  <a:prstClr val="white"/>
+                </a:solidFill>
+              </a:rPr>
+              <a:t>R 92</a:t>
+            </a:r>
+          </a:p>
+          <a:p>
+            <a:pPr algn="ctr">
+              <a:lnSpc>
+                <a:spcPct val="150000"/>
+              </a:lnSpc>
+            </a:pPr>
+            <a:r>
+              <a:rPr lang="en-US" altLang="ko-KR" sz="2800" b="1" dirty="0">
+                <a:solidFill>
+                  <a:prstClr val="white"/>
+                </a:solidFill>
+              </a:rPr>
+              <a:t>G 155</a:t>
+            </a:r>
+          </a:p>
+          <a:p>
+            <a:pPr algn="ctr">
+              <a:lnSpc>
+                <a:spcPct val="150000"/>
+              </a:lnSpc>
+            </a:pPr>
+            <a:r>
+              <a:rPr lang="en-US" altLang="ko-KR" sz="2800" b="1" dirty="0">
+                <a:solidFill>
+                  <a:prstClr val="white"/>
+                </a:solidFill>
+              </a:rPr>
+              <a:t>B 199</a:t>
+            </a:r>
+          </a:p>
+        </p:txBody>
+      </p:sp>
+      <p:sp>
+        <p:nvSpPr>
+          <p:cNvPr id="8" name="타원 7"/>
+          <p:cNvSpPr/>
+          <p:nvPr/>
+        </p:nvSpPr>
+        <p:spPr>
+          <a:xfrm>
+            <a:off x="8156777" y="1892806"/>
+            <a:ext cx="2854910" cy="2854910"/>
+          </a:xfrm>
+          <a:prstGeom prst="ellipse">
+            <a:avLst/>
+          </a:prstGeom>
+          <a:solidFill>
+            <a:srgbClr val="BEE2FC"/>
+          </a:solidFill>
+          <a:ln>
+            <a:noFill/>
+          </a:ln>
+        </p:spPr>
+        <p:style>
+          <a:lnRef idx="2">
+            <a:schemeClr val="accent1">
+              <a:shade val="50000"/>
+            </a:schemeClr>
+          </a:lnRef>
+          <a:fillRef idx="1">
+            <a:schemeClr val="accent1"/>
+          </a:fillRef>
+          <a:effectRef idx="0">
+            <a:schemeClr val="accent1"/>
+          </a:effectRef>
+          <a:fontRef idx="minor">
+            <a:schemeClr val="lt1"/>
+          </a:fontRef>
+        </p:style>
+        <p:txBody>
+          <a:bodyPr rtlCol="0" anchor="ctr"/>
+          <a:lstStyle/>
+          <a:p>
+            <a:pPr algn="ctr">
+              <a:lnSpc>
+                <a:spcPct val="150000"/>
+              </a:lnSpc>
+            </a:pPr>
+            <a:r>
+              <a:rPr lang="pt-BR" altLang="ko-KR" sz="2800" b="1" dirty="0">
+                <a:solidFill>
+                  <a:prstClr val="black">
+                    <a:lumMod val="75000"/>
+                    <a:lumOff val="25000"/>
+                  </a:prstClr>
+                </a:solidFill>
+              </a:rPr>
+              <a:t>R 190</a:t>
+            </a:r>
+          </a:p>
+          <a:p>
+            <a:pPr algn="ctr">
+              <a:lnSpc>
+                <a:spcPct val="150000"/>
+              </a:lnSpc>
+            </a:pPr>
+            <a:r>
+              <a:rPr lang="pt-BR" altLang="ko-KR" sz="2800" b="1" dirty="0">
+                <a:solidFill>
+                  <a:prstClr val="black">
+                    <a:lumMod val="75000"/>
+                    <a:lumOff val="25000"/>
+                  </a:prstClr>
+                </a:solidFill>
+              </a:rPr>
+              <a:t>G 226</a:t>
+            </a:r>
+          </a:p>
+          <a:p>
+            <a:pPr algn="ctr">
+              <a:lnSpc>
+                <a:spcPct val="150000"/>
+              </a:lnSpc>
+            </a:pPr>
+            <a:r>
+              <a:rPr lang="pt-BR" altLang="ko-KR" sz="2800" b="1" dirty="0">
+                <a:solidFill>
+                  <a:prstClr val="black">
+                    <a:lumMod val="75000"/>
+                    <a:lumOff val="25000"/>
+                  </a:prstClr>
+                </a:solidFill>
+              </a:rPr>
+              <a:t>B 252</a:t>
+            </a:r>
+          </a:p>
+        </p:txBody>
+      </p:sp>
+    </p:spTree>
+    <p:extLst>
+      <p:ext uri="{BB962C8B-B14F-4D97-AF65-F5344CB8AC3E}">
+        <p14:creationId xmlns:p14="http://schemas.microsoft.com/office/powerpoint/2010/main" val="2966653664"/>
+      </p:ext>
+    </p:extLst>
+  </p:cSld>
+  <p:clrMapOvr>
+    <a:masterClrMapping/>
+  </p:clrMapOvr>
+</p:sld>
+</file>
+
+<file path=ppt/slides/slide11.xml><?xml version="1.0" encoding="utf-8"?>
+<p:sld xmlns:a="http://schemas.openxmlformats.org/drawingml/2006/main" xmlns:r="http://schemas.openxmlformats.org/officeDocument/2006/relationships" xmlns:p="http://schemas.openxmlformats.org/presentationml/2006/main">
+  <p:cSld>
+    <p:spTree>
+      <p:nvGrpSpPr>
+        <p:cNvPr id="1" name=""/>
+        <p:cNvGrpSpPr/>
+        <p:nvPr/>
+      </p:nvGrpSpPr>
+      <p:grpSpPr>
+        <a:xfrm>
+          <a:off x="0" y="0"/>
+          <a:ext cx="0" cy="0"/>
+          <a:chOff x="0" y="0"/>
+          <a:chExt cx="0" cy="0"/>
+        </a:xfrm>
+      </p:grpSpPr>
+      <p:sp>
+        <p:nvSpPr>
+          <p:cNvPr id="4" name="TextBox 3"/>
+          <p:cNvSpPr txBox="1"/>
+          <p:nvPr/>
+        </p:nvSpPr>
+        <p:spPr>
+          <a:xfrm>
+            <a:off x="254000" y="342900"/>
+            <a:ext cx="11811000" cy="5539978"/>
+          </a:xfrm>
+          <a:prstGeom prst="rect">
+            <a:avLst/>
+          </a:prstGeom>
+          <a:noFill/>
+        </p:spPr>
+        <p:txBody>
+          <a:bodyPr wrap="square" rtlCol="0">
+            <a:spAutoFit/>
+          </a:bodyPr>
+          <a:lstStyle/>
+          <a:p>
+            <a:r>
+              <a:rPr lang="ko-KR" altLang="en-US" sz="2400" b="1" dirty="0">
+                <a:solidFill>
+                  <a:srgbClr val="FF0000"/>
+                </a:solidFill>
+              </a:rPr>
+              <a:t>최근 저의 자료를 카페 등에 무단으로 </a:t>
+            </a:r>
+            <a:r>
+              <a:rPr lang="ko-KR" altLang="en-US" sz="2400" b="1" dirty="0" err="1">
+                <a:solidFill>
+                  <a:srgbClr val="FF0000"/>
+                </a:solidFill>
+              </a:rPr>
+              <a:t>재배포</a:t>
+            </a:r>
+            <a:r>
+              <a:rPr lang="ko-KR" altLang="en-US" sz="2400" b="1" dirty="0">
+                <a:solidFill>
+                  <a:srgbClr val="FF0000"/>
+                </a:solidFill>
+              </a:rPr>
+              <a:t> 하는 일이 자주 발생하고 있습니다</a:t>
+            </a:r>
+            <a:r>
+              <a:rPr lang="en-US" altLang="ko-KR" sz="2400" b="1" dirty="0">
+                <a:solidFill>
+                  <a:srgbClr val="FF0000"/>
+                </a:solidFill>
+              </a:rPr>
+              <a:t>.</a:t>
+            </a:r>
+          </a:p>
+          <a:p>
+            <a:endParaRPr lang="en-US" altLang="ko-KR" dirty="0">
+              <a:solidFill>
+                <a:prstClr val="black"/>
+              </a:solidFill>
+            </a:endParaRPr>
+          </a:p>
+          <a:p>
+            <a:r>
+              <a:rPr lang="ko-KR" altLang="en-US" dirty="0">
+                <a:solidFill>
+                  <a:prstClr val="black"/>
+                </a:solidFill>
+              </a:rPr>
+              <a:t>이에 대해 굉장히 심각한 문제로 받아 들이고 있으며</a:t>
+            </a:r>
+            <a:r>
+              <a:rPr lang="en-US" altLang="ko-KR" dirty="0">
+                <a:solidFill>
+                  <a:prstClr val="black"/>
+                </a:solidFill>
+              </a:rPr>
+              <a:t>,</a:t>
+            </a:r>
+          </a:p>
+          <a:p>
+            <a:endParaRPr lang="en-US" altLang="ko-KR" dirty="0">
+              <a:solidFill>
+                <a:prstClr val="black"/>
+              </a:solidFill>
+            </a:endParaRPr>
+          </a:p>
+          <a:p>
+            <a:r>
+              <a:rPr lang="ko-KR" altLang="en-US" dirty="0">
+                <a:solidFill>
+                  <a:prstClr val="black"/>
+                </a:solidFill>
+              </a:rPr>
+              <a:t>해당 문제가 반복될 경우</a:t>
+            </a:r>
+            <a:r>
+              <a:rPr lang="en-US" altLang="ko-KR" dirty="0">
+                <a:solidFill>
+                  <a:prstClr val="black"/>
+                </a:solidFill>
+              </a:rPr>
+              <a:t>, </a:t>
+            </a:r>
+            <a:r>
+              <a:rPr lang="ko-KR" altLang="en-US" dirty="0" err="1">
+                <a:solidFill>
+                  <a:prstClr val="black"/>
+                </a:solidFill>
+              </a:rPr>
+              <a:t>재배포한</a:t>
+            </a:r>
+            <a:r>
+              <a:rPr lang="ko-KR" altLang="en-US" dirty="0">
+                <a:solidFill>
+                  <a:prstClr val="black"/>
+                </a:solidFill>
+              </a:rPr>
+              <a:t> 자에 대해서는 그에 대한 책임을 반드시 물을 것입니다</a:t>
+            </a:r>
+            <a:r>
+              <a:rPr lang="en-US" altLang="ko-KR" dirty="0">
+                <a:solidFill>
+                  <a:prstClr val="black"/>
+                </a:solidFill>
+              </a:rPr>
+              <a:t>.</a:t>
+            </a:r>
+          </a:p>
+          <a:p>
+            <a:endParaRPr lang="en-US" altLang="ko-KR" dirty="0">
+              <a:solidFill>
+                <a:prstClr val="black"/>
+              </a:solidFill>
+            </a:endParaRPr>
+          </a:p>
+          <a:p>
+            <a:endParaRPr lang="en-US" altLang="ko-KR" dirty="0">
+              <a:solidFill>
+                <a:prstClr val="black"/>
+              </a:solidFill>
+            </a:endParaRPr>
+          </a:p>
+          <a:p>
+            <a:r>
+              <a:rPr lang="ko-KR" altLang="en-US" dirty="0">
+                <a:solidFill>
+                  <a:prstClr val="black"/>
+                </a:solidFill>
+              </a:rPr>
+              <a:t>저작권을 존중하지 않는 극히 소수의 사용자로 인해 다수가 피해를 보지 않도록 주의해 주시면 감사하겠으며</a:t>
+            </a:r>
+            <a:endParaRPr lang="en-US" altLang="ko-KR" dirty="0">
+              <a:solidFill>
+                <a:prstClr val="black"/>
+              </a:solidFill>
+            </a:endParaRPr>
+          </a:p>
+          <a:p>
+            <a:endParaRPr lang="en-US" altLang="ko-KR" dirty="0">
+              <a:solidFill>
+                <a:prstClr val="black"/>
+              </a:solidFill>
+            </a:endParaRPr>
+          </a:p>
+          <a:p>
+            <a:r>
+              <a:rPr lang="ko-KR" altLang="en-US" dirty="0">
+                <a:solidFill>
+                  <a:prstClr val="black"/>
+                </a:solidFill>
+              </a:rPr>
+              <a:t>제 자료가 업로드 된 곳이 있다면 저에게 알려주시면 감사하겠습니다</a:t>
+            </a:r>
+            <a:r>
+              <a:rPr lang="en-US" altLang="ko-KR" dirty="0">
+                <a:solidFill>
+                  <a:prstClr val="black"/>
+                </a:solidFill>
+              </a:rPr>
+              <a:t>.</a:t>
+            </a:r>
+          </a:p>
+          <a:p>
+            <a:endParaRPr lang="en-US" altLang="ko-KR" dirty="0">
+              <a:solidFill>
+                <a:prstClr val="black"/>
+              </a:solidFill>
+            </a:endParaRPr>
+          </a:p>
+          <a:p>
+            <a:endParaRPr lang="en-US" altLang="ko-KR" dirty="0">
+              <a:solidFill>
+                <a:prstClr val="black"/>
+              </a:solidFill>
+            </a:endParaRPr>
+          </a:p>
+          <a:p>
+            <a:r>
+              <a:rPr lang="ko-KR" altLang="en-US" dirty="0">
+                <a:solidFill>
+                  <a:prstClr val="black"/>
+                </a:solidFill>
+              </a:rPr>
+              <a:t>제 자료를 소개하고자 할 경우에는</a:t>
+            </a:r>
+            <a:endParaRPr lang="en-US" altLang="ko-KR" dirty="0">
+              <a:solidFill>
+                <a:prstClr val="black"/>
+              </a:solidFill>
+            </a:endParaRPr>
+          </a:p>
+          <a:p>
+            <a:endParaRPr lang="en-US" altLang="ko-KR" dirty="0">
+              <a:solidFill>
+                <a:prstClr val="black"/>
+              </a:solidFill>
+            </a:endParaRPr>
+          </a:p>
+          <a:p>
+            <a:r>
+              <a:rPr lang="en-US" altLang="ko-KR" dirty="0" err="1">
+                <a:solidFill>
+                  <a:prstClr val="black"/>
+                </a:solidFill>
+              </a:rPr>
+              <a:t>pptbizcam</a:t>
+            </a:r>
+            <a:r>
+              <a:rPr lang="en-US" altLang="ko-KR" dirty="0">
+                <a:solidFill>
+                  <a:prstClr val="black"/>
+                </a:solidFill>
+              </a:rPr>
+              <a:t> </a:t>
+            </a:r>
+            <a:r>
+              <a:rPr lang="ko-KR" altLang="en-US" dirty="0">
+                <a:solidFill>
+                  <a:prstClr val="black"/>
+                </a:solidFill>
+              </a:rPr>
+              <a:t>사이트로의 링크 처리로만 가능하며 </a:t>
+            </a:r>
+            <a:endParaRPr lang="en-US" altLang="ko-KR" dirty="0">
+              <a:solidFill>
+                <a:prstClr val="black"/>
+              </a:solidFill>
+            </a:endParaRPr>
+          </a:p>
+          <a:p>
+            <a:endParaRPr lang="en-US" altLang="ko-KR" dirty="0">
+              <a:solidFill>
+                <a:prstClr val="black"/>
+              </a:solidFill>
+            </a:endParaRPr>
+          </a:p>
+          <a:p>
+            <a:r>
+              <a:rPr lang="ko-KR" altLang="en-US" dirty="0">
+                <a:solidFill>
+                  <a:prstClr val="black"/>
+                </a:solidFill>
+              </a:rPr>
+              <a:t>파일 자체를 업로드 하는 것은 불가한 점 유의해 주시면 감사하겠습니다</a:t>
+            </a:r>
+            <a:r>
+              <a:rPr lang="en-US" altLang="ko-KR" dirty="0">
+                <a:solidFill>
+                  <a:prstClr val="black"/>
+                </a:solidFill>
+              </a:rPr>
+              <a:t>.</a:t>
+            </a:r>
+          </a:p>
+          <a:p>
+            <a:endParaRPr lang="en-US" altLang="ko-KR" dirty="0">
+              <a:solidFill>
+                <a:prstClr val="black"/>
+              </a:solidFill>
+            </a:endParaRPr>
+          </a:p>
+          <a:p>
+            <a:r>
+              <a:rPr lang="ko-KR" altLang="en-US" sz="2400" b="1" dirty="0">
+                <a:solidFill>
+                  <a:srgbClr val="FF0000"/>
+                </a:solidFill>
+              </a:rPr>
+              <a:t>홍보</a:t>
+            </a:r>
+            <a:r>
+              <a:rPr lang="en-US" altLang="ko-KR" sz="2400" b="1" dirty="0">
+                <a:solidFill>
+                  <a:srgbClr val="FF0000"/>
+                </a:solidFill>
+              </a:rPr>
+              <a:t>, </a:t>
+            </a:r>
+            <a:r>
+              <a:rPr lang="ko-KR" altLang="en-US" sz="2400" b="1" dirty="0">
+                <a:solidFill>
+                  <a:srgbClr val="FF0000"/>
+                </a:solidFill>
+              </a:rPr>
+              <a:t>경제적 이익을 취하는 행위 또한 불가합니다</a:t>
+            </a:r>
+            <a:r>
+              <a:rPr lang="en-US" altLang="ko-KR" sz="2400" b="1" dirty="0">
+                <a:solidFill>
+                  <a:srgbClr val="FF0000"/>
+                </a:solidFill>
+              </a:rPr>
+              <a:t>.</a:t>
+            </a:r>
+          </a:p>
+        </p:txBody>
+      </p:sp>
+    </p:spTree>
+    <p:extLst>
+      <p:ext uri="{BB962C8B-B14F-4D97-AF65-F5344CB8AC3E}">
+        <p14:creationId xmlns:p14="http://schemas.microsoft.com/office/powerpoint/2010/main" val="4091591731"/>
+      </p:ext>
+    </p:extLst>
+  </p:cSld>
+  <p:clrMapOvr>
+    <a:masterClrMapping/>
+  </p:clrMapOvr>
+</p:sld>
+</file>
+
 <file path=ppt/slides/slide2.xml><?xml version="1.0" encoding="utf-8"?>
 <p:sld xmlns:a="http://schemas.openxmlformats.org/drawingml/2006/main" xmlns:r="http://schemas.openxmlformats.org/officeDocument/2006/relationships" xmlns:p="http://schemas.openxmlformats.org/presentationml/2006/main">
   <p:cSld>
@@ -4653,7 +5516,7 @@
         </p:nvGrpSpPr>
         <p:grpSpPr>
           <a:xfrm>
-            <a:off x="488950" y="248513"/>
+            <a:off x="464012" y="308266"/>
             <a:ext cx="11214100" cy="6422656"/>
             <a:chOff x="488950" y="1016000"/>
             <a:chExt cx="11214100" cy="5742215"/>
@@ -4705,11 +5568,36 @@
             <a:bodyPr rtlCol="0" anchor="ctr"/>
             <a:lstStyle/>
             <a:p>
-              <a:pPr algn="ctr"/>
-              <a:endParaRPr lang="ko-KR" altLang="en-US">
+              <a:pPr marL="0" marR="0" lvl="0" indent="0" algn="ctr" defTabSz="914400" rtl="0" eaLnBrk="1" fontAlgn="auto" latinLnBrk="1" hangingPunct="1">
+                <a:lnSpc>
+                  <a:spcPct val="100000"/>
+                </a:lnSpc>
+                <a:spcBef>
+                  <a:spcPts val="0"/>
+                </a:spcBef>
+                <a:spcAft>
+                  <a:spcPts val="0"/>
+                </a:spcAft>
+                <a:buClrTx/>
+                <a:buSzTx/>
+                <a:buFontTx/>
+                <a:buNone/>
+                <a:tabLst/>
+                <a:defRPr/>
+              </a:pPr>
+              <a:endParaRPr kumimoji="0" lang="ko-KR" altLang="en-US" sz="1800" b="0" i="0" u="none" strike="noStrike" kern="1200" cap="none" spc="0" normalizeH="0" baseline="0" noProof="0">
+                <a:ln>
+                  <a:noFill/>
+                </a:ln>
                 <a:solidFill>
                   <a:prstClr val="white"/>
                 </a:solidFill>
+                <a:effectLst/>
+                <a:uLnTx/>
+                <a:uFillTx/>
+                <a:latin typeface="맑은 고딕" panose="020F0502020204030204"/>
+                <a:ea typeface="맑은 고딕" panose="020B0503020000020004" pitchFamily="50" charset="-127"/>
+                <a:cs typeface="+mn-cs"/>
               </a:endParaRPr>
             </a:p>
           </p:txBody>
@@ -4757,11 +5645,36 @@
             <a:bodyPr rtlCol="0" anchor="ctr"/>
             <a:lstStyle/>
             <a:p>
-              <a:pPr algn="ctr"/>
-              <a:endParaRPr lang="ko-KR" altLang="en-US">
+              <a:pPr marL="0" marR="0" lvl="0" indent="0" algn="ctr" defTabSz="914400" rtl="0" eaLnBrk="1" fontAlgn="auto" latinLnBrk="1" hangingPunct="1">
+                <a:lnSpc>
+                  <a:spcPct val="100000"/>
+                </a:lnSpc>
+                <a:spcBef>
+                  <a:spcPts val="0"/>
+                </a:spcBef>
+                <a:spcAft>
+                  <a:spcPts val="0"/>
+                </a:spcAft>
+                <a:buClrTx/>
+                <a:buSzTx/>
+                <a:buFontTx/>
+                <a:buNone/>
+                <a:tabLst/>
+                <a:defRPr/>
+              </a:pPr>
+              <a:endParaRPr kumimoji="0" lang="ko-KR" altLang="en-US" sz="1800" b="0" i="0" u="none" strike="noStrike" kern="1200" cap="none" spc="0" normalizeH="0" baseline="0" noProof="0">
+                <a:ln>
+                  <a:noFill/>
+                </a:ln>
                 <a:solidFill>
                   <a:prstClr val="white"/>
                 </a:solidFill>
+                <a:effectLst/>
+                <a:uLnTx/>
+                <a:uFillTx/>
+                <a:latin typeface="맑은 고딕" panose="020F0502020204030204"/>
+                <a:ea typeface="맑은 고딕" panose="020B0503020000020004" pitchFamily="50" charset="-127"/>
+                <a:cs typeface="+mn-cs"/>
               </a:endParaRPr>
             </a:p>
           </p:txBody>
@@ -4809,20 +5722,123 @@
             <a:bodyPr rtlCol="0" anchor="ctr"/>
             <a:lstStyle/>
             <a:p>
-              <a:pPr algn="ctr"/>
-              <a:endParaRPr lang="ko-KR" altLang="en-US">
+              <a:pPr marL="0" marR="0" lvl="0" indent="0" algn="ctr" defTabSz="914400" rtl="0" eaLnBrk="1" fontAlgn="auto" latinLnBrk="1" hangingPunct="1">
+                <a:lnSpc>
+                  <a:spcPct val="100000"/>
+                </a:lnSpc>
+                <a:spcBef>
+                  <a:spcPts val="0"/>
+                </a:spcBef>
+                <a:spcAft>
+                  <a:spcPts val="0"/>
+                </a:spcAft>
+                <a:buClrTx/>
+                <a:buSzTx/>
+                <a:buFontTx/>
+                <a:buNone/>
+                <a:tabLst/>
+                <a:defRPr/>
+              </a:pPr>
+              <a:endParaRPr kumimoji="0" lang="ko-KR" altLang="en-US" sz="1800" b="0" i="0" u="none" strike="noStrike" kern="1200" cap="none" spc="0" normalizeH="0" baseline="0" noProof="0">
+                <a:ln>
+                  <a:noFill/>
+                </a:ln>
                 <a:solidFill>
                   <a:prstClr val="white"/>
                 </a:solidFill>
+                <a:effectLst/>
+                <a:uLnTx/>
+                <a:uFillTx/>
+                <a:latin typeface="맑은 고딕" panose="020F0502020204030204"/>
+                <a:ea typeface="맑은 고딕" panose="020B0503020000020004" pitchFamily="50" charset="-127"/>
+                <a:cs typeface="+mn-cs"/>
               </a:endParaRPr>
             </a:p>
           </p:txBody>
         </p:sp>
       </p:grpSp>
+      <p:sp>
+        <p:nvSpPr>
+          <p:cNvPr id="9" name="직사각형 8"/>
+          <p:cNvSpPr/>
+          <p:nvPr/>
+        </p:nvSpPr>
+        <p:spPr>
+          <a:xfrm>
+            <a:off x="4859152" y="890617"/>
+            <a:ext cx="2423820" cy="459357"/>
+          </a:xfrm>
+          <a:prstGeom prst="rect">
+            <a:avLst/>
+          </a:prstGeom>
+        </p:spPr>
+        <p:txBody>
+          <a:bodyPr wrap="square">
+            <a:spAutoFit/>
+          </a:bodyPr>
+          <a:lstStyle/>
+          <a:p>
+            <a:pPr marL="0" marR="0" lvl="0" indent="0" algn="ctr" defTabSz="914400" rtl="0" eaLnBrk="1" fontAlgn="auto" latinLnBrk="1" hangingPunct="1">
+              <a:lnSpc>
+                <a:spcPct val="150000"/>
+              </a:lnSpc>
+              <a:spcBef>
+                <a:spcPts val="0"/>
+              </a:spcBef>
+              <a:spcAft>
+                <a:spcPts val="0"/>
+              </a:spcAft>
+              <a:buClrTx/>
+              <a:buSzTx/>
+              <a:buFontTx/>
+              <a:buNone/>
+              <a:tabLst/>
+              <a:defRPr/>
+            </a:pPr>
+            <a:r>
+              <a:rPr kumimoji="0" lang="ko-KR" altLang="en-US" sz="1800" b="1" i="0" u="none" strike="noStrike" kern="1200" cap="none" spc="0" normalizeH="0" baseline="0" noProof="0" dirty="0" smtClean="0">
+                <a:ln>
+                  <a:noFill/>
+                </a:ln>
+                <a:solidFill>
+                  <a:prstClr val="black">
+                    <a:lumMod val="65000"/>
+                    <a:lumOff val="35000"/>
+                  </a:prstClr>
+                </a:solidFill>
+                <a:effectLst/>
+                <a:uLnTx/>
+                <a:uFillTx/>
+                <a:latin typeface="나눔고딕" panose="020D0604000000000000" pitchFamily="50" charset="-127"/>
+                <a:ea typeface="나눔고딕" panose="020D0604000000000000" pitchFamily="50" charset="-127"/>
+                <a:cs typeface="+mn-cs"/>
+              </a:rPr>
+              <a:t>사용된 프로그램 언어</a:t>
+            </a:r>
+            <a:endParaRPr kumimoji="0" lang="en-US" altLang="ko-KR" sz="1800" b="1" i="0" u="none" strike="noStrike" kern="1200" cap="none" spc="0" normalizeH="0" baseline="0" noProof="0" dirty="0">
+              <a:ln>
+                <a:noFill/>
+              </a:ln>
+              <a:solidFill>
+                <a:prstClr val="black">
+                  <a:lumMod val="65000"/>
+                  <a:lumOff val="35000"/>
+                </a:prstClr>
+              </a:solidFill>
+              <a:effectLst/>
+              <a:uLnTx/>
+              <a:uFillTx/>
+              <a:latin typeface="나눔고딕" panose="020D0604000000000000" pitchFamily="50" charset="-127"/>
+              <a:ea typeface="나눔고딕" panose="020D0604000000000000" pitchFamily="50" charset="-127"/>
+              <a:cs typeface="+mn-cs"/>
+            </a:endParaRPr>
+          </a:p>
+        </p:txBody>
+      </p:sp>
     </p:spTree>
     <p:extLst>
       <p:ext uri="{BB962C8B-B14F-4D97-AF65-F5344CB8AC3E}">
-        <p14:creationId xmlns:p14="http://schemas.microsoft.com/office/powerpoint/2010/main" val="2542102461"/>
+        <p14:creationId xmlns:p14="http://schemas.microsoft.com/office/powerpoint/2010/main" val="3858611575"/>
       </p:ext>
     </p:extLst>
   </p:cSld>
@@ -4833,6 +5849,1471 @@
 </file>
 
 <file path=ppt/slides/slide3.xml><?xml version="1.0" encoding="utf-8"?>
+<p:sld xmlns:a="http://schemas.openxmlformats.org/drawingml/2006/main" xmlns:r="http://schemas.openxmlformats.org/officeDocument/2006/relationships" xmlns:p="http://schemas.openxmlformats.org/presentationml/2006/main">
+  <p:cSld>
+    <p:bg>
+      <p:bgPr>
+        <a:solidFill>
+          <a:srgbClr val="5C9BC7"/>
+        </a:solidFill>
+        <a:effectLst/>
+      </p:bgPr>
+    </p:bg>
+    <p:spTree>
+      <p:nvGrpSpPr>
+        <p:cNvPr id="1" name=""/>
+        <p:cNvGrpSpPr/>
+        <p:nvPr/>
+      </p:nvGrpSpPr>
+      <p:grpSpPr>
+        <a:xfrm>
+          <a:off x="0" y="0"/>
+          <a:ext cx="0" cy="0"/>
+          <a:chOff x="0" y="0"/>
+          <a:chExt cx="0" cy="0"/>
+        </a:xfrm>
+      </p:grpSpPr>
+      <p:grpSp>
+        <p:nvGrpSpPr>
+          <p:cNvPr id="20" name="그룹 19"/>
+          <p:cNvGrpSpPr/>
+          <p:nvPr/>
+        </p:nvGrpSpPr>
+        <p:grpSpPr>
+          <a:xfrm>
+            <a:off x="464012" y="308266"/>
+            <a:ext cx="11214100" cy="6422656"/>
+            <a:chOff x="488950" y="1016000"/>
+            <a:chExt cx="11214100" cy="5742215"/>
+          </a:xfrm>
+        </p:grpSpPr>
+        <p:sp>
+          <p:nvSpPr>
+            <p:cNvPr id="5" name="직사각형 4"/>
+            <p:cNvSpPr/>
+            <p:nvPr/>
+          </p:nvSpPr>
+          <p:spPr>
+            <a:xfrm>
+              <a:off x="488950" y="1016000"/>
+              <a:ext cx="11214100" cy="5626100"/>
+            </a:xfrm>
+            <a:prstGeom prst="rect">
+              <a:avLst/>
+            </a:prstGeom>
+            <a:solidFill>
+              <a:schemeClr val="bg1"/>
+            </a:solidFill>
+            <a:ln>
+              <a:noFill/>
+            </a:ln>
+            <a:effectLst>
+              <a:outerShdw dist="63500" dir="16200000" rotWithShape="0">
+                <a:srgbClr val="BEE2FC"/>
+              </a:outerShdw>
+            </a:effectLst>
+          </p:spPr>
+          <p:style>
+            <a:lnRef idx="2">
+              <a:schemeClr val="accent1">
+                <a:shade val="50000"/>
+              </a:schemeClr>
+            </a:lnRef>
+            <a:fillRef idx="1">
+              <a:schemeClr val="accent1"/>
+            </a:fillRef>
+            <a:effectRef idx="0">
+              <a:schemeClr val="accent1"/>
+            </a:effectRef>
+            <a:fontRef idx="minor">
+              <a:schemeClr val="lt1"/>
+            </a:fontRef>
+          </p:style>
+          <p:txBody>
+            <a:bodyPr rtlCol="0" anchor="ctr"/>
+            <a:lstStyle/>
+            <a:p>
+              <a:pPr marL="0" marR="0" lvl="0" indent="0" algn="ctr" defTabSz="914400" rtl="0" eaLnBrk="1" fontAlgn="auto" latinLnBrk="1" hangingPunct="1">
+                <a:lnSpc>
+                  <a:spcPct val="100000"/>
+                </a:lnSpc>
+                <a:spcBef>
+                  <a:spcPts val="0"/>
+                </a:spcBef>
+                <a:spcAft>
+                  <a:spcPts val="0"/>
+                </a:spcAft>
+                <a:buClrTx/>
+                <a:buSzTx/>
+                <a:buFontTx/>
+                <a:buNone/>
+                <a:tabLst/>
+                <a:defRPr/>
+              </a:pPr>
+              <a:endParaRPr kumimoji="0" lang="ko-KR" altLang="en-US" sz="1800" b="0" i="0" u="none" strike="noStrike" kern="1200" cap="none" spc="0" normalizeH="0" baseline="0" noProof="0">
+                <a:ln>
+                  <a:noFill/>
+                </a:ln>
+                <a:solidFill>
+                  <a:prstClr val="white"/>
+                </a:solidFill>
+                <a:effectLst/>
+                <a:uLnTx/>
+                <a:uFillTx/>
+                <a:latin typeface="맑은 고딕" panose="020F0502020204030204"/>
+                <a:ea typeface="맑은 고딕" panose="020B0503020000020004" pitchFamily="50" charset="-127"/>
+                <a:cs typeface="+mn-cs"/>
+              </a:endParaRPr>
+            </a:p>
+          </p:txBody>
+        </p:sp>
+        <p:sp>
+          <p:nvSpPr>
+            <p:cNvPr id="7" name="직각 삼각형 6"/>
+            <p:cNvSpPr/>
+            <p:nvPr/>
+          </p:nvSpPr>
+          <p:spPr>
+            <a:xfrm flipV="1">
+              <a:off x="651933" y="6656615"/>
+              <a:ext cx="1917700" cy="101600"/>
+            </a:xfrm>
+            <a:prstGeom prst="rtTriangle">
+              <a:avLst/>
+            </a:prstGeom>
+            <a:solidFill>
+              <a:schemeClr val="tx1">
+                <a:alpha val="23000"/>
+              </a:schemeClr>
+            </a:solidFill>
+            <a:ln>
+              <a:noFill/>
+            </a:ln>
+          </p:spPr>
+          <p:style>
+            <a:lnRef idx="2">
+              <a:schemeClr val="accent1">
+                <a:shade val="50000"/>
+              </a:schemeClr>
+            </a:lnRef>
+            <a:fillRef idx="1">
+              <a:schemeClr val="accent1"/>
+            </a:fillRef>
+            <a:effectRef idx="0">
+              <a:schemeClr val="accent1"/>
+            </a:effectRef>
+            <a:fontRef idx="minor">
+              <a:schemeClr val="lt1"/>
+            </a:fontRef>
+          </p:style>
+          <p:txBody>
+            <a:bodyPr rtlCol="0" anchor="ctr"/>
+            <a:lstStyle/>
+            <a:p>
+              <a:pPr marL="0" marR="0" lvl="0" indent="0" algn="ctr" defTabSz="914400" rtl="0" eaLnBrk="1" fontAlgn="auto" latinLnBrk="1" hangingPunct="1">
+                <a:lnSpc>
+                  <a:spcPct val="100000"/>
+                </a:lnSpc>
+                <a:spcBef>
+                  <a:spcPts val="0"/>
+                </a:spcBef>
+                <a:spcAft>
+                  <a:spcPts val="0"/>
+                </a:spcAft>
+                <a:buClrTx/>
+                <a:buSzTx/>
+                <a:buFontTx/>
+                <a:buNone/>
+                <a:tabLst/>
+                <a:defRPr/>
+              </a:pPr>
+              <a:endParaRPr kumimoji="0" lang="ko-KR" altLang="en-US" sz="1800" b="0" i="0" u="none" strike="noStrike" kern="1200" cap="none" spc="0" normalizeH="0" baseline="0" noProof="0">
+                <a:ln>
+                  <a:noFill/>
+                </a:ln>
+                <a:solidFill>
+                  <a:prstClr val="white"/>
+                </a:solidFill>
+                <a:effectLst/>
+                <a:uLnTx/>
+                <a:uFillTx/>
+                <a:latin typeface="맑은 고딕" panose="020F0502020204030204"/>
+                <a:ea typeface="맑은 고딕" panose="020B0503020000020004" pitchFamily="50" charset="-127"/>
+                <a:cs typeface="+mn-cs"/>
+              </a:endParaRPr>
+            </a:p>
+          </p:txBody>
+        </p:sp>
+        <p:sp>
+          <p:nvSpPr>
+            <p:cNvPr id="8" name="직각 삼각형 7"/>
+            <p:cNvSpPr/>
+            <p:nvPr/>
+          </p:nvSpPr>
+          <p:spPr>
+            <a:xfrm flipH="1" flipV="1">
+              <a:off x="9622409" y="6645272"/>
+              <a:ext cx="1917700" cy="101600"/>
+            </a:xfrm>
+            <a:prstGeom prst="rtTriangle">
+              <a:avLst/>
+            </a:prstGeom>
+            <a:solidFill>
+              <a:schemeClr val="tx1">
+                <a:alpha val="23000"/>
+              </a:schemeClr>
+            </a:solidFill>
+            <a:ln>
+              <a:noFill/>
+            </a:ln>
+          </p:spPr>
+          <p:style>
+            <a:lnRef idx="2">
+              <a:schemeClr val="accent1">
+                <a:shade val="50000"/>
+              </a:schemeClr>
+            </a:lnRef>
+            <a:fillRef idx="1">
+              <a:schemeClr val="accent1"/>
+            </a:fillRef>
+            <a:effectRef idx="0">
+              <a:schemeClr val="accent1"/>
+            </a:effectRef>
+            <a:fontRef idx="minor">
+              <a:schemeClr val="lt1"/>
+            </a:fontRef>
+          </p:style>
+          <p:txBody>
+            <a:bodyPr rtlCol="0" anchor="ctr"/>
+            <a:lstStyle/>
+            <a:p>
+              <a:pPr marL="0" marR="0" lvl="0" indent="0" algn="ctr" defTabSz="914400" rtl="0" eaLnBrk="1" fontAlgn="auto" latinLnBrk="1" hangingPunct="1">
+                <a:lnSpc>
+                  <a:spcPct val="100000"/>
+                </a:lnSpc>
+                <a:spcBef>
+                  <a:spcPts val="0"/>
+                </a:spcBef>
+                <a:spcAft>
+                  <a:spcPts val="0"/>
+                </a:spcAft>
+                <a:buClrTx/>
+                <a:buSzTx/>
+                <a:buFontTx/>
+                <a:buNone/>
+                <a:tabLst/>
+                <a:defRPr/>
+              </a:pPr>
+              <a:endParaRPr kumimoji="0" lang="ko-KR" altLang="en-US" sz="1800" b="0" i="0" u="none" strike="noStrike" kern="1200" cap="none" spc="0" normalizeH="0" baseline="0" noProof="0">
+                <a:ln>
+                  <a:noFill/>
+                </a:ln>
+                <a:solidFill>
+                  <a:prstClr val="white"/>
+                </a:solidFill>
+                <a:effectLst/>
+                <a:uLnTx/>
+                <a:uFillTx/>
+                <a:latin typeface="맑은 고딕" panose="020F0502020204030204"/>
+                <a:ea typeface="맑은 고딕" panose="020B0503020000020004" pitchFamily="50" charset="-127"/>
+                <a:cs typeface="+mn-cs"/>
+              </a:endParaRPr>
+            </a:p>
+          </p:txBody>
+        </p:sp>
+      </p:grpSp>
+      <p:grpSp>
+        <p:nvGrpSpPr>
+          <p:cNvPr id="2" name="그룹 1"/>
+          <p:cNvGrpSpPr/>
+          <p:nvPr/>
+        </p:nvGrpSpPr>
+        <p:grpSpPr>
+          <a:xfrm>
+            <a:off x="1398366" y="2669456"/>
+            <a:ext cx="9345391" cy="2284931"/>
+            <a:chOff x="1444528" y="2436698"/>
+            <a:chExt cx="9345391" cy="2284931"/>
+          </a:xfrm>
+        </p:grpSpPr>
+        <p:pic>
+          <p:nvPicPr>
+            <p:cNvPr id="1026" name="Picture 2" descr="html5"/>
+            <p:cNvPicPr>
+              <a:picLocks noChangeAspect="1" noChangeArrowheads="1"/>
+            </p:cNvPicPr>
+            <p:nvPr/>
+          </p:nvPicPr>
+          <p:blipFill rotWithShape="1">
+            <a:blip r:embed="rId2" cstate="print">
+              <a:extLst>
+                <a:ext uri="{28A0092B-C50C-407E-A947-70E740481C1C}">
+                  <a14:useLocalDpi xmlns:a14="http://schemas.microsoft.com/office/drawing/2010/main" val="0"/>
+                </a:ext>
+              </a:extLst>
+            </a:blip>
+            <a:srcRect b="20989"/>
+            <a:stretch/>
+          </p:blipFill>
+          <p:spPr bwMode="auto">
+            <a:xfrm>
+              <a:off x="1444528" y="2436698"/>
+              <a:ext cx="5812483" cy="2284931"/>
+            </a:xfrm>
+            <a:prstGeom prst="rect">
+              <a:avLst/>
+            </a:prstGeom>
+            <a:noFill/>
+            <a:extLst>
+              <a:ext uri="{909E8E84-426E-40DD-AFC4-6F175D3DCCD1}">
+                <a14:hiddenFill xmlns:a14="http://schemas.microsoft.com/office/drawing/2010/main">
+                  <a:solidFill>
+                    <a:srgbClr val="FFFFFF"/>
+                  </a:solidFill>
+                </a14:hiddenFill>
+              </a:ext>
+            </a:extLst>
+          </p:spPr>
+        </p:pic>
+        <p:pic>
+          <p:nvPicPr>
+            <p:cNvPr id="1028" name="Picture 4" descr="PHP - How to disable error log, display errors and error reporting programmatically"/>
+            <p:cNvPicPr>
+              <a:picLocks noChangeAspect="1" noChangeArrowheads="1"/>
+            </p:cNvPicPr>
+            <p:nvPr/>
+          </p:nvPicPr>
+          <p:blipFill>
+            <a:blip r:embed="rId3" cstate="print">
+              <a:extLst>
+                <a:ext uri="{28A0092B-C50C-407E-A947-70E740481C1C}">
+                  <a14:useLocalDpi xmlns:a14="http://schemas.microsoft.com/office/drawing/2010/main" val="0"/>
+                </a:ext>
+              </a:extLst>
+            </a:blip>
+            <a:srcRect/>
+            <a:stretch>
+              <a:fillRect/>
+            </a:stretch>
+          </p:blipFill>
+          <p:spPr bwMode="auto">
+            <a:xfrm>
+              <a:off x="7649737" y="2869862"/>
+              <a:ext cx="3140182" cy="1648596"/>
+            </a:xfrm>
+            <a:prstGeom prst="rect">
+              <a:avLst/>
+            </a:prstGeom>
+            <a:noFill/>
+            <a:extLst>
+              <a:ext uri="{909E8E84-426E-40DD-AFC4-6F175D3DCCD1}">
+                <a14:hiddenFill xmlns:a14="http://schemas.microsoft.com/office/drawing/2010/main">
+                  <a:solidFill>
+                    <a:srgbClr val="FFFFFF"/>
+                  </a:solidFill>
+                </a14:hiddenFill>
+              </a:ext>
+            </a:extLst>
+          </p:spPr>
+        </p:pic>
+      </p:grpSp>
+      <p:sp>
+        <p:nvSpPr>
+          <p:cNvPr id="9" name="직사각형 8"/>
+          <p:cNvSpPr/>
+          <p:nvPr/>
+        </p:nvSpPr>
+        <p:spPr>
+          <a:xfrm>
+            <a:off x="3863777" y="1119529"/>
+            <a:ext cx="4414570" cy="584775"/>
+          </a:xfrm>
+          <a:prstGeom prst="rect">
+            <a:avLst/>
+          </a:prstGeom>
+        </p:spPr>
+        <p:txBody>
+          <a:bodyPr wrap="square">
+            <a:spAutoFit/>
+          </a:bodyPr>
+          <a:lstStyle/>
+          <a:p>
+            <a:pPr marL="0" marR="0" lvl="0" indent="0" algn="ctr" defTabSz="914400" rtl="0" eaLnBrk="1" fontAlgn="auto" latinLnBrk="1" hangingPunct="1">
+              <a:spcBef>
+                <a:spcPts val="0"/>
+              </a:spcBef>
+              <a:spcAft>
+                <a:spcPts val="0"/>
+              </a:spcAft>
+              <a:buClrTx/>
+              <a:buSzTx/>
+              <a:buFontTx/>
+              <a:buNone/>
+              <a:tabLst/>
+              <a:defRPr/>
+            </a:pPr>
+            <a:r>
+              <a:rPr lang="ko-KR" altLang="en-US" sz="3200" b="1" dirty="0" smtClean="0">
+                <a:solidFill>
+                  <a:prstClr val="black">
+                    <a:lumMod val="65000"/>
+                    <a:lumOff val="35000"/>
+                  </a:prstClr>
+                </a:solidFill>
+                <a:latin typeface="나눔고딕" panose="020D0604000000000000" pitchFamily="50" charset="-127"/>
+                <a:ea typeface="나눔고딕" panose="020D0604000000000000" pitchFamily="50" charset="-127"/>
+              </a:rPr>
+              <a:t>사용된 프로그램 언어</a:t>
+            </a:r>
+            <a:endParaRPr kumimoji="0" lang="en-US" altLang="ko-KR" sz="3200" b="1" i="0" u="none" strike="noStrike" kern="1200" cap="none" spc="0" normalizeH="0" baseline="0" noProof="0" dirty="0">
+              <a:ln>
+                <a:noFill/>
+              </a:ln>
+              <a:solidFill>
+                <a:prstClr val="black">
+                  <a:lumMod val="65000"/>
+                  <a:lumOff val="35000"/>
+                </a:prstClr>
+              </a:solidFill>
+              <a:effectLst/>
+              <a:uLnTx/>
+              <a:uFillTx/>
+              <a:latin typeface="나눔고딕" panose="020D0604000000000000" pitchFamily="50" charset="-127"/>
+              <a:ea typeface="나눔고딕" panose="020D0604000000000000" pitchFamily="50" charset="-127"/>
+            </a:endParaRPr>
+          </a:p>
+        </p:txBody>
+      </p:sp>
+    </p:spTree>
+    <p:extLst>
+      <p:ext uri="{BB962C8B-B14F-4D97-AF65-F5344CB8AC3E}">
+        <p14:creationId xmlns:p14="http://schemas.microsoft.com/office/powerpoint/2010/main" val="2262335210"/>
+      </p:ext>
+    </p:extLst>
+  </p:cSld>
+  <p:clrMapOvr>
+    <a:masterClrMapping/>
+  </p:clrMapOvr>
+</p:sld>
+</file>
+
+<file path=ppt/slides/slide4.xml><?xml version="1.0" encoding="utf-8"?>
+<p:sld xmlns:a="http://schemas.openxmlformats.org/drawingml/2006/main" xmlns:r="http://schemas.openxmlformats.org/officeDocument/2006/relationships" xmlns:p="http://schemas.openxmlformats.org/presentationml/2006/main">
+  <p:cSld>
+    <p:bg>
+      <p:bgPr>
+        <a:solidFill>
+          <a:srgbClr val="5C9BC7"/>
+        </a:solidFill>
+        <a:effectLst/>
+      </p:bgPr>
+    </p:bg>
+    <p:spTree>
+      <p:nvGrpSpPr>
+        <p:cNvPr id="1" name=""/>
+        <p:cNvGrpSpPr/>
+        <p:nvPr/>
+      </p:nvGrpSpPr>
+      <p:grpSpPr>
+        <a:xfrm>
+          <a:off x="0" y="0"/>
+          <a:ext cx="0" cy="0"/>
+          <a:chOff x="0" y="0"/>
+          <a:chExt cx="0" cy="0"/>
+        </a:xfrm>
+      </p:grpSpPr>
+      <p:grpSp>
+        <p:nvGrpSpPr>
+          <p:cNvPr id="20" name="그룹 19"/>
+          <p:cNvGrpSpPr/>
+          <p:nvPr/>
+        </p:nvGrpSpPr>
+        <p:grpSpPr>
+          <a:xfrm>
+            <a:off x="464012" y="308266"/>
+            <a:ext cx="11214100" cy="6422656"/>
+            <a:chOff x="488950" y="1016000"/>
+            <a:chExt cx="11214100" cy="5742215"/>
+          </a:xfrm>
+        </p:grpSpPr>
+        <p:sp>
+          <p:nvSpPr>
+            <p:cNvPr id="5" name="직사각형 4"/>
+            <p:cNvSpPr/>
+            <p:nvPr/>
+          </p:nvSpPr>
+          <p:spPr>
+            <a:xfrm>
+              <a:off x="488950" y="1016000"/>
+              <a:ext cx="11214100" cy="5626100"/>
+            </a:xfrm>
+            <a:prstGeom prst="rect">
+              <a:avLst/>
+            </a:prstGeom>
+            <a:solidFill>
+              <a:schemeClr val="bg1"/>
+            </a:solidFill>
+            <a:ln>
+              <a:noFill/>
+            </a:ln>
+            <a:effectLst>
+              <a:outerShdw dist="63500" dir="16200000" rotWithShape="0">
+                <a:srgbClr val="BEE2FC"/>
+              </a:outerShdw>
+            </a:effectLst>
+          </p:spPr>
+          <p:style>
+            <a:lnRef idx="2">
+              <a:schemeClr val="accent1">
+                <a:shade val="50000"/>
+              </a:schemeClr>
+            </a:lnRef>
+            <a:fillRef idx="1">
+              <a:schemeClr val="accent1"/>
+            </a:fillRef>
+            <a:effectRef idx="0">
+              <a:schemeClr val="accent1"/>
+            </a:effectRef>
+            <a:fontRef idx="minor">
+              <a:schemeClr val="lt1"/>
+            </a:fontRef>
+          </p:style>
+          <p:txBody>
+            <a:bodyPr rtlCol="0" anchor="ctr"/>
+            <a:lstStyle/>
+            <a:p>
+              <a:pPr marL="0" marR="0" lvl="0" indent="0" algn="ctr" defTabSz="914400" rtl="0" eaLnBrk="1" fontAlgn="auto" latinLnBrk="1" hangingPunct="1">
+                <a:lnSpc>
+                  <a:spcPct val="100000"/>
+                </a:lnSpc>
+                <a:spcBef>
+                  <a:spcPts val="0"/>
+                </a:spcBef>
+                <a:spcAft>
+                  <a:spcPts val="0"/>
+                </a:spcAft>
+                <a:buClrTx/>
+                <a:buSzTx/>
+                <a:buFontTx/>
+                <a:buNone/>
+                <a:tabLst/>
+                <a:defRPr/>
+              </a:pPr>
+              <a:endParaRPr kumimoji="0" lang="ko-KR" altLang="en-US" sz="1800" b="0" i="0" u="none" strike="noStrike" kern="1200" cap="none" spc="0" normalizeH="0" baseline="0" noProof="0">
+                <a:ln>
+                  <a:noFill/>
+                </a:ln>
+                <a:solidFill>
+                  <a:prstClr val="white"/>
+                </a:solidFill>
+                <a:effectLst/>
+                <a:uLnTx/>
+                <a:uFillTx/>
+                <a:latin typeface="맑은 고딕" panose="020F0502020204030204"/>
+                <a:ea typeface="맑은 고딕" panose="020B0503020000020004" pitchFamily="50" charset="-127"/>
+                <a:cs typeface="+mn-cs"/>
+              </a:endParaRPr>
+            </a:p>
+          </p:txBody>
+        </p:sp>
+        <p:sp>
+          <p:nvSpPr>
+            <p:cNvPr id="7" name="직각 삼각형 6"/>
+            <p:cNvSpPr/>
+            <p:nvPr/>
+          </p:nvSpPr>
+          <p:spPr>
+            <a:xfrm flipV="1">
+              <a:off x="651933" y="6656615"/>
+              <a:ext cx="1917700" cy="101600"/>
+            </a:xfrm>
+            <a:prstGeom prst="rtTriangle">
+              <a:avLst/>
+            </a:prstGeom>
+            <a:solidFill>
+              <a:schemeClr val="tx1">
+                <a:alpha val="23000"/>
+              </a:schemeClr>
+            </a:solidFill>
+            <a:ln>
+              <a:noFill/>
+            </a:ln>
+          </p:spPr>
+          <p:style>
+            <a:lnRef idx="2">
+              <a:schemeClr val="accent1">
+                <a:shade val="50000"/>
+              </a:schemeClr>
+            </a:lnRef>
+            <a:fillRef idx="1">
+              <a:schemeClr val="accent1"/>
+            </a:fillRef>
+            <a:effectRef idx="0">
+              <a:schemeClr val="accent1"/>
+            </a:effectRef>
+            <a:fontRef idx="minor">
+              <a:schemeClr val="lt1"/>
+            </a:fontRef>
+          </p:style>
+          <p:txBody>
+            <a:bodyPr rtlCol="0" anchor="ctr"/>
+            <a:lstStyle/>
+            <a:p>
+              <a:pPr marL="0" marR="0" lvl="0" indent="0" algn="ctr" defTabSz="914400" rtl="0" eaLnBrk="1" fontAlgn="auto" latinLnBrk="1" hangingPunct="1">
+                <a:lnSpc>
+                  <a:spcPct val="100000"/>
+                </a:lnSpc>
+                <a:spcBef>
+                  <a:spcPts val="0"/>
+                </a:spcBef>
+                <a:spcAft>
+                  <a:spcPts val="0"/>
+                </a:spcAft>
+                <a:buClrTx/>
+                <a:buSzTx/>
+                <a:buFontTx/>
+                <a:buNone/>
+                <a:tabLst/>
+                <a:defRPr/>
+              </a:pPr>
+              <a:endParaRPr kumimoji="0" lang="ko-KR" altLang="en-US" sz="1800" b="0" i="0" u="none" strike="noStrike" kern="1200" cap="none" spc="0" normalizeH="0" baseline="0" noProof="0">
+                <a:ln>
+                  <a:noFill/>
+                </a:ln>
+                <a:solidFill>
+                  <a:prstClr val="white"/>
+                </a:solidFill>
+                <a:effectLst/>
+                <a:uLnTx/>
+                <a:uFillTx/>
+                <a:latin typeface="맑은 고딕" panose="020F0502020204030204"/>
+                <a:ea typeface="맑은 고딕" panose="020B0503020000020004" pitchFamily="50" charset="-127"/>
+                <a:cs typeface="+mn-cs"/>
+              </a:endParaRPr>
+            </a:p>
+          </p:txBody>
+        </p:sp>
+        <p:sp>
+          <p:nvSpPr>
+            <p:cNvPr id="8" name="직각 삼각형 7"/>
+            <p:cNvSpPr/>
+            <p:nvPr/>
+          </p:nvSpPr>
+          <p:spPr>
+            <a:xfrm flipH="1" flipV="1">
+              <a:off x="9622409" y="6645272"/>
+              <a:ext cx="1917700" cy="101600"/>
+            </a:xfrm>
+            <a:prstGeom prst="rtTriangle">
+              <a:avLst/>
+            </a:prstGeom>
+            <a:solidFill>
+              <a:schemeClr val="tx1">
+                <a:alpha val="23000"/>
+              </a:schemeClr>
+            </a:solidFill>
+            <a:ln>
+              <a:noFill/>
+            </a:ln>
+          </p:spPr>
+          <p:style>
+            <a:lnRef idx="2">
+              <a:schemeClr val="accent1">
+                <a:shade val="50000"/>
+              </a:schemeClr>
+            </a:lnRef>
+            <a:fillRef idx="1">
+              <a:schemeClr val="accent1"/>
+            </a:fillRef>
+            <a:effectRef idx="0">
+              <a:schemeClr val="accent1"/>
+            </a:effectRef>
+            <a:fontRef idx="minor">
+              <a:schemeClr val="lt1"/>
+            </a:fontRef>
+          </p:style>
+          <p:txBody>
+            <a:bodyPr rtlCol="0" anchor="ctr"/>
+            <a:lstStyle/>
+            <a:p>
+              <a:pPr marL="0" marR="0" lvl="0" indent="0" algn="ctr" defTabSz="914400" rtl="0" eaLnBrk="1" fontAlgn="auto" latinLnBrk="1" hangingPunct="1">
+                <a:lnSpc>
+                  <a:spcPct val="100000"/>
+                </a:lnSpc>
+                <a:spcBef>
+                  <a:spcPts val="0"/>
+                </a:spcBef>
+                <a:spcAft>
+                  <a:spcPts val="0"/>
+                </a:spcAft>
+                <a:buClrTx/>
+                <a:buSzTx/>
+                <a:buFontTx/>
+                <a:buNone/>
+                <a:tabLst/>
+                <a:defRPr/>
+              </a:pPr>
+              <a:endParaRPr kumimoji="0" lang="ko-KR" altLang="en-US" sz="1800" b="0" i="0" u="none" strike="noStrike" kern="1200" cap="none" spc="0" normalizeH="0" baseline="0" noProof="0">
+                <a:ln>
+                  <a:noFill/>
+                </a:ln>
+                <a:solidFill>
+                  <a:prstClr val="white"/>
+                </a:solidFill>
+                <a:effectLst/>
+                <a:uLnTx/>
+                <a:uFillTx/>
+                <a:latin typeface="맑은 고딕" panose="020F0502020204030204"/>
+                <a:ea typeface="맑은 고딕" panose="020B0503020000020004" pitchFamily="50" charset="-127"/>
+                <a:cs typeface="+mn-cs"/>
+              </a:endParaRPr>
+            </a:p>
+          </p:txBody>
+        </p:sp>
+      </p:grpSp>
+      <p:sp>
+        <p:nvSpPr>
+          <p:cNvPr id="9" name="직사각형 8"/>
+          <p:cNvSpPr/>
+          <p:nvPr/>
+        </p:nvSpPr>
+        <p:spPr>
+          <a:xfrm>
+            <a:off x="3863777" y="1119529"/>
+            <a:ext cx="4414570" cy="584775"/>
+          </a:xfrm>
+          <a:prstGeom prst="rect">
+            <a:avLst/>
+          </a:prstGeom>
+        </p:spPr>
+        <p:txBody>
+          <a:bodyPr wrap="square">
+            <a:spAutoFit/>
+          </a:bodyPr>
+          <a:lstStyle/>
+          <a:p>
+            <a:pPr marL="0" marR="0" lvl="0" indent="0" algn="ctr" defTabSz="914400" rtl="0" eaLnBrk="1" fontAlgn="auto" latinLnBrk="1" hangingPunct="1">
+              <a:lnSpc>
+                <a:spcPct val="100000"/>
+              </a:lnSpc>
+              <a:spcBef>
+                <a:spcPts val="0"/>
+              </a:spcBef>
+              <a:spcAft>
+                <a:spcPts val="0"/>
+              </a:spcAft>
+              <a:buClrTx/>
+              <a:buSzTx/>
+              <a:buFontTx/>
+              <a:buNone/>
+              <a:tabLst/>
+              <a:defRPr/>
+            </a:pPr>
+            <a:r>
+              <a:rPr kumimoji="0" lang="ko-KR" altLang="en-US" sz="3200" b="1" i="0" u="none" strike="noStrike" kern="1200" cap="none" spc="0" normalizeH="0" baseline="0" noProof="0" dirty="0" smtClean="0">
+                <a:ln>
+                  <a:noFill/>
+                </a:ln>
+                <a:solidFill>
+                  <a:prstClr val="black">
+                    <a:lumMod val="65000"/>
+                    <a:lumOff val="35000"/>
+                  </a:prstClr>
+                </a:solidFill>
+                <a:effectLst/>
+                <a:uLnTx/>
+                <a:uFillTx/>
+                <a:latin typeface="나눔고딕" panose="020D0604000000000000" pitchFamily="50" charset="-127"/>
+                <a:ea typeface="나눔고딕" panose="020D0604000000000000" pitchFamily="50" charset="-127"/>
+                <a:cs typeface="+mn-cs"/>
+              </a:rPr>
+              <a:t>사용된 도구</a:t>
+            </a:r>
+            <a:endParaRPr kumimoji="0" lang="en-US" altLang="ko-KR" sz="3200" b="1" i="0" u="none" strike="noStrike" kern="1200" cap="none" spc="0" normalizeH="0" baseline="0" noProof="0" dirty="0">
+              <a:ln>
+                <a:noFill/>
+              </a:ln>
+              <a:solidFill>
+                <a:prstClr val="black">
+                  <a:lumMod val="65000"/>
+                  <a:lumOff val="35000"/>
+                </a:prstClr>
+              </a:solidFill>
+              <a:effectLst/>
+              <a:uLnTx/>
+              <a:uFillTx/>
+              <a:latin typeface="나눔고딕" panose="020D0604000000000000" pitchFamily="50" charset="-127"/>
+              <a:ea typeface="나눔고딕" panose="020D0604000000000000" pitchFamily="50" charset="-127"/>
+              <a:cs typeface="+mn-cs"/>
+            </a:endParaRPr>
+          </a:p>
+        </p:txBody>
+      </p:sp>
+      <p:grpSp>
+        <p:nvGrpSpPr>
+          <p:cNvPr id="10" name="그룹 9"/>
+          <p:cNvGrpSpPr/>
+          <p:nvPr/>
+        </p:nvGrpSpPr>
+        <p:grpSpPr>
+          <a:xfrm>
+            <a:off x="2433146" y="2470203"/>
+            <a:ext cx="7275831" cy="3364946"/>
+            <a:chOff x="2392427" y="2312045"/>
+            <a:chExt cx="7275831" cy="3364946"/>
+          </a:xfrm>
+        </p:grpSpPr>
+        <p:graphicFrame>
+          <p:nvGraphicFramePr>
+            <p:cNvPr id="11" name="개체 10"/>
+            <p:cNvGraphicFramePr>
+              <a:graphicFrameLocks noChangeAspect="1"/>
+            </p:cNvGraphicFramePr>
+            <p:nvPr>
+              <p:extLst>
+                <p:ext uri="{D42A27DB-BD31-4B8C-83A1-F6EECF244321}">
+                  <p14:modId xmlns:p14="http://schemas.microsoft.com/office/powerpoint/2010/main" val="374752101"/>
+                </p:ext>
+              </p:extLst>
+            </p:nvPr>
+          </p:nvGraphicFramePr>
+          <p:xfrm>
+            <a:off x="2544695" y="2312045"/>
+            <a:ext cx="1668999" cy="1873963"/>
+          </p:xfrm>
+          <a:graphic>
+            <a:graphicData uri="http://schemas.openxmlformats.org/presentationml/2006/ole">
+              <mc:AlternateContent xmlns:mc="http://schemas.openxmlformats.org/markup-compatibility/2006">
+                <mc:Choice xmlns:v="urn:schemas-microsoft-com:vml" Requires="v">
+                  <p:oleObj spid="_x0000_s5124" name="Image" r:id="rId3" imgW="3618720" imgH="4063320" progId="Photoshop.Image.13">
+                    <p:embed/>
+                  </p:oleObj>
+                </mc:Choice>
+                <mc:Fallback>
+                  <p:oleObj name="Image" r:id="rId3" imgW="3618720" imgH="4063320" progId="Photoshop.Image.13">
+                    <p:embed/>
+                    <p:pic>
+                      <p:nvPicPr>
+                        <p:cNvPr id="17" name="개체 16"/>
+                        <p:cNvPicPr/>
+                        <p:nvPr/>
+                      </p:nvPicPr>
+                      <p:blipFill>
+                        <a:blip r:embed="rId4"/>
+                        <a:stretch>
+                          <a:fillRect/>
+                        </a:stretch>
+                      </p:blipFill>
+                      <p:spPr>
+                        <a:xfrm>
+                          <a:off x="2544695" y="2312045"/>
+                          <a:ext cx="1668999" cy="1873963"/>
+                        </a:xfrm>
+                        <a:prstGeom prst="rect">
+                          <a:avLst/>
+                        </a:prstGeom>
+                      </p:spPr>
+                    </p:pic>
+                  </p:oleObj>
+                </mc:Fallback>
+              </mc:AlternateContent>
+            </a:graphicData>
+          </a:graphic>
+        </p:graphicFrame>
+        <p:pic>
+          <p:nvPicPr>
+            <p:cNvPr id="12" name="그림 11"/>
+            <p:cNvPicPr>
+              <a:picLocks noChangeAspect="1"/>
+            </p:cNvPicPr>
+            <p:nvPr/>
+          </p:nvPicPr>
+          <p:blipFill>
+            <a:blip r:embed="rId5"/>
+            <a:stretch>
+              <a:fillRect/>
+            </a:stretch>
+          </p:blipFill>
+          <p:spPr>
+            <a:xfrm>
+              <a:off x="5029116" y="2312045"/>
+              <a:ext cx="2072055" cy="1851624"/>
+            </a:xfrm>
+            <a:prstGeom prst="rect">
+              <a:avLst/>
+            </a:prstGeom>
+          </p:spPr>
+        </p:pic>
+        <p:pic>
+          <p:nvPicPr>
+            <p:cNvPr id="13" name="그림 12"/>
+            <p:cNvPicPr>
+              <a:picLocks noChangeAspect="1"/>
+            </p:cNvPicPr>
+            <p:nvPr/>
+          </p:nvPicPr>
+          <p:blipFill rotWithShape="1">
+            <a:blip r:embed="rId6"/>
+            <a:srcRect l="7589" t="29160" r="8095" b="27551"/>
+            <a:stretch/>
+          </p:blipFill>
+          <p:spPr>
+            <a:xfrm>
+              <a:off x="7916528" y="4751627"/>
+              <a:ext cx="1751730" cy="786950"/>
+            </a:xfrm>
+            <a:prstGeom prst="rect">
+              <a:avLst/>
+            </a:prstGeom>
+          </p:spPr>
+        </p:pic>
+        <p:graphicFrame>
+          <p:nvGraphicFramePr>
+            <p:cNvPr id="14" name="개체 13"/>
+            <p:cNvGraphicFramePr>
+              <a:graphicFrameLocks noChangeAspect="1"/>
+            </p:cNvGraphicFramePr>
+            <p:nvPr>
+              <p:extLst>
+                <p:ext uri="{D42A27DB-BD31-4B8C-83A1-F6EECF244321}">
+                  <p14:modId xmlns:p14="http://schemas.microsoft.com/office/powerpoint/2010/main" val="2752426474"/>
+                </p:ext>
+              </p:extLst>
+            </p:nvPr>
+          </p:nvGraphicFramePr>
+          <p:xfrm>
+            <a:off x="7916529" y="2312045"/>
+            <a:ext cx="1596486" cy="1886433"/>
+          </p:xfrm>
+          <a:graphic>
+            <a:graphicData uri="http://schemas.openxmlformats.org/presentationml/2006/ole">
+              <mc:AlternateContent xmlns:mc="http://schemas.openxmlformats.org/markup-compatibility/2006">
+                <mc:Choice xmlns:v="urn:schemas-microsoft-com:vml" Requires="v">
+                  <p:oleObj spid="_x0000_s5125" name="Image" r:id="rId7" imgW="4266360" imgH="5041080" progId="Photoshop.Image.13">
+                    <p:embed/>
+                  </p:oleObj>
+                </mc:Choice>
+                <mc:Fallback>
+                  <p:oleObj name="Image" r:id="rId7" imgW="4266360" imgH="5041080" progId="Photoshop.Image.13">
+                    <p:embed/>
+                    <p:pic>
+                      <p:nvPicPr>
+                        <p:cNvPr id="21" name="개체 20"/>
+                        <p:cNvPicPr/>
+                        <p:nvPr/>
+                      </p:nvPicPr>
+                      <p:blipFill>
+                        <a:blip r:embed="rId8"/>
+                        <a:stretch>
+                          <a:fillRect/>
+                        </a:stretch>
+                      </p:blipFill>
+                      <p:spPr>
+                        <a:xfrm>
+                          <a:off x="7916529" y="2312045"/>
+                          <a:ext cx="1596486" cy="1886433"/>
+                        </a:xfrm>
+                        <a:prstGeom prst="rect">
+                          <a:avLst/>
+                        </a:prstGeom>
+                      </p:spPr>
+                    </p:pic>
+                  </p:oleObj>
+                </mc:Fallback>
+              </mc:AlternateContent>
+            </a:graphicData>
+          </a:graphic>
+        </p:graphicFrame>
+        <p:pic>
+          <p:nvPicPr>
+            <p:cNvPr id="15" name="그림 14"/>
+            <p:cNvPicPr>
+              <a:picLocks noChangeAspect="1"/>
+            </p:cNvPicPr>
+            <p:nvPr/>
+          </p:nvPicPr>
+          <p:blipFill>
+            <a:blip r:embed="rId9">
+              <a:extLst>
+                <a:ext uri="{28A0092B-C50C-407E-A947-70E740481C1C}">
+                  <a14:useLocalDpi xmlns:a14="http://schemas.microsoft.com/office/drawing/2010/main" val="0"/>
+                </a:ext>
+              </a:extLst>
+            </a:blip>
+            <a:stretch>
+              <a:fillRect/>
+            </a:stretch>
+          </p:blipFill>
+          <p:spPr>
+            <a:xfrm>
+              <a:off x="4945923" y="4615308"/>
+              <a:ext cx="2238375" cy="1061683"/>
+            </a:xfrm>
+            <a:prstGeom prst="rect">
+              <a:avLst/>
+            </a:prstGeom>
+          </p:spPr>
+        </p:pic>
+        <p:pic>
+          <p:nvPicPr>
+            <p:cNvPr id="16" name="Picture 5" descr="https://byline.network/wp-content/uploads/2017/10/mysql-logo.jpg"/>
+            <p:cNvPicPr>
+              <a:picLocks noChangeAspect="1" noChangeArrowheads="1"/>
+            </p:cNvPicPr>
+            <p:nvPr/>
+          </p:nvPicPr>
+          <p:blipFill>
+            <a:blip r:embed="rId10" cstate="print">
+              <a:extLst>
+                <a:ext uri="{28A0092B-C50C-407E-A947-70E740481C1C}">
+                  <a14:useLocalDpi xmlns:a14="http://schemas.microsoft.com/office/drawing/2010/main" val="0"/>
+                </a:ext>
+              </a:extLst>
+            </a:blip>
+            <a:srcRect/>
+            <a:stretch>
+              <a:fillRect/>
+            </a:stretch>
+          </p:blipFill>
+          <p:spPr bwMode="auto">
+            <a:xfrm>
+              <a:off x="2392427" y="4751627"/>
+              <a:ext cx="1821267" cy="786950"/>
+            </a:xfrm>
+            <a:prstGeom prst="rect">
+              <a:avLst/>
+            </a:prstGeom>
+            <a:noFill/>
+            <a:extLst>
+              <a:ext uri="{909E8E84-426E-40DD-AFC4-6F175D3DCCD1}">
+                <a14:hiddenFill xmlns:a14="http://schemas.microsoft.com/office/drawing/2010/main">
+                  <a:solidFill>
+                    <a:srgbClr val="FFFFFF"/>
+                  </a:solidFill>
+                </a14:hiddenFill>
+              </a:ext>
+            </a:extLst>
+          </p:spPr>
+        </p:pic>
+      </p:grpSp>
+    </p:spTree>
+    <p:extLst>
+      <p:ext uri="{BB962C8B-B14F-4D97-AF65-F5344CB8AC3E}">
+        <p14:creationId xmlns:p14="http://schemas.microsoft.com/office/powerpoint/2010/main" val="2449891527"/>
+      </p:ext>
+    </p:extLst>
+  </p:cSld>
+  <p:clrMapOvr>
+    <a:masterClrMapping/>
+  </p:clrMapOvr>
+</p:sld>
+</file>
+
+<file path=ppt/slides/slide5.xml><?xml version="1.0" encoding="utf-8"?>
+<p:sld xmlns:a="http://schemas.openxmlformats.org/drawingml/2006/main" xmlns:r="http://schemas.openxmlformats.org/officeDocument/2006/relationships" xmlns:p="http://schemas.openxmlformats.org/presentationml/2006/main">
+  <p:cSld>
+    <p:bg>
+      <p:bgPr>
+        <a:solidFill>
+          <a:srgbClr val="5C9BC7"/>
+        </a:solidFill>
+        <a:effectLst/>
+      </p:bgPr>
+    </p:bg>
+    <p:spTree>
+      <p:nvGrpSpPr>
+        <p:cNvPr id="1" name=""/>
+        <p:cNvGrpSpPr/>
+        <p:nvPr/>
+      </p:nvGrpSpPr>
+      <p:grpSpPr>
+        <a:xfrm>
+          <a:off x="0" y="0"/>
+          <a:ext cx="0" cy="0"/>
+          <a:chOff x="0" y="0"/>
+          <a:chExt cx="0" cy="0"/>
+        </a:xfrm>
+      </p:grpSpPr>
+      <p:grpSp>
+        <p:nvGrpSpPr>
+          <p:cNvPr id="20" name="그룹 19"/>
+          <p:cNvGrpSpPr/>
+          <p:nvPr/>
+        </p:nvGrpSpPr>
+        <p:grpSpPr>
+          <a:xfrm>
+            <a:off x="464012" y="308266"/>
+            <a:ext cx="11214100" cy="6422656"/>
+            <a:chOff x="488950" y="1016000"/>
+            <a:chExt cx="11214100" cy="5742215"/>
+          </a:xfrm>
+        </p:grpSpPr>
+        <p:sp>
+          <p:nvSpPr>
+            <p:cNvPr id="5" name="직사각형 4"/>
+            <p:cNvSpPr/>
+            <p:nvPr/>
+          </p:nvSpPr>
+          <p:spPr>
+            <a:xfrm>
+              <a:off x="488950" y="1016000"/>
+              <a:ext cx="11214100" cy="5626100"/>
+            </a:xfrm>
+            <a:prstGeom prst="rect">
+              <a:avLst/>
+            </a:prstGeom>
+            <a:solidFill>
+              <a:schemeClr val="bg1"/>
+            </a:solidFill>
+            <a:ln>
+              <a:noFill/>
+            </a:ln>
+            <a:effectLst>
+              <a:outerShdw dist="63500" dir="16200000" rotWithShape="0">
+                <a:srgbClr val="BEE2FC"/>
+              </a:outerShdw>
+            </a:effectLst>
+          </p:spPr>
+          <p:style>
+            <a:lnRef idx="2">
+              <a:schemeClr val="accent1">
+                <a:shade val="50000"/>
+              </a:schemeClr>
+            </a:lnRef>
+            <a:fillRef idx="1">
+              <a:schemeClr val="accent1"/>
+            </a:fillRef>
+            <a:effectRef idx="0">
+              <a:schemeClr val="accent1"/>
+            </a:effectRef>
+            <a:fontRef idx="minor">
+              <a:schemeClr val="lt1"/>
+            </a:fontRef>
+          </p:style>
+          <p:txBody>
+            <a:bodyPr rtlCol="0" anchor="ctr"/>
+            <a:lstStyle/>
+            <a:p>
+              <a:pPr marL="0" marR="0" lvl="0" indent="0" algn="ctr" defTabSz="914400" rtl="0" eaLnBrk="1" fontAlgn="auto" latinLnBrk="1" hangingPunct="1">
+                <a:lnSpc>
+                  <a:spcPct val="100000"/>
+                </a:lnSpc>
+                <a:spcBef>
+                  <a:spcPts val="0"/>
+                </a:spcBef>
+                <a:spcAft>
+                  <a:spcPts val="0"/>
+                </a:spcAft>
+                <a:buClrTx/>
+                <a:buSzTx/>
+                <a:buFontTx/>
+                <a:buNone/>
+                <a:tabLst/>
+                <a:defRPr/>
+              </a:pPr>
+              <a:endParaRPr kumimoji="0" lang="ko-KR" altLang="en-US" sz="1800" b="0" i="0" u="none" strike="noStrike" kern="1200" cap="none" spc="0" normalizeH="0" baseline="0" noProof="0">
+                <a:ln>
+                  <a:noFill/>
+                </a:ln>
+                <a:solidFill>
+                  <a:prstClr val="white"/>
+                </a:solidFill>
+                <a:effectLst/>
+                <a:uLnTx/>
+                <a:uFillTx/>
+                <a:latin typeface="맑은 고딕" panose="020F0502020204030204"/>
+                <a:ea typeface="맑은 고딕" panose="020B0503020000020004" pitchFamily="50" charset="-127"/>
+                <a:cs typeface="+mn-cs"/>
+              </a:endParaRPr>
+            </a:p>
+          </p:txBody>
+        </p:sp>
+        <p:sp>
+          <p:nvSpPr>
+            <p:cNvPr id="7" name="직각 삼각형 6"/>
+            <p:cNvSpPr/>
+            <p:nvPr/>
+          </p:nvSpPr>
+          <p:spPr>
+            <a:xfrm flipV="1">
+              <a:off x="651933" y="6656615"/>
+              <a:ext cx="1917700" cy="101600"/>
+            </a:xfrm>
+            <a:prstGeom prst="rtTriangle">
+              <a:avLst/>
+            </a:prstGeom>
+            <a:solidFill>
+              <a:schemeClr val="tx1">
+                <a:alpha val="23000"/>
+              </a:schemeClr>
+            </a:solidFill>
+            <a:ln>
+              <a:noFill/>
+            </a:ln>
+          </p:spPr>
+          <p:style>
+            <a:lnRef idx="2">
+              <a:schemeClr val="accent1">
+                <a:shade val="50000"/>
+              </a:schemeClr>
+            </a:lnRef>
+            <a:fillRef idx="1">
+              <a:schemeClr val="accent1"/>
+            </a:fillRef>
+            <a:effectRef idx="0">
+              <a:schemeClr val="accent1"/>
+            </a:effectRef>
+            <a:fontRef idx="minor">
+              <a:schemeClr val="lt1"/>
+            </a:fontRef>
+          </p:style>
+          <p:txBody>
+            <a:bodyPr rtlCol="0" anchor="ctr"/>
+            <a:lstStyle/>
+            <a:p>
+              <a:pPr marL="0" marR="0" lvl="0" indent="0" algn="ctr" defTabSz="914400" rtl="0" eaLnBrk="1" fontAlgn="auto" latinLnBrk="1" hangingPunct="1">
+                <a:lnSpc>
+                  <a:spcPct val="100000"/>
+                </a:lnSpc>
+                <a:spcBef>
+                  <a:spcPts val="0"/>
+                </a:spcBef>
+                <a:spcAft>
+                  <a:spcPts val="0"/>
+                </a:spcAft>
+                <a:buClrTx/>
+                <a:buSzTx/>
+                <a:buFontTx/>
+                <a:buNone/>
+                <a:tabLst/>
+                <a:defRPr/>
+              </a:pPr>
+              <a:endParaRPr kumimoji="0" lang="ko-KR" altLang="en-US" sz="1800" b="0" i="0" u="none" strike="noStrike" kern="1200" cap="none" spc="0" normalizeH="0" baseline="0" noProof="0">
+                <a:ln>
+                  <a:noFill/>
+                </a:ln>
+                <a:solidFill>
+                  <a:prstClr val="white"/>
+                </a:solidFill>
+                <a:effectLst/>
+                <a:uLnTx/>
+                <a:uFillTx/>
+                <a:latin typeface="맑은 고딕" panose="020F0502020204030204"/>
+                <a:ea typeface="맑은 고딕" panose="020B0503020000020004" pitchFamily="50" charset="-127"/>
+                <a:cs typeface="+mn-cs"/>
+              </a:endParaRPr>
+            </a:p>
+          </p:txBody>
+        </p:sp>
+        <p:sp>
+          <p:nvSpPr>
+            <p:cNvPr id="8" name="직각 삼각형 7"/>
+            <p:cNvSpPr/>
+            <p:nvPr/>
+          </p:nvSpPr>
+          <p:spPr>
+            <a:xfrm flipH="1" flipV="1">
+              <a:off x="9622409" y="6645272"/>
+              <a:ext cx="1917700" cy="101600"/>
+            </a:xfrm>
+            <a:prstGeom prst="rtTriangle">
+              <a:avLst/>
+            </a:prstGeom>
+            <a:solidFill>
+              <a:schemeClr val="tx1">
+                <a:alpha val="23000"/>
+              </a:schemeClr>
+            </a:solidFill>
+            <a:ln>
+              <a:noFill/>
+            </a:ln>
+          </p:spPr>
+          <p:style>
+            <a:lnRef idx="2">
+              <a:schemeClr val="accent1">
+                <a:shade val="50000"/>
+              </a:schemeClr>
+            </a:lnRef>
+            <a:fillRef idx="1">
+              <a:schemeClr val="accent1"/>
+            </a:fillRef>
+            <a:effectRef idx="0">
+              <a:schemeClr val="accent1"/>
+            </a:effectRef>
+            <a:fontRef idx="minor">
+              <a:schemeClr val="lt1"/>
+            </a:fontRef>
+          </p:style>
+          <p:txBody>
+            <a:bodyPr rtlCol="0" anchor="ctr"/>
+            <a:lstStyle/>
+            <a:p>
+              <a:pPr marL="0" marR="0" lvl="0" indent="0" algn="ctr" defTabSz="914400" rtl="0" eaLnBrk="1" fontAlgn="auto" latinLnBrk="1" hangingPunct="1">
+                <a:lnSpc>
+                  <a:spcPct val="100000"/>
+                </a:lnSpc>
+                <a:spcBef>
+                  <a:spcPts val="0"/>
+                </a:spcBef>
+                <a:spcAft>
+                  <a:spcPts val="0"/>
+                </a:spcAft>
+                <a:buClrTx/>
+                <a:buSzTx/>
+                <a:buFontTx/>
+                <a:buNone/>
+                <a:tabLst/>
+                <a:defRPr/>
+              </a:pPr>
+              <a:endParaRPr kumimoji="0" lang="ko-KR" altLang="en-US" sz="1800" b="0" i="0" u="none" strike="noStrike" kern="1200" cap="none" spc="0" normalizeH="0" baseline="0" noProof="0">
+                <a:ln>
+                  <a:noFill/>
+                </a:ln>
+                <a:solidFill>
+                  <a:prstClr val="white"/>
+                </a:solidFill>
+                <a:effectLst/>
+                <a:uLnTx/>
+                <a:uFillTx/>
+                <a:latin typeface="맑은 고딕" panose="020F0502020204030204"/>
+                <a:ea typeface="맑은 고딕" panose="020B0503020000020004" pitchFamily="50" charset="-127"/>
+                <a:cs typeface="+mn-cs"/>
+              </a:endParaRPr>
+            </a:p>
+          </p:txBody>
+        </p:sp>
+      </p:grpSp>
+      <p:sp>
+        <p:nvSpPr>
+          <p:cNvPr id="9" name="직사각형 8"/>
+          <p:cNvSpPr/>
+          <p:nvPr/>
+        </p:nvSpPr>
+        <p:spPr>
+          <a:xfrm>
+            <a:off x="3863777" y="1119529"/>
+            <a:ext cx="4414570" cy="584775"/>
+          </a:xfrm>
+          <a:prstGeom prst="rect">
+            <a:avLst/>
+          </a:prstGeom>
+        </p:spPr>
+        <p:txBody>
+          <a:bodyPr wrap="square">
+            <a:spAutoFit/>
+          </a:bodyPr>
+          <a:lstStyle/>
+          <a:p>
+            <a:pPr marL="0" marR="0" lvl="0" indent="0" algn="ctr" defTabSz="914400" rtl="0" eaLnBrk="1" fontAlgn="auto" latinLnBrk="1" hangingPunct="1">
+              <a:lnSpc>
+                <a:spcPct val="100000"/>
+              </a:lnSpc>
+              <a:spcBef>
+                <a:spcPts val="0"/>
+              </a:spcBef>
+              <a:spcAft>
+                <a:spcPts val="0"/>
+              </a:spcAft>
+              <a:buClrTx/>
+              <a:buSzTx/>
+              <a:buFontTx/>
+              <a:buNone/>
+              <a:tabLst/>
+              <a:defRPr/>
+            </a:pPr>
+            <a:r>
+              <a:rPr kumimoji="0" lang="ko-KR" altLang="en-US" sz="3200" b="1" i="0" u="none" strike="noStrike" kern="1200" cap="none" spc="0" normalizeH="0" baseline="0" noProof="0" dirty="0" smtClean="0">
+                <a:ln>
+                  <a:noFill/>
+                </a:ln>
+                <a:solidFill>
+                  <a:prstClr val="black">
+                    <a:lumMod val="65000"/>
+                    <a:lumOff val="35000"/>
+                  </a:prstClr>
+                </a:solidFill>
+                <a:effectLst/>
+                <a:uLnTx/>
+                <a:uFillTx/>
+                <a:latin typeface="나눔고딕" panose="020D0604000000000000" pitchFamily="50" charset="-127"/>
+                <a:ea typeface="나눔고딕" panose="020D0604000000000000" pitchFamily="50" charset="-127"/>
+                <a:cs typeface="+mn-cs"/>
+              </a:rPr>
+              <a:t>기본 구조</a:t>
+            </a:r>
+            <a:endParaRPr kumimoji="0" lang="en-US" altLang="ko-KR" sz="3200" b="1" i="0" u="none" strike="noStrike" kern="1200" cap="none" spc="0" normalizeH="0" baseline="0" noProof="0" dirty="0">
+              <a:ln>
+                <a:noFill/>
+              </a:ln>
+              <a:solidFill>
+                <a:prstClr val="black">
+                  <a:lumMod val="65000"/>
+                  <a:lumOff val="35000"/>
+                </a:prstClr>
+              </a:solidFill>
+              <a:effectLst/>
+              <a:uLnTx/>
+              <a:uFillTx/>
+              <a:latin typeface="나눔고딕" panose="020D0604000000000000" pitchFamily="50" charset="-127"/>
+              <a:ea typeface="나눔고딕" panose="020D0604000000000000" pitchFamily="50" charset="-127"/>
+              <a:cs typeface="+mn-cs"/>
+            </a:endParaRPr>
+          </a:p>
+        </p:txBody>
+      </p:sp>
+      <p:pic>
+        <p:nvPicPr>
+          <p:cNvPr id="6150" name="Picture 6" descr="http://3.bp.blogspot.com/-CnBNOP198p0/Tx_kGiE4X0I/AAAAAAAAABY/RdrjpW_o36E/s1600/how-php-works.jpg"/>
+          <p:cNvPicPr>
+            <a:picLocks noChangeAspect="1" noChangeArrowheads="1"/>
+          </p:cNvPicPr>
+          <p:nvPr/>
+        </p:nvPicPr>
+        <p:blipFill rotWithShape="1">
+          <a:blip r:embed="rId2">
+            <a:extLst>
+              <a:ext uri="{28A0092B-C50C-407E-A947-70E740481C1C}">
+                <a14:useLocalDpi xmlns:a14="http://schemas.microsoft.com/office/drawing/2010/main" val="0"/>
+              </a:ext>
+            </a:extLst>
+          </a:blip>
+          <a:srcRect t="10157" b="1"/>
+          <a:stretch/>
+        </p:blipFill>
+        <p:spPr bwMode="auto">
+          <a:xfrm>
+            <a:off x="3075994" y="2239006"/>
+            <a:ext cx="5990136" cy="3827340"/>
+          </a:xfrm>
+          <a:prstGeom prst="rect">
+            <a:avLst/>
+          </a:prstGeom>
+          <a:noFill/>
+          <a:extLst>
+            <a:ext uri="{909E8E84-426E-40DD-AFC4-6F175D3DCCD1}">
+              <a14:hiddenFill xmlns:a14="http://schemas.microsoft.com/office/drawing/2010/main">
+                <a:solidFill>
+                  <a:srgbClr val="FFFFFF"/>
+                </a:solidFill>
+              </a14:hiddenFill>
+            </a:ext>
+          </a:extLst>
+        </p:spPr>
+      </p:pic>
+    </p:spTree>
+    <p:extLst>
+      <p:ext uri="{BB962C8B-B14F-4D97-AF65-F5344CB8AC3E}">
+        <p14:creationId xmlns:p14="http://schemas.microsoft.com/office/powerpoint/2010/main" val="4071331705"/>
+      </p:ext>
+    </p:extLst>
+  </p:cSld>
+  <p:clrMapOvr>
+    <a:masterClrMapping/>
+  </p:clrMapOvr>
+</p:sld>
+</file>
+
+<file path=ppt/slides/slide6.xml><?xml version="1.0" encoding="utf-8"?>
 <p:sld xmlns:a="http://schemas.openxmlformats.org/drawingml/2006/main" xmlns:r="http://schemas.openxmlformats.org/officeDocument/2006/relationships" xmlns:p="http://schemas.openxmlformats.org/presentationml/2006/main">
   <p:cSld>
     <p:bg>
@@ -5106,293 +7587,6 @@
           </p:txBody>
         </p:sp>
       </p:grpSp>
-    </p:spTree>
-    <p:extLst>
-      <p:ext uri="{BB962C8B-B14F-4D97-AF65-F5344CB8AC3E}">
-        <p14:creationId xmlns:p14="http://schemas.microsoft.com/office/powerpoint/2010/main" val="2262335210"/>
-      </p:ext>
-    </p:extLst>
-  </p:cSld>
-  <p:clrMapOvr>
-    <a:masterClrMapping/>
-  </p:clrMapOvr>
-</p:sld>
-</file>
-
-<file path=ppt/slides/slide4.xml><?xml version="1.0" encoding="utf-8"?>
-<p:sld xmlns:a="http://schemas.openxmlformats.org/drawingml/2006/main" xmlns:r="http://schemas.openxmlformats.org/officeDocument/2006/relationships" xmlns:p="http://schemas.openxmlformats.org/presentationml/2006/main">
-  <p:cSld>
-    <p:bg>
-      <p:bgPr>
-        <a:solidFill>
-          <a:srgbClr val="5C9BC7"/>
-        </a:solidFill>
-        <a:effectLst/>
-      </p:bgPr>
-    </p:bg>
-    <p:spTree>
-      <p:nvGrpSpPr>
-        <p:cNvPr id="1" name=""/>
-        <p:cNvGrpSpPr/>
-        <p:nvPr/>
-      </p:nvGrpSpPr>
-      <p:grpSpPr>
-        <a:xfrm>
-          <a:off x="0" y="0"/>
-          <a:ext cx="0" cy="0"/>
-          <a:chOff x="0" y="0"/>
-          <a:chExt cx="0" cy="0"/>
-        </a:xfrm>
-      </p:grpSpPr>
-      <p:grpSp>
-        <p:nvGrpSpPr>
-          <p:cNvPr id="20" name="그룹 19"/>
-          <p:cNvGrpSpPr/>
-          <p:nvPr/>
-        </p:nvGrpSpPr>
-        <p:grpSpPr>
-          <a:xfrm>
-            <a:off x="488950" y="248513"/>
-            <a:ext cx="11214100" cy="6422656"/>
-            <a:chOff x="488950" y="1016000"/>
-            <a:chExt cx="11214100" cy="5742215"/>
-          </a:xfrm>
-        </p:grpSpPr>
-        <p:sp>
-          <p:nvSpPr>
-            <p:cNvPr id="5" name="직사각형 4"/>
-            <p:cNvSpPr/>
-            <p:nvPr/>
-          </p:nvSpPr>
-          <p:spPr>
-            <a:xfrm>
-              <a:off x="488950" y="1016000"/>
-              <a:ext cx="11214100" cy="5626100"/>
-            </a:xfrm>
-            <a:prstGeom prst="rect">
-              <a:avLst/>
-            </a:prstGeom>
-            <a:solidFill>
-              <a:schemeClr val="bg1"/>
-            </a:solidFill>
-            <a:ln>
-              <a:noFill/>
-            </a:ln>
-            <a:effectLst>
-              <a:outerShdw dist="63500" dir="16200000" rotWithShape="0">
-                <a:srgbClr val="BEE2FC"/>
-              </a:outerShdw>
-            </a:effectLst>
-          </p:spPr>
-          <p:style>
-            <a:lnRef idx="2">
-              <a:schemeClr val="accent1">
-                <a:shade val="50000"/>
-              </a:schemeClr>
-            </a:lnRef>
-            <a:fillRef idx="1">
-              <a:schemeClr val="accent1"/>
-            </a:fillRef>
-            <a:effectRef idx="0">
-              <a:schemeClr val="accent1"/>
-            </a:effectRef>
-            <a:fontRef idx="minor">
-              <a:schemeClr val="lt1"/>
-            </a:fontRef>
-          </p:style>
-          <p:txBody>
-            <a:bodyPr rtlCol="0" anchor="ctr"/>
-            <a:lstStyle/>
-            <a:p>
-              <a:pPr marL="0" marR="0" lvl="0" indent="0" algn="ctr" defTabSz="914400" rtl="0" eaLnBrk="1" fontAlgn="auto" latinLnBrk="1" hangingPunct="1">
-                <a:lnSpc>
-                  <a:spcPct val="100000"/>
-                </a:lnSpc>
-                <a:spcBef>
-                  <a:spcPts val="0"/>
-                </a:spcBef>
-                <a:spcAft>
-                  <a:spcPts val="0"/>
-                </a:spcAft>
-                <a:buClrTx/>
-                <a:buSzTx/>
-                <a:buFontTx/>
-                <a:buNone/>
-                <a:tabLst/>
-                <a:defRPr/>
-              </a:pPr>
-              <a:endParaRPr kumimoji="0" lang="ko-KR" altLang="en-US" sz="1800" b="0" i="0" u="none" strike="noStrike" kern="1200" cap="none" spc="0" normalizeH="0" baseline="0" noProof="0">
-                <a:ln>
-                  <a:noFill/>
-                </a:ln>
-                <a:solidFill>
-                  <a:prstClr val="white"/>
-                </a:solidFill>
-                <a:effectLst/>
-                <a:uLnTx/>
-                <a:uFillTx/>
-                <a:latin typeface="맑은 고딕" panose="020F0502020204030204"/>
-                <a:ea typeface="맑은 고딕" panose="020B0503020000020004" pitchFamily="50" charset="-127"/>
-                <a:cs typeface="+mn-cs"/>
-              </a:endParaRPr>
-            </a:p>
-          </p:txBody>
-        </p:sp>
-        <p:sp>
-          <p:nvSpPr>
-            <p:cNvPr id="7" name="직각 삼각형 6"/>
-            <p:cNvSpPr/>
-            <p:nvPr/>
-          </p:nvSpPr>
-          <p:spPr>
-            <a:xfrm flipV="1">
-              <a:off x="651933" y="6656615"/>
-              <a:ext cx="1917700" cy="101600"/>
-            </a:xfrm>
-            <a:prstGeom prst="rtTriangle">
-              <a:avLst/>
-            </a:prstGeom>
-            <a:solidFill>
-              <a:schemeClr val="tx1">
-                <a:alpha val="23000"/>
-              </a:schemeClr>
-            </a:solidFill>
-            <a:ln>
-              <a:noFill/>
-            </a:ln>
-          </p:spPr>
-          <p:style>
-            <a:lnRef idx="2">
-              <a:schemeClr val="accent1">
-                <a:shade val="50000"/>
-              </a:schemeClr>
-            </a:lnRef>
-            <a:fillRef idx="1">
-              <a:schemeClr val="accent1"/>
-            </a:fillRef>
-            <a:effectRef idx="0">
-              <a:schemeClr val="accent1"/>
-            </a:effectRef>
-            <a:fontRef idx="minor">
-              <a:schemeClr val="lt1"/>
-            </a:fontRef>
-          </p:style>
-          <p:txBody>
-            <a:bodyPr rtlCol="0" anchor="ctr"/>
-            <a:lstStyle/>
-            <a:p>
-              <a:pPr marL="0" marR="0" lvl="0" indent="0" algn="ctr" defTabSz="914400" rtl="0" eaLnBrk="1" fontAlgn="auto" latinLnBrk="1" hangingPunct="1">
-                <a:lnSpc>
-                  <a:spcPct val="100000"/>
-                </a:lnSpc>
-                <a:spcBef>
-                  <a:spcPts val="0"/>
-                </a:spcBef>
-                <a:spcAft>
-                  <a:spcPts val="0"/>
-                </a:spcAft>
-                <a:buClrTx/>
-                <a:buSzTx/>
-                <a:buFontTx/>
-                <a:buNone/>
-                <a:tabLst/>
-                <a:defRPr/>
-              </a:pPr>
-              <a:endParaRPr kumimoji="0" lang="ko-KR" altLang="en-US" sz="1800" b="0" i="0" u="none" strike="noStrike" kern="1200" cap="none" spc="0" normalizeH="0" baseline="0" noProof="0">
-                <a:ln>
-                  <a:noFill/>
-                </a:ln>
-                <a:solidFill>
-                  <a:prstClr val="white"/>
-                </a:solidFill>
-                <a:effectLst/>
-                <a:uLnTx/>
-                <a:uFillTx/>
-                <a:latin typeface="맑은 고딕" panose="020F0502020204030204"/>
-                <a:ea typeface="맑은 고딕" panose="020B0503020000020004" pitchFamily="50" charset="-127"/>
-                <a:cs typeface="+mn-cs"/>
-              </a:endParaRPr>
-            </a:p>
-          </p:txBody>
-        </p:sp>
-        <p:sp>
-          <p:nvSpPr>
-            <p:cNvPr id="8" name="직각 삼각형 7"/>
-            <p:cNvSpPr/>
-            <p:nvPr/>
-          </p:nvSpPr>
-          <p:spPr>
-            <a:xfrm flipH="1" flipV="1">
-              <a:off x="9622409" y="6645272"/>
-              <a:ext cx="1917700" cy="101600"/>
-            </a:xfrm>
-            <a:prstGeom prst="rtTriangle">
-              <a:avLst/>
-            </a:prstGeom>
-            <a:solidFill>
-              <a:schemeClr val="tx1">
-                <a:alpha val="23000"/>
-              </a:schemeClr>
-            </a:solidFill>
-            <a:ln>
-              <a:noFill/>
-            </a:ln>
-          </p:spPr>
-          <p:style>
-            <a:lnRef idx="2">
-              <a:schemeClr val="accent1">
-                <a:shade val="50000"/>
-              </a:schemeClr>
-            </a:lnRef>
-            <a:fillRef idx="1">
-              <a:schemeClr val="accent1"/>
-            </a:fillRef>
-            <a:effectRef idx="0">
-              <a:schemeClr val="accent1"/>
-            </a:effectRef>
-            <a:fontRef idx="minor">
-              <a:schemeClr val="lt1"/>
-            </a:fontRef>
-          </p:style>
-          <p:txBody>
-            <a:bodyPr rtlCol="0" anchor="ctr"/>
-            <a:lstStyle/>
-            <a:p>
-              <a:pPr marL="0" marR="0" lvl="0" indent="0" algn="ctr" defTabSz="914400" rtl="0" eaLnBrk="1" fontAlgn="auto" latinLnBrk="1" hangingPunct="1">
-                <a:lnSpc>
-                  <a:spcPct val="100000"/>
-                </a:lnSpc>
-                <a:spcBef>
-                  <a:spcPts val="0"/>
-                </a:spcBef>
-                <a:spcAft>
-                  <a:spcPts val="0"/>
-                </a:spcAft>
-                <a:buClrTx/>
-                <a:buSzTx/>
-                <a:buFontTx/>
-                <a:buNone/>
-                <a:tabLst/>
-                <a:defRPr/>
-              </a:pPr>
-              <a:endParaRPr kumimoji="0" lang="ko-KR" altLang="en-US" sz="1800" b="0" i="0" u="none" strike="noStrike" kern="1200" cap="none" spc="0" normalizeH="0" baseline="0" noProof="0">
-                <a:ln>
-                  <a:noFill/>
-                </a:ln>
-                <a:solidFill>
-                  <a:prstClr val="white"/>
-                </a:solidFill>
-                <a:effectLst/>
-                <a:uLnTx/>
-                <a:uFillTx/>
-                <a:latin typeface="맑은 고딕" panose="020F0502020204030204"/>
-                <a:ea typeface="맑은 고딕" panose="020B0503020000020004" pitchFamily="50" charset="-127"/>
-                <a:cs typeface="+mn-cs"/>
-              </a:endParaRPr>
-            </a:p>
-          </p:txBody>
-        </p:sp>
-      </p:grpSp>
       <p:grpSp>
         <p:nvGrpSpPr>
           <p:cNvPr id="18" name="그룹 17"/>
@@ -6741,7 +8935,7 @@
 </p:sld>
 </file>
 
-<file path=ppt/slides/slide5.xml><?xml version="1.0" encoding="utf-8"?>
+<file path=ppt/slides/slide7.xml><?xml version="1.0" encoding="utf-8"?>
 <p:sld xmlns:a="http://schemas.openxmlformats.org/drawingml/2006/main" xmlns:r="http://schemas.openxmlformats.org/officeDocument/2006/relationships" xmlns:p="http://schemas.openxmlformats.org/presentationml/2006/main">
   <p:cSld>
     <p:bg>
@@ -9845,7 +12039,7 @@
 </p:sld>
 </file>
 
-<file path=ppt/slides/slide6.xml><?xml version="1.0" encoding="utf-8"?>
+<file path=ppt/slides/slide8.xml><?xml version="1.0" encoding="utf-8"?>
 <p:sld xmlns:a="http://schemas.openxmlformats.org/drawingml/2006/main" xmlns:r="http://schemas.openxmlformats.org/officeDocument/2006/relationships" xmlns:p="http://schemas.openxmlformats.org/presentationml/2006/main">
   <p:cSld>
     <p:bg>
@@ -13638,7 +15832,7 @@
 </p:sld>
 </file>
 
-<file path=ppt/slides/slide7.xml><?xml version="1.0" encoding="utf-8"?>
+<file path=ppt/slides/slide9.xml><?xml version="1.0" encoding="utf-8"?>
 <p:sld xmlns:a="http://schemas.openxmlformats.org/drawingml/2006/main" xmlns:r="http://schemas.openxmlformats.org/officeDocument/2006/relationships" xmlns:p="http://schemas.openxmlformats.org/presentationml/2006/main">
   <p:cSld>
     <p:bg>
@@ -14422,867 +16616,6 @@
     <p:extLst>
       <p:ext uri="{BB962C8B-B14F-4D97-AF65-F5344CB8AC3E}">
         <p14:creationId xmlns:p14="http://schemas.microsoft.com/office/powerpoint/2010/main" val="971976723"/>
-      </p:ext>
-    </p:extLst>
-  </p:cSld>
-  <p:clrMapOvr>
-    <a:masterClrMapping/>
-  </p:clrMapOvr>
-</p:sld>
-</file>
-
-<file path=ppt/slides/slide8.xml><?xml version="1.0" encoding="utf-8"?>
-<p:sld xmlns:a="http://schemas.openxmlformats.org/drawingml/2006/main" xmlns:r="http://schemas.openxmlformats.org/officeDocument/2006/relationships" xmlns:p="http://schemas.openxmlformats.org/presentationml/2006/main">
-  <p:cSld>
-    <p:spTree>
-      <p:nvGrpSpPr>
-        <p:cNvPr id="1" name=""/>
-        <p:cNvGrpSpPr/>
-        <p:nvPr/>
-      </p:nvGrpSpPr>
-      <p:grpSpPr>
-        <a:xfrm>
-          <a:off x="0" y="0"/>
-          <a:ext cx="0" cy="0"/>
-          <a:chOff x="0" y="0"/>
-          <a:chExt cx="0" cy="0"/>
-        </a:xfrm>
-      </p:grpSpPr>
-      <p:sp>
-        <p:nvSpPr>
-          <p:cNvPr id="4" name="직사각형 3"/>
-          <p:cNvSpPr/>
-          <p:nvPr/>
-        </p:nvSpPr>
-        <p:spPr>
-          <a:xfrm>
-            <a:off x="3919935" y="461016"/>
-            <a:ext cx="4236842" cy="655372"/>
-          </a:xfrm>
-          <a:prstGeom prst="rect">
-            <a:avLst/>
-          </a:prstGeom>
-        </p:spPr>
-        <p:txBody>
-          <a:bodyPr wrap="square">
-            <a:spAutoFit/>
-          </a:bodyPr>
-          <a:lstStyle/>
-          <a:p>
-            <a:pPr algn="ctr">
-              <a:lnSpc>
-                <a:spcPct val="150000"/>
-              </a:lnSpc>
-            </a:pPr>
-            <a:r>
-              <a:rPr lang="ko-KR" altLang="en-US" sz="2800" b="1" dirty="0">
-                <a:solidFill>
-                  <a:prstClr val="black">
-                    <a:lumMod val="75000"/>
-                    <a:lumOff val="25000"/>
-                  </a:prstClr>
-                </a:solidFill>
-              </a:rPr>
-              <a:t>오늘 사용한 색상은</a:t>
-            </a:r>
-            <a:r>
-              <a:rPr lang="en-US" altLang="ko-KR" sz="2800" b="1" dirty="0">
-                <a:solidFill>
-                  <a:prstClr val="black">
-                    <a:lumMod val="75000"/>
-                    <a:lumOff val="25000"/>
-                  </a:prstClr>
-                </a:solidFill>
-              </a:rPr>
-              <a:t>?</a:t>
-            </a:r>
-            <a:endParaRPr lang="ko-KR" altLang="en-US" sz="2000" dirty="0">
-              <a:solidFill>
-                <a:prstClr val="black">
-                  <a:lumMod val="75000"/>
-                  <a:lumOff val="25000"/>
-                </a:prstClr>
-              </a:solidFill>
-            </a:endParaRPr>
-          </a:p>
-        </p:txBody>
-      </p:sp>
-      <p:sp>
-        <p:nvSpPr>
-          <p:cNvPr id="5" name="직사각형 4"/>
-          <p:cNvSpPr/>
-          <p:nvPr/>
-        </p:nvSpPr>
-        <p:spPr>
-          <a:xfrm>
-            <a:off x="2387119" y="5524135"/>
-            <a:ext cx="7302474" cy="738664"/>
-          </a:xfrm>
-          <a:prstGeom prst="rect">
-            <a:avLst/>
-          </a:prstGeom>
-        </p:spPr>
-        <p:txBody>
-          <a:bodyPr wrap="square">
-            <a:spAutoFit/>
-          </a:bodyPr>
-          <a:lstStyle/>
-          <a:p>
-            <a:pPr algn="ctr">
-              <a:lnSpc>
-                <a:spcPct val="150000"/>
-              </a:lnSpc>
-            </a:pPr>
-            <a:r>
-              <a:rPr lang="en-US" altLang="ko-KR" sz="1400" dirty="0">
-                <a:solidFill>
-                  <a:prstClr val="black">
-                    <a:lumMod val="75000"/>
-                    <a:lumOff val="25000"/>
-                  </a:prstClr>
-                </a:solidFill>
-              </a:rPr>
-              <a:t>2013 </a:t>
-            </a:r>
-            <a:r>
-              <a:rPr lang="ko-KR" altLang="en-US" sz="1400" dirty="0">
-                <a:solidFill>
-                  <a:prstClr val="black">
-                    <a:lumMod val="75000"/>
-                    <a:lumOff val="25000"/>
-                  </a:prstClr>
-                </a:solidFill>
-              </a:rPr>
-              <a:t>버전 이상 사용자께서는 스포이트 기능을 이용하시면 </a:t>
-            </a:r>
-            <a:r>
-              <a:rPr lang="ko-KR" altLang="en-US" sz="1400" dirty="0" err="1">
-                <a:solidFill>
-                  <a:prstClr val="black">
-                    <a:lumMod val="75000"/>
-                    <a:lumOff val="25000"/>
-                  </a:prstClr>
-                </a:solidFill>
-              </a:rPr>
-              <a:t>편하구요</a:t>
-            </a:r>
-            <a:r>
-              <a:rPr lang="en-US" altLang="ko-KR" sz="1400" dirty="0">
-                <a:solidFill>
-                  <a:prstClr val="black">
-                    <a:lumMod val="75000"/>
-                    <a:lumOff val="25000"/>
-                  </a:prstClr>
-                </a:solidFill>
-              </a:rPr>
-              <a:t>.</a:t>
-            </a:r>
-          </a:p>
-          <a:p>
-            <a:pPr algn="ctr">
-              <a:lnSpc>
-                <a:spcPct val="150000"/>
-              </a:lnSpc>
-            </a:pPr>
-            <a:r>
-              <a:rPr lang="en-US" altLang="ko-KR" sz="1400" dirty="0">
-                <a:solidFill>
-                  <a:prstClr val="black">
-                    <a:lumMod val="75000"/>
-                    <a:lumOff val="25000"/>
-                  </a:prstClr>
-                </a:solidFill>
-              </a:rPr>
-              <a:t>2010 </a:t>
-            </a:r>
-            <a:r>
-              <a:rPr lang="ko-KR" altLang="en-US" sz="1400" dirty="0">
-                <a:solidFill>
-                  <a:prstClr val="black">
-                    <a:lumMod val="75000"/>
-                    <a:lumOff val="25000"/>
-                  </a:prstClr>
-                </a:solidFill>
-              </a:rPr>
-              <a:t>이하 버전 사용자 께서는 다른 채우기 색 </a:t>
-            </a:r>
-            <a:r>
-              <a:rPr lang="en-US" altLang="ko-KR" sz="1400" dirty="0">
-                <a:solidFill>
-                  <a:prstClr val="black">
-                    <a:lumMod val="75000"/>
-                    <a:lumOff val="25000"/>
-                  </a:prstClr>
-                </a:solidFill>
-              </a:rPr>
-              <a:t>&gt;</a:t>
-            </a:r>
-            <a:r>
-              <a:rPr lang="ko-KR" altLang="en-US" sz="1400" dirty="0">
-                <a:solidFill>
-                  <a:prstClr val="black">
-                    <a:lumMod val="75000"/>
-                    <a:lumOff val="25000"/>
-                  </a:prstClr>
-                </a:solidFill>
-              </a:rPr>
-              <a:t> 사용자 지정 탭 </a:t>
-            </a:r>
-            <a:r>
-              <a:rPr lang="en-US" altLang="ko-KR" sz="1400" dirty="0">
-                <a:solidFill>
-                  <a:prstClr val="black">
-                    <a:lumMod val="75000"/>
-                    <a:lumOff val="25000"/>
-                  </a:prstClr>
-                </a:solidFill>
-              </a:rPr>
-              <a:t>&gt; RGB </a:t>
-            </a:r>
-            <a:r>
-              <a:rPr lang="ko-KR" altLang="en-US" sz="1400" dirty="0">
-                <a:solidFill>
-                  <a:prstClr val="black">
-                    <a:lumMod val="75000"/>
-                    <a:lumOff val="25000"/>
-                  </a:prstClr>
-                </a:solidFill>
-              </a:rPr>
-              <a:t>색상 값 입력</a:t>
-            </a:r>
-            <a:endParaRPr lang="en-US" altLang="ko-KR" sz="1400" dirty="0">
-              <a:solidFill>
-                <a:prstClr val="black">
-                  <a:lumMod val="75000"/>
-                  <a:lumOff val="25000"/>
-                </a:prstClr>
-              </a:solidFill>
-            </a:endParaRPr>
-          </a:p>
-        </p:txBody>
-      </p:sp>
-      <p:sp>
-        <p:nvSpPr>
-          <p:cNvPr id="6" name="타원 5"/>
-          <p:cNvSpPr/>
-          <p:nvPr/>
-        </p:nvSpPr>
-        <p:spPr>
-          <a:xfrm>
-            <a:off x="4814737" y="1892806"/>
-            <a:ext cx="2854910" cy="2854910"/>
-          </a:xfrm>
-          <a:prstGeom prst="ellipse">
-            <a:avLst/>
-          </a:prstGeom>
-          <a:solidFill>
-            <a:srgbClr val="3D9DE4"/>
-          </a:solidFill>
-          <a:ln>
-            <a:noFill/>
-          </a:ln>
-        </p:spPr>
-        <p:style>
-          <a:lnRef idx="2">
-            <a:schemeClr val="accent1">
-              <a:shade val="50000"/>
-            </a:schemeClr>
-          </a:lnRef>
-          <a:fillRef idx="1">
-            <a:schemeClr val="accent1"/>
-          </a:fillRef>
-          <a:effectRef idx="0">
-            <a:schemeClr val="accent1"/>
-          </a:effectRef>
-          <a:fontRef idx="minor">
-            <a:schemeClr val="lt1"/>
-          </a:fontRef>
-        </p:style>
-        <p:txBody>
-          <a:bodyPr rtlCol="0" anchor="ctr"/>
-          <a:lstStyle/>
-          <a:p>
-            <a:pPr algn="ctr">
-              <a:lnSpc>
-                <a:spcPct val="150000"/>
-              </a:lnSpc>
-            </a:pPr>
-            <a:r>
-              <a:rPr lang="en-US" altLang="ko-KR" sz="2800" b="1" dirty="0">
-                <a:solidFill>
-                  <a:prstClr val="white"/>
-                </a:solidFill>
-              </a:rPr>
-              <a:t>R 61</a:t>
-            </a:r>
-          </a:p>
-          <a:p>
-            <a:pPr algn="ctr">
-              <a:lnSpc>
-                <a:spcPct val="150000"/>
-              </a:lnSpc>
-            </a:pPr>
-            <a:r>
-              <a:rPr lang="en-US" altLang="ko-KR" sz="2800" b="1" dirty="0">
-                <a:solidFill>
-                  <a:prstClr val="white"/>
-                </a:solidFill>
-              </a:rPr>
-              <a:t>G 157</a:t>
-            </a:r>
-          </a:p>
-          <a:p>
-            <a:pPr algn="ctr">
-              <a:lnSpc>
-                <a:spcPct val="150000"/>
-              </a:lnSpc>
-            </a:pPr>
-            <a:r>
-              <a:rPr lang="en-US" altLang="ko-KR" sz="2800" b="1" dirty="0">
-                <a:solidFill>
-                  <a:prstClr val="white"/>
-                </a:solidFill>
-              </a:rPr>
-              <a:t>B 228</a:t>
-            </a:r>
-          </a:p>
-        </p:txBody>
-      </p:sp>
-      <p:sp>
-        <p:nvSpPr>
-          <p:cNvPr id="7" name="타원 6"/>
-          <p:cNvSpPr/>
-          <p:nvPr/>
-        </p:nvSpPr>
-        <p:spPr>
-          <a:xfrm>
-            <a:off x="1472697" y="1988311"/>
-            <a:ext cx="2854910" cy="2854910"/>
-          </a:xfrm>
-          <a:prstGeom prst="ellipse">
-            <a:avLst/>
-          </a:prstGeom>
-          <a:solidFill>
-            <a:srgbClr val="5C9BC7"/>
-          </a:solidFill>
-          <a:ln>
-            <a:noFill/>
-          </a:ln>
-        </p:spPr>
-        <p:style>
-          <a:lnRef idx="2">
-            <a:schemeClr val="accent1">
-              <a:shade val="50000"/>
-            </a:schemeClr>
-          </a:lnRef>
-          <a:fillRef idx="1">
-            <a:schemeClr val="accent1"/>
-          </a:fillRef>
-          <a:effectRef idx="0">
-            <a:schemeClr val="accent1"/>
-          </a:effectRef>
-          <a:fontRef idx="minor">
-            <a:schemeClr val="lt1"/>
-          </a:fontRef>
-        </p:style>
-        <p:txBody>
-          <a:bodyPr rtlCol="0" anchor="ctr"/>
-          <a:lstStyle/>
-          <a:p>
-            <a:pPr algn="ctr">
-              <a:lnSpc>
-                <a:spcPct val="150000"/>
-              </a:lnSpc>
-            </a:pPr>
-            <a:r>
-              <a:rPr lang="en-US" altLang="ko-KR" sz="2800" b="1" dirty="0">
-                <a:solidFill>
-                  <a:prstClr val="white"/>
-                </a:solidFill>
-              </a:rPr>
-              <a:t>R 92</a:t>
-            </a:r>
-          </a:p>
-          <a:p>
-            <a:pPr algn="ctr">
-              <a:lnSpc>
-                <a:spcPct val="150000"/>
-              </a:lnSpc>
-            </a:pPr>
-            <a:r>
-              <a:rPr lang="en-US" altLang="ko-KR" sz="2800" b="1" dirty="0">
-                <a:solidFill>
-                  <a:prstClr val="white"/>
-                </a:solidFill>
-              </a:rPr>
-              <a:t>G 155</a:t>
-            </a:r>
-          </a:p>
-          <a:p>
-            <a:pPr algn="ctr">
-              <a:lnSpc>
-                <a:spcPct val="150000"/>
-              </a:lnSpc>
-            </a:pPr>
-            <a:r>
-              <a:rPr lang="en-US" altLang="ko-KR" sz="2800" b="1" dirty="0">
-                <a:solidFill>
-                  <a:prstClr val="white"/>
-                </a:solidFill>
-              </a:rPr>
-              <a:t>B 199</a:t>
-            </a:r>
-          </a:p>
-        </p:txBody>
-      </p:sp>
-      <p:sp>
-        <p:nvSpPr>
-          <p:cNvPr id="8" name="타원 7"/>
-          <p:cNvSpPr/>
-          <p:nvPr/>
-        </p:nvSpPr>
-        <p:spPr>
-          <a:xfrm>
-            <a:off x="8156777" y="1892806"/>
-            <a:ext cx="2854910" cy="2854910"/>
-          </a:xfrm>
-          <a:prstGeom prst="ellipse">
-            <a:avLst/>
-          </a:prstGeom>
-          <a:solidFill>
-            <a:srgbClr val="BEE2FC"/>
-          </a:solidFill>
-          <a:ln>
-            <a:noFill/>
-          </a:ln>
-        </p:spPr>
-        <p:style>
-          <a:lnRef idx="2">
-            <a:schemeClr val="accent1">
-              <a:shade val="50000"/>
-            </a:schemeClr>
-          </a:lnRef>
-          <a:fillRef idx="1">
-            <a:schemeClr val="accent1"/>
-          </a:fillRef>
-          <a:effectRef idx="0">
-            <a:schemeClr val="accent1"/>
-          </a:effectRef>
-          <a:fontRef idx="minor">
-            <a:schemeClr val="lt1"/>
-          </a:fontRef>
-        </p:style>
-        <p:txBody>
-          <a:bodyPr rtlCol="0" anchor="ctr"/>
-          <a:lstStyle/>
-          <a:p>
-            <a:pPr algn="ctr">
-              <a:lnSpc>
-                <a:spcPct val="150000"/>
-              </a:lnSpc>
-            </a:pPr>
-            <a:r>
-              <a:rPr lang="pt-BR" altLang="ko-KR" sz="2800" b="1" dirty="0">
-                <a:solidFill>
-                  <a:prstClr val="black">
-                    <a:lumMod val="75000"/>
-                    <a:lumOff val="25000"/>
-                  </a:prstClr>
-                </a:solidFill>
-              </a:rPr>
-              <a:t>R 190</a:t>
-            </a:r>
-          </a:p>
-          <a:p>
-            <a:pPr algn="ctr">
-              <a:lnSpc>
-                <a:spcPct val="150000"/>
-              </a:lnSpc>
-            </a:pPr>
-            <a:r>
-              <a:rPr lang="pt-BR" altLang="ko-KR" sz="2800" b="1" dirty="0">
-                <a:solidFill>
-                  <a:prstClr val="black">
-                    <a:lumMod val="75000"/>
-                    <a:lumOff val="25000"/>
-                  </a:prstClr>
-                </a:solidFill>
-              </a:rPr>
-              <a:t>G 226</a:t>
-            </a:r>
-          </a:p>
-          <a:p>
-            <a:pPr algn="ctr">
-              <a:lnSpc>
-                <a:spcPct val="150000"/>
-              </a:lnSpc>
-            </a:pPr>
-            <a:r>
-              <a:rPr lang="pt-BR" altLang="ko-KR" sz="2800" b="1" dirty="0">
-                <a:solidFill>
-                  <a:prstClr val="black">
-                    <a:lumMod val="75000"/>
-                    <a:lumOff val="25000"/>
-                  </a:prstClr>
-                </a:solidFill>
-              </a:rPr>
-              <a:t>B 252</a:t>
-            </a:r>
-          </a:p>
-        </p:txBody>
-      </p:sp>
-    </p:spTree>
-    <p:extLst>
-      <p:ext uri="{BB962C8B-B14F-4D97-AF65-F5344CB8AC3E}">
-        <p14:creationId xmlns:p14="http://schemas.microsoft.com/office/powerpoint/2010/main" val="2966653664"/>
-      </p:ext>
-    </p:extLst>
-  </p:cSld>
-  <p:clrMapOvr>
-    <a:masterClrMapping/>
-  </p:clrMapOvr>
-</p:sld>
-</file>
-
-<file path=ppt/slides/slide9.xml><?xml version="1.0" encoding="utf-8"?>
-<p:sld xmlns:a="http://schemas.openxmlformats.org/drawingml/2006/main" xmlns:r="http://schemas.openxmlformats.org/officeDocument/2006/relationships" xmlns:p="http://schemas.openxmlformats.org/presentationml/2006/main">
-  <p:cSld>
-    <p:spTree>
-      <p:nvGrpSpPr>
-        <p:cNvPr id="1" name=""/>
-        <p:cNvGrpSpPr/>
-        <p:nvPr/>
-      </p:nvGrpSpPr>
-      <p:grpSpPr>
-        <a:xfrm>
-          <a:off x="0" y="0"/>
-          <a:ext cx="0" cy="0"/>
-          <a:chOff x="0" y="0"/>
-          <a:chExt cx="0" cy="0"/>
-        </a:xfrm>
-      </p:grpSpPr>
-      <p:sp>
-        <p:nvSpPr>
-          <p:cNvPr id="4" name="TextBox 3"/>
-          <p:cNvSpPr txBox="1"/>
-          <p:nvPr/>
-        </p:nvSpPr>
-        <p:spPr>
-          <a:xfrm>
-            <a:off x="254000" y="342900"/>
-            <a:ext cx="11811000" cy="5539978"/>
-          </a:xfrm>
-          <a:prstGeom prst="rect">
-            <a:avLst/>
-          </a:prstGeom>
-          <a:noFill/>
-        </p:spPr>
-        <p:txBody>
-          <a:bodyPr wrap="square" rtlCol="0">
-            <a:spAutoFit/>
-          </a:bodyPr>
-          <a:lstStyle/>
-          <a:p>
-            <a:r>
-              <a:rPr lang="ko-KR" altLang="en-US" sz="2400" b="1" dirty="0">
-                <a:solidFill>
-                  <a:srgbClr val="FF0000"/>
-                </a:solidFill>
-              </a:rPr>
-              <a:t>최근 저의 자료를 카페 등에 무단으로 </a:t>
-            </a:r>
-            <a:r>
-              <a:rPr lang="ko-KR" altLang="en-US" sz="2400" b="1" dirty="0" err="1">
-                <a:solidFill>
-                  <a:srgbClr val="FF0000"/>
-                </a:solidFill>
-              </a:rPr>
-              <a:t>재배포</a:t>
-            </a:r>
-            <a:r>
-              <a:rPr lang="ko-KR" altLang="en-US" sz="2400" b="1" dirty="0">
-                <a:solidFill>
-                  <a:srgbClr val="FF0000"/>
-                </a:solidFill>
-              </a:rPr>
-              <a:t> 하는 일이 자주 발생하고 있습니다</a:t>
-            </a:r>
-            <a:r>
-              <a:rPr lang="en-US" altLang="ko-KR" sz="2400" b="1" dirty="0">
-                <a:solidFill>
-                  <a:srgbClr val="FF0000"/>
-                </a:solidFill>
-              </a:rPr>
-              <a:t>.</a:t>
-            </a:r>
-          </a:p>
-          <a:p>
-            <a:endParaRPr lang="en-US" altLang="ko-KR" dirty="0">
-              <a:solidFill>
-                <a:prstClr val="black"/>
-              </a:solidFill>
-            </a:endParaRPr>
-          </a:p>
-          <a:p>
-            <a:r>
-              <a:rPr lang="ko-KR" altLang="en-US" dirty="0">
-                <a:solidFill>
-                  <a:prstClr val="black"/>
-                </a:solidFill>
-              </a:rPr>
-              <a:t>이에 대해 굉장히 심각한 문제로 받아 들이고 있으며</a:t>
-            </a:r>
-            <a:r>
-              <a:rPr lang="en-US" altLang="ko-KR" dirty="0">
-                <a:solidFill>
-                  <a:prstClr val="black"/>
-                </a:solidFill>
-              </a:rPr>
-              <a:t>,</a:t>
-            </a:r>
-          </a:p>
-          <a:p>
-            <a:endParaRPr lang="en-US" altLang="ko-KR" dirty="0">
-              <a:solidFill>
-                <a:prstClr val="black"/>
-              </a:solidFill>
-            </a:endParaRPr>
-          </a:p>
-          <a:p>
-            <a:r>
-              <a:rPr lang="ko-KR" altLang="en-US" dirty="0">
-                <a:solidFill>
-                  <a:prstClr val="black"/>
-                </a:solidFill>
-              </a:rPr>
-              <a:t>해당 문제가 반복될 경우</a:t>
-            </a:r>
-            <a:r>
-              <a:rPr lang="en-US" altLang="ko-KR" dirty="0">
-                <a:solidFill>
-                  <a:prstClr val="black"/>
-                </a:solidFill>
-              </a:rPr>
-              <a:t>, </a:t>
-            </a:r>
-            <a:r>
-              <a:rPr lang="ko-KR" altLang="en-US" dirty="0" err="1">
-                <a:solidFill>
-                  <a:prstClr val="black"/>
-                </a:solidFill>
-              </a:rPr>
-              <a:t>재배포한</a:t>
-            </a:r>
-            <a:r>
-              <a:rPr lang="ko-KR" altLang="en-US" dirty="0">
-                <a:solidFill>
-                  <a:prstClr val="black"/>
-                </a:solidFill>
-              </a:rPr>
-              <a:t> 자에 대해서는 그에 대한 책임을 반드시 물을 것입니다</a:t>
-            </a:r>
-            <a:r>
-              <a:rPr lang="en-US" altLang="ko-KR" dirty="0">
-                <a:solidFill>
-                  <a:prstClr val="black"/>
-                </a:solidFill>
-              </a:rPr>
-              <a:t>.</a:t>
-            </a:r>
-          </a:p>
-          <a:p>
-            <a:endParaRPr lang="en-US" altLang="ko-KR" dirty="0">
-              <a:solidFill>
-                <a:prstClr val="black"/>
-              </a:solidFill>
-            </a:endParaRPr>
-          </a:p>
-          <a:p>
-            <a:endParaRPr lang="en-US" altLang="ko-KR" dirty="0">
-              <a:solidFill>
-                <a:prstClr val="black"/>
-              </a:solidFill>
-            </a:endParaRPr>
-          </a:p>
-          <a:p>
-            <a:r>
-              <a:rPr lang="ko-KR" altLang="en-US" dirty="0">
-                <a:solidFill>
-                  <a:prstClr val="black"/>
-                </a:solidFill>
-              </a:rPr>
-              <a:t>저작권을 존중하지 않는 극히 소수의 사용자로 인해 다수가 피해를 보지 않도록 주의해 주시면 감사하겠으며</a:t>
-            </a:r>
-            <a:endParaRPr lang="en-US" altLang="ko-KR" dirty="0">
-              <a:solidFill>
-                <a:prstClr val="black"/>
-              </a:solidFill>
-            </a:endParaRPr>
-          </a:p>
-          <a:p>
-            <a:endParaRPr lang="en-US" altLang="ko-KR" dirty="0">
-              <a:solidFill>
-                <a:prstClr val="black"/>
-              </a:solidFill>
-            </a:endParaRPr>
-          </a:p>
-          <a:p>
-            <a:r>
-              <a:rPr lang="ko-KR" altLang="en-US" dirty="0">
-                <a:solidFill>
-                  <a:prstClr val="black"/>
-                </a:solidFill>
-              </a:rPr>
-              <a:t>제 자료가 업로드 된 곳이 있다면 저에게 알려주시면 감사하겠습니다</a:t>
-            </a:r>
-            <a:r>
-              <a:rPr lang="en-US" altLang="ko-KR" dirty="0">
-                <a:solidFill>
-                  <a:prstClr val="black"/>
-                </a:solidFill>
-              </a:rPr>
-              <a:t>.</a:t>
-            </a:r>
-          </a:p>
-          <a:p>
-            <a:endParaRPr lang="en-US" altLang="ko-KR" dirty="0">
-              <a:solidFill>
-                <a:prstClr val="black"/>
-              </a:solidFill>
-            </a:endParaRPr>
-          </a:p>
-          <a:p>
-            <a:endParaRPr lang="en-US" altLang="ko-KR" dirty="0">
-              <a:solidFill>
-                <a:prstClr val="black"/>
-              </a:solidFill>
-            </a:endParaRPr>
-          </a:p>
-          <a:p>
-            <a:r>
-              <a:rPr lang="ko-KR" altLang="en-US" dirty="0">
-                <a:solidFill>
-                  <a:prstClr val="black"/>
-                </a:solidFill>
-              </a:rPr>
-              <a:t>제 자료를 소개하고자 할 경우에는</a:t>
-            </a:r>
-            <a:endParaRPr lang="en-US" altLang="ko-KR" dirty="0">
-              <a:solidFill>
-                <a:prstClr val="black"/>
-              </a:solidFill>
-            </a:endParaRPr>
-          </a:p>
-          <a:p>
-            <a:endParaRPr lang="en-US" altLang="ko-KR" dirty="0">
-              <a:solidFill>
-                <a:prstClr val="black"/>
-              </a:solidFill>
-            </a:endParaRPr>
-          </a:p>
-          <a:p>
-            <a:r>
-              <a:rPr lang="en-US" altLang="ko-KR" dirty="0" err="1">
-                <a:solidFill>
-                  <a:prstClr val="black"/>
-                </a:solidFill>
-              </a:rPr>
-              <a:t>pptbizcam</a:t>
-            </a:r>
-            <a:r>
-              <a:rPr lang="en-US" altLang="ko-KR" dirty="0">
-                <a:solidFill>
-                  <a:prstClr val="black"/>
-                </a:solidFill>
-              </a:rPr>
-              <a:t> </a:t>
-            </a:r>
-            <a:r>
-              <a:rPr lang="ko-KR" altLang="en-US" dirty="0">
-                <a:solidFill>
-                  <a:prstClr val="black"/>
-                </a:solidFill>
-              </a:rPr>
-              <a:t>사이트로의 링크 처리로만 가능하며 </a:t>
-            </a:r>
-            <a:endParaRPr lang="en-US" altLang="ko-KR" dirty="0">
-              <a:solidFill>
-                <a:prstClr val="black"/>
-              </a:solidFill>
-            </a:endParaRPr>
-          </a:p>
-          <a:p>
-            <a:endParaRPr lang="en-US" altLang="ko-KR" dirty="0">
-              <a:solidFill>
-                <a:prstClr val="black"/>
-              </a:solidFill>
-            </a:endParaRPr>
-          </a:p>
-          <a:p>
-            <a:r>
-              <a:rPr lang="ko-KR" altLang="en-US" dirty="0">
-                <a:solidFill>
-                  <a:prstClr val="black"/>
-                </a:solidFill>
-              </a:rPr>
-              <a:t>파일 자체를 업로드 하는 것은 불가한 점 유의해 주시면 감사하겠습니다</a:t>
-            </a:r>
-            <a:r>
-              <a:rPr lang="en-US" altLang="ko-KR" dirty="0">
-                <a:solidFill>
-                  <a:prstClr val="black"/>
-                </a:solidFill>
-              </a:rPr>
-              <a:t>.</a:t>
-            </a:r>
-          </a:p>
-          <a:p>
-            <a:endParaRPr lang="en-US" altLang="ko-KR" dirty="0">
-              <a:solidFill>
-                <a:prstClr val="black"/>
-              </a:solidFill>
-            </a:endParaRPr>
-          </a:p>
-          <a:p>
-            <a:r>
-              <a:rPr lang="ko-KR" altLang="en-US" sz="2400" b="1" dirty="0">
-                <a:solidFill>
-                  <a:srgbClr val="FF0000"/>
-                </a:solidFill>
-              </a:rPr>
-              <a:t>홍보</a:t>
-            </a:r>
-            <a:r>
-              <a:rPr lang="en-US" altLang="ko-KR" sz="2400" b="1" dirty="0">
-                <a:solidFill>
-                  <a:srgbClr val="FF0000"/>
-                </a:solidFill>
-              </a:rPr>
-              <a:t>, </a:t>
-            </a:r>
-            <a:r>
-              <a:rPr lang="ko-KR" altLang="en-US" sz="2400" b="1" dirty="0">
-                <a:solidFill>
-                  <a:srgbClr val="FF0000"/>
-                </a:solidFill>
-              </a:rPr>
-              <a:t>경제적 이익을 취하는 행위 또한 불가합니다</a:t>
-            </a:r>
-            <a:r>
-              <a:rPr lang="en-US" altLang="ko-KR" sz="2400" b="1" dirty="0">
-                <a:solidFill>
-                  <a:srgbClr val="FF0000"/>
-                </a:solidFill>
-              </a:rPr>
-              <a:t>.</a:t>
-            </a:r>
-          </a:p>
-        </p:txBody>
-      </p:sp>
-    </p:spTree>
-    <p:extLst>
-      <p:ext uri="{BB962C8B-B14F-4D97-AF65-F5344CB8AC3E}">
-        <p14:creationId xmlns:p14="http://schemas.microsoft.com/office/powerpoint/2010/main" val="4091591731"/>
       </p:ext>
     </p:extLst>
   </p:cSld>

--- a/MonitoringWeb.pptx
+++ b/MonitoringWeb.pptx
@@ -4,11 +4,14 @@
   <p:sldMasterIdLst>
     <p:sldMasterId id="2147483660" r:id="rId1"/>
   </p:sldMasterIdLst>
+  <p:notesMasterIdLst>
+    <p:notesMasterId r:id="rId13"/>
+  </p:notesMasterIdLst>
   <p:sldIdLst>
     <p:sldId id="257" r:id="rId2"/>
-    <p:sldId id="266" r:id="rId3"/>
-    <p:sldId id="265" r:id="rId4"/>
-    <p:sldId id="269" r:id="rId5"/>
+    <p:sldId id="265" r:id="rId3"/>
+    <p:sldId id="272" r:id="rId4"/>
+    <p:sldId id="271" r:id="rId5"/>
     <p:sldId id="270" r:id="rId6"/>
     <p:sldId id="264" r:id="rId7"/>
     <p:sldId id="259" r:id="rId8"/>
@@ -1019,6 +1022,355 @@
 </cs:chartStyle>
 </file>
 
+<file path=ppt/notesMasters/notesMaster1.xml><?xml version="1.0" encoding="utf-8"?>
+<p:notesMaster xmlns:a="http://schemas.openxmlformats.org/drawingml/2006/main" xmlns:r="http://schemas.openxmlformats.org/officeDocument/2006/relationships" xmlns:p="http://schemas.openxmlformats.org/presentationml/2006/main">
+  <p:cSld>
+    <p:bg>
+      <p:bgRef idx="1001">
+        <a:schemeClr val="bg1"/>
+      </p:bgRef>
+    </p:bg>
+    <p:spTree>
+      <p:nvGrpSpPr>
+        <p:cNvPr id="1" name=""/>
+        <p:cNvGrpSpPr/>
+        <p:nvPr/>
+      </p:nvGrpSpPr>
+      <p:grpSpPr>
+        <a:xfrm>
+          <a:off x="0" y="0"/>
+          <a:ext cx="0" cy="0"/>
+          <a:chOff x="0" y="0"/>
+          <a:chExt cx="0" cy="0"/>
+        </a:xfrm>
+      </p:grpSpPr>
+      <p:sp>
+        <p:nvSpPr>
+          <p:cNvPr id="2" name="머리글 개체 틀 1"/>
+          <p:cNvSpPr>
+            <a:spLocks noGrp="1"/>
+          </p:cNvSpPr>
+          <p:nvPr>
+            <p:ph type="hdr" sz="quarter"/>
+          </p:nvPr>
+        </p:nvSpPr>
+        <p:spPr>
+          <a:xfrm>
+            <a:off x="0" y="0"/>
+            <a:ext cx="2971800" cy="458788"/>
+          </a:xfrm>
+          <a:prstGeom prst="rect">
+            <a:avLst/>
+          </a:prstGeom>
+        </p:spPr>
+        <p:txBody>
+          <a:bodyPr vert="horz" lIns="91440" tIns="45720" rIns="91440" bIns="45720" rtlCol="0"/>
+          <a:lstStyle>
+            <a:lvl1pPr algn="l">
+              <a:defRPr sz="1200"/>
+            </a:lvl1pPr>
+          </a:lstStyle>
+          <a:p>
+            <a:endParaRPr lang="ko-KR" altLang="en-US"/>
+          </a:p>
+        </p:txBody>
+      </p:sp>
+      <p:sp>
+        <p:nvSpPr>
+          <p:cNvPr id="3" name="날짜 개체 틀 2"/>
+          <p:cNvSpPr>
+            <a:spLocks noGrp="1"/>
+          </p:cNvSpPr>
+          <p:nvPr>
+            <p:ph type="dt" idx="1"/>
+          </p:nvPr>
+        </p:nvSpPr>
+        <p:spPr>
+          <a:xfrm>
+            <a:off x="3884613" y="0"/>
+            <a:ext cx="2971800" cy="458788"/>
+          </a:xfrm>
+          <a:prstGeom prst="rect">
+            <a:avLst/>
+          </a:prstGeom>
+        </p:spPr>
+        <p:txBody>
+          <a:bodyPr vert="horz" lIns="91440" tIns="45720" rIns="91440" bIns="45720" rtlCol="0"/>
+          <a:lstStyle>
+            <a:lvl1pPr algn="r">
+              <a:defRPr sz="1200"/>
+            </a:lvl1pPr>
+          </a:lstStyle>
+          <a:p>
+            <a:fld id="{A04268D2-1B59-4E33-9FA8-E7CF7C493DA9}" type="datetimeFigureOut">
+              <a:rPr lang="ko-KR" altLang="en-US" smtClean="0"/>
+              <a:t>2020-03-14</a:t>
+            </a:fld>
+            <a:endParaRPr lang="ko-KR" altLang="en-US"/>
+          </a:p>
+        </p:txBody>
+      </p:sp>
+      <p:sp>
+        <p:nvSpPr>
+          <p:cNvPr id="4" name="슬라이드 이미지 개체 틀 3"/>
+          <p:cNvSpPr>
+            <a:spLocks noGrp="1" noRot="1" noChangeAspect="1"/>
+          </p:cNvSpPr>
+          <p:nvPr>
+            <p:ph type="sldImg" idx="2"/>
+          </p:nvPr>
+        </p:nvSpPr>
+        <p:spPr>
+          <a:xfrm>
+            <a:off x="685800" y="1143000"/>
+            <a:ext cx="5486400" cy="3086100"/>
+          </a:xfrm>
+          <a:prstGeom prst="rect">
+            <a:avLst/>
+          </a:prstGeom>
+          <a:noFill/>
+          <a:ln w="12700">
+            <a:solidFill>
+              <a:prstClr val="black"/>
+            </a:solidFill>
+          </a:ln>
+        </p:spPr>
+        <p:txBody>
+          <a:bodyPr vert="horz" lIns="91440" tIns="45720" rIns="91440" bIns="45720" rtlCol="0" anchor="ctr"/>
+          <a:lstStyle/>
+          <a:p>
+            <a:endParaRPr lang="ko-KR" altLang="en-US"/>
+          </a:p>
+        </p:txBody>
+      </p:sp>
+      <p:sp>
+        <p:nvSpPr>
+          <p:cNvPr id="5" name="슬라이드 노트 개체 틀 4"/>
+          <p:cNvSpPr>
+            <a:spLocks noGrp="1"/>
+          </p:cNvSpPr>
+          <p:nvPr>
+            <p:ph type="body" sz="quarter" idx="3"/>
+          </p:nvPr>
+        </p:nvSpPr>
+        <p:spPr>
+          <a:xfrm>
+            <a:off x="685800" y="4400550"/>
+            <a:ext cx="5486400" cy="3600450"/>
+          </a:xfrm>
+          <a:prstGeom prst="rect">
+            <a:avLst/>
+          </a:prstGeom>
+        </p:spPr>
+        <p:txBody>
+          <a:bodyPr vert="horz" lIns="91440" tIns="45720" rIns="91440" bIns="45720" rtlCol="0"/>
+          <a:lstStyle/>
+          <a:p>
+            <a:pPr lvl="0"/>
+            <a:r>
+              <a:rPr lang="ko-KR" altLang="en-US"/>
+              <a:t>마스터 텍스트 스타일을 편집하려면 클릭</a:t>
+            </a:r>
+          </a:p>
+          <a:p>
+            <a:pPr lvl="1"/>
+            <a:r>
+              <a:rPr lang="ko-KR" altLang="en-US"/>
+              <a:t>두 번째 수준</a:t>
+            </a:r>
+          </a:p>
+          <a:p>
+            <a:pPr lvl="2"/>
+            <a:r>
+              <a:rPr lang="ko-KR" altLang="en-US"/>
+              <a:t>세 번째 수준</a:t>
+            </a:r>
+          </a:p>
+          <a:p>
+            <a:pPr lvl="3"/>
+            <a:r>
+              <a:rPr lang="ko-KR" altLang="en-US"/>
+              <a:t>네 번째 수준</a:t>
+            </a:r>
+          </a:p>
+          <a:p>
+            <a:pPr lvl="4"/>
+            <a:r>
+              <a:rPr lang="ko-KR" altLang="en-US"/>
+              <a:t>다섯 번째 수준</a:t>
+            </a:r>
+          </a:p>
+        </p:txBody>
+      </p:sp>
+      <p:sp>
+        <p:nvSpPr>
+          <p:cNvPr id="6" name="바닥글 개체 틀 5"/>
+          <p:cNvSpPr>
+            <a:spLocks noGrp="1"/>
+          </p:cNvSpPr>
+          <p:nvPr>
+            <p:ph type="ftr" sz="quarter" idx="4"/>
+          </p:nvPr>
+        </p:nvSpPr>
+        <p:spPr>
+          <a:xfrm>
+            <a:off x="0" y="8685213"/>
+            <a:ext cx="2971800" cy="458787"/>
+          </a:xfrm>
+          <a:prstGeom prst="rect">
+            <a:avLst/>
+          </a:prstGeom>
+        </p:spPr>
+        <p:txBody>
+          <a:bodyPr vert="horz" lIns="91440" tIns="45720" rIns="91440" bIns="45720" rtlCol="0" anchor="b"/>
+          <a:lstStyle>
+            <a:lvl1pPr algn="l">
+              <a:defRPr sz="1200"/>
+            </a:lvl1pPr>
+          </a:lstStyle>
+          <a:p>
+            <a:endParaRPr lang="ko-KR" altLang="en-US"/>
+          </a:p>
+        </p:txBody>
+      </p:sp>
+      <p:sp>
+        <p:nvSpPr>
+          <p:cNvPr id="7" name="슬라이드 번호 개체 틀 6"/>
+          <p:cNvSpPr>
+            <a:spLocks noGrp="1"/>
+          </p:cNvSpPr>
+          <p:nvPr>
+            <p:ph type="sldNum" sz="quarter" idx="5"/>
+          </p:nvPr>
+        </p:nvSpPr>
+        <p:spPr>
+          <a:xfrm>
+            <a:off x="3884613" y="8685213"/>
+            <a:ext cx="2971800" cy="458787"/>
+          </a:xfrm>
+          <a:prstGeom prst="rect">
+            <a:avLst/>
+          </a:prstGeom>
+        </p:spPr>
+        <p:txBody>
+          <a:bodyPr vert="horz" lIns="91440" tIns="45720" rIns="91440" bIns="45720" rtlCol="0" anchor="b"/>
+          <a:lstStyle>
+            <a:lvl1pPr algn="r">
+              <a:defRPr sz="1200"/>
+            </a:lvl1pPr>
+          </a:lstStyle>
+          <a:p>
+            <a:fld id="{8DC0024E-D35B-4405-A141-906DDDFF203B}" type="slidenum">
+              <a:rPr lang="ko-KR" altLang="en-US" smtClean="0"/>
+              <a:t>‹#›</a:t>
+            </a:fld>
+            <a:endParaRPr lang="ko-KR" altLang="en-US"/>
+          </a:p>
+        </p:txBody>
+      </p:sp>
+    </p:spTree>
+    <p:extLst>
+      <p:ext uri="{BB962C8B-B14F-4D97-AF65-F5344CB8AC3E}">
+        <p14:creationId xmlns:p14="http://schemas.microsoft.com/office/powerpoint/2010/main" val="1795147614"/>
+      </p:ext>
+    </p:extLst>
+  </p:cSld>
+  <p:clrMap bg1="lt1" tx1="dk1" bg2="lt2" tx2="dk2" accent1="accent1" accent2="accent2" accent3="accent3" accent4="accent4" accent5="accent5" accent6="accent6" hlink="hlink" folHlink="folHlink"/>
+  <p:notesStyle>
+    <a:lvl1pPr marL="0" algn="l" defTabSz="914400" rtl="0" eaLnBrk="1" latinLnBrk="1" hangingPunct="1">
+      <a:defRPr sz="1200" kern="1200">
+        <a:solidFill>
+          <a:schemeClr val="tx1"/>
+        </a:solidFill>
+        <a:latin typeface="+mn-lt"/>
+        <a:ea typeface="+mn-ea"/>
+        <a:cs typeface="+mn-cs"/>
+      </a:defRPr>
+    </a:lvl1pPr>
+    <a:lvl2pPr marL="457200" algn="l" defTabSz="914400" rtl="0" eaLnBrk="1" latinLnBrk="1" hangingPunct="1">
+      <a:defRPr sz="1200" kern="1200">
+        <a:solidFill>
+          <a:schemeClr val="tx1"/>
+        </a:solidFill>
+        <a:latin typeface="+mn-lt"/>
+        <a:ea typeface="+mn-ea"/>
+        <a:cs typeface="+mn-cs"/>
+      </a:defRPr>
+    </a:lvl2pPr>
+    <a:lvl3pPr marL="914400" algn="l" defTabSz="914400" rtl="0" eaLnBrk="1" latinLnBrk="1" hangingPunct="1">
+      <a:defRPr sz="1200" kern="1200">
+        <a:solidFill>
+          <a:schemeClr val="tx1"/>
+        </a:solidFill>
+        <a:latin typeface="+mn-lt"/>
+        <a:ea typeface="+mn-ea"/>
+        <a:cs typeface="+mn-cs"/>
+      </a:defRPr>
+    </a:lvl3pPr>
+    <a:lvl4pPr marL="1371600" algn="l" defTabSz="914400" rtl="0" eaLnBrk="1" latinLnBrk="1" hangingPunct="1">
+      <a:defRPr sz="1200" kern="1200">
+        <a:solidFill>
+          <a:schemeClr val="tx1"/>
+        </a:solidFill>
+        <a:latin typeface="+mn-lt"/>
+        <a:ea typeface="+mn-ea"/>
+        <a:cs typeface="+mn-cs"/>
+      </a:defRPr>
+    </a:lvl4pPr>
+    <a:lvl5pPr marL="1828800" algn="l" defTabSz="914400" rtl="0" eaLnBrk="1" latinLnBrk="1" hangingPunct="1">
+      <a:defRPr sz="1200" kern="1200">
+        <a:solidFill>
+          <a:schemeClr val="tx1"/>
+        </a:solidFill>
+        <a:latin typeface="+mn-lt"/>
+        <a:ea typeface="+mn-ea"/>
+        <a:cs typeface="+mn-cs"/>
+      </a:defRPr>
+    </a:lvl5pPr>
+    <a:lvl6pPr marL="2286000" algn="l" defTabSz="914400" rtl="0" eaLnBrk="1" latinLnBrk="1" hangingPunct="1">
+      <a:defRPr sz="1200" kern="1200">
+        <a:solidFill>
+          <a:schemeClr val="tx1"/>
+        </a:solidFill>
+        <a:latin typeface="+mn-lt"/>
+        <a:ea typeface="+mn-ea"/>
+        <a:cs typeface="+mn-cs"/>
+      </a:defRPr>
+    </a:lvl6pPr>
+    <a:lvl7pPr marL="2743200" algn="l" defTabSz="914400" rtl="0" eaLnBrk="1" latinLnBrk="1" hangingPunct="1">
+      <a:defRPr sz="1200" kern="1200">
+        <a:solidFill>
+          <a:schemeClr val="tx1"/>
+        </a:solidFill>
+        <a:latin typeface="+mn-lt"/>
+        <a:ea typeface="+mn-ea"/>
+        <a:cs typeface="+mn-cs"/>
+      </a:defRPr>
+    </a:lvl7pPr>
+    <a:lvl8pPr marL="3200400" algn="l" defTabSz="914400" rtl="0" eaLnBrk="1" latinLnBrk="1" hangingPunct="1">
+      <a:defRPr sz="1200" kern="1200">
+        <a:solidFill>
+          <a:schemeClr val="tx1"/>
+        </a:solidFill>
+        <a:latin typeface="+mn-lt"/>
+        <a:ea typeface="+mn-ea"/>
+        <a:cs typeface="+mn-cs"/>
+      </a:defRPr>
+    </a:lvl8pPr>
+    <a:lvl9pPr marL="3657600" algn="l" defTabSz="914400" rtl="0" eaLnBrk="1" latinLnBrk="1" hangingPunct="1">
+      <a:defRPr sz="1200" kern="1200">
+        <a:solidFill>
+          <a:schemeClr val="tx1"/>
+        </a:solidFill>
+        <a:latin typeface="+mn-lt"/>
+        <a:ea typeface="+mn-ea"/>
+        <a:cs typeface="+mn-cs"/>
+      </a:defRPr>
+    </a:lvl9pPr>
+  </p:notesStyle>
+</p:notesMaster>
+</file>
+
 <file path=ppt/slideLayouts/slideLayout1.xml><?xml version="1.0" encoding="utf-8"?>
 <p:sldLayout xmlns:a="http://schemas.openxmlformats.org/drawingml/2006/main" xmlns:r="http://schemas.openxmlformats.org/officeDocument/2006/relationships" xmlns:p="http://schemas.openxmlformats.org/presentationml/2006/main" type="title" preserve="1">
   <p:cSld name="제목 슬라이드">
@@ -1155,7 +1507,7 @@
                 </a:solidFill>
               </a:rPr>
               <a:pPr/>
-              <a:t>2020-03-13</a:t>
+              <a:t>2020-03-14</a:t>
             </a:fld>
             <a:endParaRPr lang="ko-KR" altLang="en-US">
               <a:solidFill>
@@ -1355,7 +1707,7 @@
                 </a:solidFill>
               </a:rPr>
               <a:pPr/>
-              <a:t>2020-03-13</a:t>
+              <a:t>2020-03-14</a:t>
             </a:fld>
             <a:endParaRPr lang="ko-KR" altLang="en-US">
               <a:solidFill>
@@ -1565,7 +1917,7 @@
                 </a:solidFill>
               </a:rPr>
               <a:pPr/>
-              <a:t>2020-03-13</a:t>
+              <a:t>2020-03-14</a:t>
             </a:fld>
             <a:endParaRPr lang="ko-KR" altLang="en-US">
               <a:solidFill>
@@ -1765,7 +2117,7 @@
                 </a:solidFill>
               </a:rPr>
               <a:pPr/>
-              <a:t>2020-03-13</a:t>
+              <a:t>2020-03-14</a:t>
             </a:fld>
             <a:endParaRPr lang="ko-KR" altLang="en-US">
               <a:solidFill>
@@ -2042,7 +2394,7 @@
                 </a:solidFill>
               </a:rPr>
               <a:pPr/>
-              <a:t>2020-03-13</a:t>
+              <a:t>2020-03-14</a:t>
             </a:fld>
             <a:endParaRPr lang="ko-KR" altLang="en-US">
               <a:solidFill>
@@ -2303,7 +2655,7 @@
                 </a:solidFill>
               </a:rPr>
               <a:pPr/>
-              <a:t>2020-03-13</a:t>
+              <a:t>2020-03-14</a:t>
             </a:fld>
             <a:endParaRPr lang="ko-KR" altLang="en-US">
               <a:solidFill>
@@ -2699,7 +3051,7 @@
                 </a:solidFill>
               </a:rPr>
               <a:pPr/>
-              <a:t>2020-03-13</a:t>
+              <a:t>2020-03-14</a:t>
             </a:fld>
             <a:endParaRPr lang="ko-KR" altLang="en-US">
               <a:solidFill>
@@ -2848,7 +3200,7 @@
                 </a:solidFill>
               </a:rPr>
               <a:pPr/>
-              <a:t>2020-03-13</a:t>
+              <a:t>2020-03-14</a:t>
             </a:fld>
             <a:endParaRPr lang="ko-KR" altLang="en-US">
               <a:solidFill>
@@ -2975,7 +3327,7 @@
                 </a:solidFill>
               </a:rPr>
               <a:pPr/>
-              <a:t>2020-03-13</a:t>
+              <a:t>2020-03-14</a:t>
             </a:fld>
             <a:endParaRPr lang="ko-KR" altLang="en-US">
               <a:solidFill>
@@ -3282,7 +3634,7 @@
                 </a:solidFill>
               </a:rPr>
               <a:pPr/>
-              <a:t>2020-03-13</a:t>
+              <a:t>2020-03-14</a:t>
             </a:fld>
             <a:endParaRPr lang="ko-KR" altLang="en-US">
               <a:solidFill>
@@ -3566,7 +3918,7 @@
                 </a:solidFill>
               </a:rPr>
               <a:pPr/>
-              <a:t>2020-03-13</a:t>
+              <a:t>2020-03-14</a:t>
             </a:fld>
             <a:endParaRPr lang="ko-KR" altLang="en-US">
               <a:solidFill>
@@ -3809,7 +4161,7 @@
                 </a:solidFill>
               </a:rPr>
               <a:pPr/>
-              <a:t>2020-03-13</a:t>
+              <a:t>2020-03-14</a:t>
             </a:fld>
             <a:endParaRPr lang="ko-KR" altLang="en-US">
               <a:solidFill>
@@ -4561,8 +4913,21 @@
                   <a:prstClr val="white"/>
                 </a:solidFill>
               </a:rPr>
-              <a:t> Web</a:t>
+              <a:t> Web </a:t>
             </a:r>
+            <a:r>
+              <a:rPr lang="en-US" altLang="ko-KR" sz="4800" b="1" i="1" kern="0" dirty="0" err="1">
+                <a:solidFill>
+                  <a:prstClr val="white"/>
+                </a:solidFill>
+              </a:rPr>
+              <a:t>Serive</a:t>
+            </a:r>
+            <a:endParaRPr lang="en-US" altLang="ko-KR" sz="4800" b="1" i="1" kern="0" dirty="0">
+              <a:solidFill>
+                <a:prstClr val="white"/>
+              </a:solidFill>
+            </a:endParaRPr>
           </a:p>
         </p:txBody>
       </p:sp>
@@ -5765,8 +6130,8 @@
         </p:nvSpPr>
         <p:spPr>
           <a:xfrm>
-            <a:off x="4859152" y="890617"/>
-            <a:ext cx="2423820" cy="459357"/>
+            <a:off x="3863777" y="1119529"/>
+            <a:ext cx="4414570" cy="584775"/>
           </a:xfrm>
           <a:prstGeom prst="rect">
             <a:avLst/>
@@ -5779,9 +6144,6 @@
           <a:lstStyle/>
           <a:p>
             <a:pPr marL="0" marR="0" lvl="0" indent="0" algn="ctr" defTabSz="914400" rtl="0" eaLnBrk="1" fontAlgn="auto" latinLnBrk="1" hangingPunct="1">
-              <a:lnSpc>
-                <a:spcPct val="150000"/>
-              </a:lnSpc>
               <a:spcBef>
                 <a:spcPts val="0"/>
               </a:spcBef>
@@ -5796,49 +6158,241 @@
               <a:defRPr/>
             </a:pPr>
             <a:r>
-              <a:rPr kumimoji="0" lang="ko-KR" altLang="en-US" sz="1800" b="1" i="0" u="none" strike="noStrike" kern="1200" cap="none" spc="0" normalizeH="0" baseline="0" noProof="0" dirty="0" smtClean="0">
-                <a:ln>
-                  <a:noFill/>
-                </a:ln>
-                <a:solidFill>
-                  <a:prstClr val="black">
-                    <a:lumMod val="65000"/>
-                    <a:lumOff val="35000"/>
-                  </a:prstClr>
-                </a:solidFill>
-                <a:effectLst/>
-                <a:uLnTx/>
-                <a:uFillTx/>
+              <a:rPr lang="ko-KR" altLang="en-US" sz="3200" b="1" dirty="0">
+                <a:solidFill>
+                  <a:schemeClr val="tx1">
+                    <a:lumMod val="75000"/>
+                    <a:lumOff val="25000"/>
+                  </a:schemeClr>
+                </a:solidFill>
                 <a:latin typeface="나눔고딕" panose="020D0604000000000000" pitchFamily="50" charset="-127"/>
                 <a:ea typeface="나눔고딕" panose="020D0604000000000000" pitchFamily="50" charset="-127"/>
-                <a:cs typeface="+mn-cs"/>
               </a:rPr>
-              <a:t>사용된 프로그램 언어</a:t>
+              <a:t>소개</a:t>
             </a:r>
-            <a:endParaRPr kumimoji="0" lang="en-US" altLang="ko-KR" sz="1800" b="1" i="0" u="none" strike="noStrike" kern="1200" cap="none" spc="0" normalizeH="0" baseline="0" noProof="0" dirty="0">
+            <a:endParaRPr kumimoji="0" lang="en-US" altLang="ko-KR" sz="3200" b="1" i="0" u="none" strike="noStrike" kern="1200" cap="none" spc="0" normalizeH="0" baseline="0" noProof="0" dirty="0">
               <a:ln>
                 <a:noFill/>
               </a:ln>
               <a:solidFill>
-                <a:prstClr val="black">
-                  <a:lumMod val="65000"/>
-                  <a:lumOff val="35000"/>
-                </a:prstClr>
+                <a:schemeClr val="tx1">
+                  <a:lumMod val="75000"/>
+                  <a:lumOff val="25000"/>
+                </a:schemeClr>
               </a:solidFill>
               <a:effectLst/>
               <a:uLnTx/>
               <a:uFillTx/>
               <a:latin typeface="나눔고딕" panose="020D0604000000000000" pitchFamily="50" charset="-127"/>
               <a:ea typeface="나눔고딕" panose="020D0604000000000000" pitchFamily="50" charset="-127"/>
-              <a:cs typeface="+mn-cs"/>
             </a:endParaRPr>
           </a:p>
         </p:txBody>
       </p:sp>
+      <p:sp>
+        <p:nvSpPr>
+          <p:cNvPr id="10" name="TextBox 9">
+            <a:extLst>
+              <a:ext uri="{FF2B5EF4-FFF2-40B4-BE49-F238E27FC236}">
+                <a16:creationId xmlns:a16="http://schemas.microsoft.com/office/drawing/2014/main" id="{3015E320-0528-4001-9DB8-889BEDCC7544}"/>
+              </a:ext>
+            </a:extLst>
+          </p:cNvPr>
+          <p:cNvSpPr txBox="1"/>
+          <p:nvPr/>
+        </p:nvSpPr>
+        <p:spPr>
+          <a:xfrm>
+            <a:off x="8208985" y="6135585"/>
+            <a:ext cx="2774214" cy="261610"/>
+          </a:xfrm>
+          <a:prstGeom prst="rect">
+            <a:avLst/>
+          </a:prstGeom>
+          <a:noFill/>
+        </p:spPr>
+        <p:txBody>
+          <a:bodyPr wrap="square" rtlCol="0">
+            <a:spAutoFit/>
+          </a:bodyPr>
+          <a:lstStyle/>
+          <a:p>
+            <a:pPr algn="ctr"/>
+            <a:r>
+              <a:rPr lang="en-US" altLang="ko-KR" sz="1100" dirty="0">
+                <a:ln>
+                  <a:solidFill>
+                    <a:schemeClr val="bg1">
+                      <a:alpha val="40000"/>
+                    </a:schemeClr>
+                  </a:solidFill>
+                </a:ln>
+                <a:solidFill>
+                  <a:schemeClr val="accent1"/>
+                </a:solidFill>
+                <a:effectLst>
+                  <a:outerShdw blurRad="38100" dist="38100" dir="2700000" algn="tl">
+                    <a:srgbClr val="000000">
+                      <a:alpha val="43137"/>
+                    </a:srgbClr>
+                  </a:outerShdw>
+                </a:effectLst>
+                <a:latin typeface="나눔고딕" panose="020D0604000000000000" pitchFamily="50" charset="-127"/>
+                <a:ea typeface="나눔고딕" panose="020D0604000000000000" pitchFamily="50" charset="-127"/>
+              </a:rPr>
+              <a:t>Monitoring &amp; </a:t>
+            </a:r>
+            <a:r>
+              <a:rPr lang="en-US" altLang="ko-KR" sz="1100" dirty="0" err="1">
+                <a:ln>
+                  <a:solidFill>
+                    <a:schemeClr val="bg1">
+                      <a:alpha val="40000"/>
+                    </a:schemeClr>
+                  </a:solidFill>
+                </a:ln>
+                <a:solidFill>
+                  <a:schemeClr val="accent1"/>
+                </a:solidFill>
+                <a:effectLst>
+                  <a:outerShdw blurRad="38100" dist="38100" dir="2700000" algn="tl">
+                    <a:srgbClr val="000000">
+                      <a:alpha val="43137"/>
+                    </a:srgbClr>
+                  </a:outerShdw>
+                </a:effectLst>
+                <a:latin typeface="나눔고딕" panose="020D0604000000000000" pitchFamily="50" charset="-127"/>
+                <a:ea typeface="나눔고딕" panose="020D0604000000000000" pitchFamily="50" charset="-127"/>
+              </a:rPr>
+              <a:t>Analstics</a:t>
+            </a:r>
+            <a:r>
+              <a:rPr lang="en-US" altLang="ko-KR" sz="1100" dirty="0">
+                <a:ln>
+                  <a:solidFill>
+                    <a:schemeClr val="bg1">
+                      <a:alpha val="40000"/>
+                    </a:schemeClr>
+                  </a:solidFill>
+                </a:ln>
+                <a:solidFill>
+                  <a:schemeClr val="accent1"/>
+                </a:solidFill>
+                <a:effectLst>
+                  <a:outerShdw blurRad="38100" dist="38100" dir="2700000" algn="tl">
+                    <a:srgbClr val="000000">
+                      <a:alpha val="43137"/>
+                    </a:srgbClr>
+                  </a:outerShdw>
+                </a:effectLst>
+                <a:latin typeface="나눔고딕" panose="020D0604000000000000" pitchFamily="50" charset="-127"/>
+                <a:ea typeface="나눔고딕" panose="020D0604000000000000" pitchFamily="50" charset="-127"/>
+              </a:rPr>
+              <a:t> Web Service</a:t>
+            </a:r>
+            <a:endParaRPr lang="ko-KR" altLang="en-US" sz="1100" dirty="0">
+              <a:ln>
+                <a:solidFill>
+                  <a:schemeClr val="bg1">
+                    <a:alpha val="40000"/>
+                  </a:schemeClr>
+                </a:solidFill>
+              </a:ln>
+              <a:solidFill>
+                <a:schemeClr val="accent1"/>
+              </a:solidFill>
+              <a:effectLst>
+                <a:outerShdw blurRad="38100" dist="38100" dir="2700000" algn="tl">
+                  <a:srgbClr val="000000">
+                    <a:alpha val="43137"/>
+                  </a:srgbClr>
+                </a:outerShdw>
+              </a:effectLst>
+              <a:latin typeface="나눔고딕" panose="020D0604000000000000" pitchFamily="50" charset="-127"/>
+              <a:ea typeface="나눔고딕" panose="020D0604000000000000" pitchFamily="50" charset="-127"/>
+            </a:endParaRPr>
+          </a:p>
+        </p:txBody>
+      </p:sp>
+      <p:pic>
+        <p:nvPicPr>
+          <p:cNvPr id="11" name="그림 10">
+            <a:extLst>
+              <a:ext uri="{FF2B5EF4-FFF2-40B4-BE49-F238E27FC236}">
+                <a16:creationId xmlns:a16="http://schemas.microsoft.com/office/drawing/2014/main" id="{BF59102C-622E-49AE-9CDE-7C3FCC8C3ACD}"/>
+              </a:ext>
+            </a:extLst>
+          </p:cNvPr>
+          <p:cNvPicPr>
+            <a:picLocks noChangeAspect="1"/>
+          </p:cNvPicPr>
+          <p:nvPr/>
+        </p:nvPicPr>
+        <p:blipFill>
+          <a:blip r:embed="rId2">
+            <a:extLst>
+              <a:ext uri="{BEBA8EAE-BF5A-486C-A8C5-ECC9F3942E4B}">
+                <a14:imgProps xmlns:a14="http://schemas.microsoft.com/office/drawing/2010/main">
+                  <a14:imgLayer r:embed="rId3">
+                    <a14:imgEffect>
+                      <a14:sharpenSoften amount="-9000"/>
+                    </a14:imgEffect>
+                  </a14:imgLayer>
+                </a14:imgProps>
+              </a:ext>
+              <a:ext uri="{28A0092B-C50C-407E-A947-70E740481C1C}">
+                <a14:useLocalDpi xmlns:a14="http://schemas.microsoft.com/office/drawing/2010/main" val="0"/>
+              </a:ext>
+            </a:extLst>
+          </a:blip>
+          <a:stretch>
+            <a:fillRect/>
+          </a:stretch>
+        </p:blipFill>
+        <p:spPr>
+          <a:xfrm>
+            <a:off x="1208801" y="6142366"/>
+            <a:ext cx="1203411" cy="261611"/>
+          </a:xfrm>
+          <a:prstGeom prst="rect">
+            <a:avLst/>
+          </a:prstGeom>
+        </p:spPr>
+      </p:pic>
+      <p:pic>
+        <p:nvPicPr>
+          <p:cNvPr id="12" name="그림 11">
+            <a:extLst>
+              <a:ext uri="{FF2B5EF4-FFF2-40B4-BE49-F238E27FC236}">
+                <a16:creationId xmlns:a16="http://schemas.microsoft.com/office/drawing/2014/main" id="{8058465C-5A16-4C7A-A5A5-BDCD0B2416D5}"/>
+              </a:ext>
+            </a:extLst>
+          </p:cNvPr>
+          <p:cNvPicPr>
+            <a:picLocks noChangeAspect="1"/>
+          </p:cNvPicPr>
+          <p:nvPr/>
+        </p:nvPicPr>
+        <p:blipFill>
+          <a:blip r:embed="rId4"/>
+          <a:stretch>
+            <a:fillRect/>
+          </a:stretch>
+        </p:blipFill>
+        <p:spPr>
+          <a:xfrm>
+            <a:off x="2963525" y="1987594"/>
+            <a:ext cx="6264949" cy="3524034"/>
+          </a:xfrm>
+          <a:prstGeom prst="rect">
+            <a:avLst/>
+          </a:prstGeom>
+        </p:spPr>
+      </p:pic>
     </p:spTree>
     <p:extLst>
       <p:ext uri="{BB962C8B-B14F-4D97-AF65-F5344CB8AC3E}">
-        <p14:creationId xmlns:p14="http://schemas.microsoft.com/office/powerpoint/2010/main" val="3858611575"/>
+        <p14:creationId xmlns:p14="http://schemas.microsoft.com/office/powerpoint/2010/main" val="2262335210"/>
       </p:ext>
     </p:extLst>
   </p:cSld>
@@ -6122,101 +6676,86 @@
           </p:txBody>
         </p:sp>
       </p:grpSp>
-      <p:grpSp>
-        <p:nvGrpSpPr>
-          <p:cNvPr id="2" name="그룹 1"/>
-          <p:cNvGrpSpPr/>
+      <p:pic>
+        <p:nvPicPr>
+          <p:cNvPr id="1026" name="Picture 2" descr="html5"/>
+          <p:cNvPicPr>
+            <a:picLocks noChangeAspect="1" noChangeArrowheads="1"/>
+          </p:cNvPicPr>
           <p:nvPr/>
-        </p:nvGrpSpPr>
-        <p:grpSpPr>
+        </p:nvPicPr>
+        <p:blipFill rotWithShape="1">
+          <a:blip r:embed="rId2" cstate="print">
+            <a:extLst>
+              <a:ext uri="{28A0092B-C50C-407E-A947-70E740481C1C}">
+                <a14:useLocalDpi xmlns:a14="http://schemas.microsoft.com/office/drawing/2010/main" val="0"/>
+              </a:ext>
+            </a:extLst>
+          </a:blip>
+          <a:srcRect b="20989"/>
+          <a:stretch/>
+        </p:blipFill>
+        <p:spPr bwMode="auto">
           <a:xfrm>
             <a:off x="1398366" y="2669456"/>
-            <a:ext cx="9345391" cy="2284931"/>
-            <a:chOff x="1444528" y="2436698"/>
-            <a:chExt cx="9345391" cy="2284931"/>
+            <a:ext cx="5812483" cy="2284931"/>
           </a:xfrm>
-        </p:grpSpPr>
-        <p:pic>
-          <p:nvPicPr>
-            <p:cNvPr id="1026" name="Picture 2" descr="html5"/>
-            <p:cNvPicPr>
-              <a:picLocks noChangeAspect="1" noChangeArrowheads="1"/>
-            </p:cNvPicPr>
-            <p:nvPr/>
-          </p:nvPicPr>
-          <p:blipFill rotWithShape="1">
-            <a:blip r:embed="rId2" cstate="print">
-              <a:extLst>
-                <a:ext uri="{28A0092B-C50C-407E-A947-70E740481C1C}">
-                  <a14:useLocalDpi xmlns:a14="http://schemas.microsoft.com/office/drawing/2010/main" val="0"/>
-                </a:ext>
-              </a:extLst>
-            </a:blip>
-            <a:srcRect b="20989"/>
-            <a:stretch/>
-          </p:blipFill>
-          <p:spPr bwMode="auto">
-            <a:xfrm>
-              <a:off x="1444528" y="2436698"/>
-              <a:ext cx="5812483" cy="2284931"/>
-            </a:xfrm>
-            <a:prstGeom prst="rect">
-              <a:avLst/>
-            </a:prstGeom>
-            <a:noFill/>
+          <a:prstGeom prst="rect">
+            <a:avLst/>
+          </a:prstGeom>
+          <a:noFill/>
+          <a:extLst>
+            <a:ext uri="{909E8E84-426E-40DD-AFC4-6F175D3DCCD1}">
+              <a14:hiddenFill xmlns:a14="http://schemas.microsoft.com/office/drawing/2010/main">
+                <a:solidFill>
+                  <a:srgbClr val="FFFFFF"/>
+                </a:solidFill>
+              </a14:hiddenFill>
+            </a:ext>
+          </a:extLst>
+        </p:spPr>
+      </p:pic>
+      <p:pic>
+        <p:nvPicPr>
+          <p:cNvPr id="1028" name="Picture 4" descr="PHP - How to disable error log, display errors and error reporting programmatically"/>
+          <p:cNvPicPr>
+            <a:picLocks noChangeAspect="1" noChangeArrowheads="1"/>
+          </p:cNvPicPr>
+          <p:nvPr/>
+        </p:nvPicPr>
+        <p:blipFill>
+          <a:blip r:embed="rId3" cstate="print">
             <a:extLst>
-              <a:ext uri="{909E8E84-426E-40DD-AFC4-6F175D3DCCD1}">
-                <a14:hiddenFill xmlns:a14="http://schemas.microsoft.com/office/drawing/2010/main">
-                  <a:solidFill>
-                    <a:srgbClr val="FFFFFF"/>
-                  </a:solidFill>
-                </a14:hiddenFill>
+              <a:ext uri="{28A0092B-C50C-407E-A947-70E740481C1C}">
+                <a14:useLocalDpi xmlns:a14="http://schemas.microsoft.com/office/drawing/2010/main" val="0"/>
               </a:ext>
             </a:extLst>
-          </p:spPr>
-        </p:pic>
-        <p:pic>
-          <p:nvPicPr>
-            <p:cNvPr id="1028" name="Picture 4" descr="PHP - How to disable error log, display errors and error reporting programmatically"/>
-            <p:cNvPicPr>
-              <a:picLocks noChangeAspect="1" noChangeArrowheads="1"/>
-            </p:cNvPicPr>
-            <p:nvPr/>
-          </p:nvPicPr>
-          <p:blipFill>
-            <a:blip r:embed="rId3" cstate="print">
-              <a:extLst>
-                <a:ext uri="{28A0092B-C50C-407E-A947-70E740481C1C}">
-                  <a14:useLocalDpi xmlns:a14="http://schemas.microsoft.com/office/drawing/2010/main" val="0"/>
-                </a:ext>
-              </a:extLst>
-            </a:blip>
-            <a:srcRect/>
-            <a:stretch>
-              <a:fillRect/>
-            </a:stretch>
-          </p:blipFill>
-          <p:spPr bwMode="auto">
-            <a:xfrm>
-              <a:off x="7649737" y="2869862"/>
-              <a:ext cx="3140182" cy="1648596"/>
-            </a:xfrm>
-            <a:prstGeom prst="rect">
-              <a:avLst/>
-            </a:prstGeom>
-            <a:noFill/>
-            <a:extLst>
-              <a:ext uri="{909E8E84-426E-40DD-AFC4-6F175D3DCCD1}">
-                <a14:hiddenFill xmlns:a14="http://schemas.microsoft.com/office/drawing/2010/main">
-                  <a:solidFill>
-                    <a:srgbClr val="FFFFFF"/>
-                  </a:solidFill>
-                </a14:hiddenFill>
-              </a:ext>
-            </a:extLst>
-          </p:spPr>
-        </p:pic>
-      </p:grpSp>
+          </a:blip>
+          <a:srcRect/>
+          <a:stretch>
+            <a:fillRect/>
+          </a:stretch>
+        </p:blipFill>
+        <p:spPr bwMode="auto">
+          <a:xfrm>
+            <a:off x="7603575" y="3102620"/>
+            <a:ext cx="3140182" cy="1648596"/>
+          </a:xfrm>
+          <a:prstGeom prst="rect">
+            <a:avLst/>
+          </a:prstGeom>
+          <a:noFill/>
+          <a:extLst>
+            <a:ext uri="{909E8E84-426E-40DD-AFC4-6F175D3DCCD1}">
+              <a14:hiddenFill xmlns:a14="http://schemas.microsoft.com/office/drawing/2010/main">
+                <a:solidFill>
+                  <a:srgbClr val="FFFFFF"/>
+                </a:solidFill>
+              </a14:hiddenFill>
+            </a:ext>
+          </a:extLst>
+        </p:spPr>
+      </p:pic>
       <p:sp>
         <p:nvSpPr>
           <p:cNvPr id="9" name="직사각형 8"/>
@@ -6239,6 +6778,9 @@
           <a:lstStyle/>
           <a:p>
             <a:pPr marL="0" marR="0" lvl="0" indent="0" algn="ctr" defTabSz="914400" rtl="0" eaLnBrk="1" fontAlgn="auto" latinLnBrk="1" hangingPunct="1">
+              <a:lnSpc>
+                <a:spcPct val="100000"/>
+              </a:lnSpc>
               <a:spcBef>
                 <a:spcPts val="0"/>
               </a:spcBef>
@@ -6253,15 +6795,22 @@
               <a:defRPr/>
             </a:pPr>
             <a:r>
-              <a:rPr lang="ko-KR" altLang="en-US" sz="3200" b="1" dirty="0" smtClean="0">
-                <a:solidFill>
-                  <a:prstClr val="black">
-                    <a:lumMod val="65000"/>
-                    <a:lumOff val="35000"/>
-                  </a:prstClr>
-                </a:solidFill>
+              <a:rPr kumimoji="0" lang="ko-KR" altLang="en-US" sz="3200" b="1" i="0" u="none" strike="noStrike" kern="1200" cap="none" spc="0" normalizeH="0" baseline="0" noProof="0" dirty="0">
+                <a:ln>
+                  <a:noFill/>
+                </a:ln>
+                <a:solidFill>
+                  <a:schemeClr val="tx1">
+                    <a:lumMod val="75000"/>
+                    <a:lumOff val="25000"/>
+                  </a:schemeClr>
+                </a:solidFill>
+                <a:effectLst/>
+                <a:uLnTx/>
+                <a:uFillTx/>
                 <a:latin typeface="나눔고딕" panose="020D0604000000000000" pitchFamily="50" charset="-127"/>
                 <a:ea typeface="나눔고딕" panose="020D0604000000000000" pitchFamily="50" charset="-127"/>
+                <a:cs typeface="+mn-cs"/>
               </a:rPr>
               <a:t>사용된 프로그램 언어</a:t>
             </a:r>
@@ -6270,24 +6819,223 @@
                 <a:noFill/>
               </a:ln>
               <a:solidFill>
-                <a:prstClr val="black">
-                  <a:lumMod val="65000"/>
-                  <a:lumOff val="35000"/>
-                </a:prstClr>
+                <a:schemeClr val="tx1">
+                  <a:lumMod val="75000"/>
+                  <a:lumOff val="25000"/>
+                </a:schemeClr>
               </a:solidFill>
               <a:effectLst/>
               <a:uLnTx/>
               <a:uFillTx/>
               <a:latin typeface="나눔고딕" panose="020D0604000000000000" pitchFamily="50" charset="-127"/>
               <a:ea typeface="나눔고딕" panose="020D0604000000000000" pitchFamily="50" charset="-127"/>
+              <a:cs typeface="+mn-cs"/>
             </a:endParaRPr>
           </a:p>
         </p:txBody>
       </p:sp>
+      <p:sp>
+        <p:nvSpPr>
+          <p:cNvPr id="10" name="TextBox 9">
+            <a:extLst>
+              <a:ext uri="{FF2B5EF4-FFF2-40B4-BE49-F238E27FC236}">
+                <a16:creationId xmlns:a16="http://schemas.microsoft.com/office/drawing/2014/main" id="{3015E320-0528-4001-9DB8-889BEDCC7544}"/>
+              </a:ext>
+            </a:extLst>
+          </p:cNvPr>
+          <p:cNvSpPr txBox="1"/>
+          <p:nvPr/>
+        </p:nvSpPr>
+        <p:spPr>
+          <a:xfrm>
+            <a:off x="8208985" y="6135585"/>
+            <a:ext cx="2774214" cy="261610"/>
+          </a:xfrm>
+          <a:prstGeom prst="rect">
+            <a:avLst/>
+          </a:prstGeom>
+          <a:noFill/>
+        </p:spPr>
+        <p:txBody>
+          <a:bodyPr wrap="square" rtlCol="0">
+            <a:spAutoFit/>
+          </a:bodyPr>
+          <a:lstStyle/>
+          <a:p>
+            <a:pPr marL="0" marR="0" lvl="0" indent="0" algn="ctr" defTabSz="914400" rtl="0" eaLnBrk="1" fontAlgn="auto" latinLnBrk="1" hangingPunct="1">
+              <a:lnSpc>
+                <a:spcPct val="100000"/>
+              </a:lnSpc>
+              <a:spcBef>
+                <a:spcPts val="0"/>
+              </a:spcBef>
+              <a:spcAft>
+                <a:spcPts val="0"/>
+              </a:spcAft>
+              <a:buClrTx/>
+              <a:buSzTx/>
+              <a:buFontTx/>
+              <a:buNone/>
+              <a:tabLst/>
+              <a:defRPr/>
+            </a:pPr>
+            <a:r>
+              <a:rPr kumimoji="0" lang="en-US" altLang="ko-KR" sz="1100" b="0" i="0" u="none" strike="noStrike" kern="1200" cap="none" spc="0" normalizeH="0" baseline="0" noProof="0" dirty="0">
+                <a:ln>
+                  <a:solidFill>
+                    <a:prstClr val="white">
+                      <a:alpha val="40000"/>
+                    </a:prstClr>
+                  </a:solidFill>
+                </a:ln>
+                <a:solidFill>
+                  <a:srgbClr val="5B9BD5"/>
+                </a:solidFill>
+                <a:effectLst>
+                  <a:outerShdw blurRad="38100" dist="38100" dir="2700000" algn="tl">
+                    <a:srgbClr val="000000">
+                      <a:alpha val="43137"/>
+                    </a:srgbClr>
+                  </a:outerShdw>
+                </a:effectLst>
+                <a:uLnTx/>
+                <a:uFillTx/>
+                <a:latin typeface="나눔고딕" panose="020D0604000000000000" pitchFamily="50" charset="-127"/>
+                <a:ea typeface="나눔고딕" panose="020D0604000000000000" pitchFamily="50" charset="-127"/>
+                <a:cs typeface="+mn-cs"/>
+              </a:rPr>
+              <a:t>Monitoring &amp; </a:t>
+            </a:r>
+            <a:r>
+              <a:rPr kumimoji="0" lang="en-US" altLang="ko-KR" sz="1100" b="0" i="0" u="none" strike="noStrike" kern="1200" cap="none" spc="0" normalizeH="0" baseline="0" noProof="0" dirty="0" err="1">
+                <a:ln>
+                  <a:solidFill>
+                    <a:prstClr val="white">
+                      <a:alpha val="40000"/>
+                    </a:prstClr>
+                  </a:solidFill>
+                </a:ln>
+                <a:solidFill>
+                  <a:srgbClr val="5B9BD5"/>
+                </a:solidFill>
+                <a:effectLst>
+                  <a:outerShdw blurRad="38100" dist="38100" dir="2700000" algn="tl">
+                    <a:srgbClr val="000000">
+                      <a:alpha val="43137"/>
+                    </a:srgbClr>
+                  </a:outerShdw>
+                </a:effectLst>
+                <a:uLnTx/>
+                <a:uFillTx/>
+                <a:latin typeface="나눔고딕" panose="020D0604000000000000" pitchFamily="50" charset="-127"/>
+                <a:ea typeface="나눔고딕" panose="020D0604000000000000" pitchFamily="50" charset="-127"/>
+                <a:cs typeface="+mn-cs"/>
+              </a:rPr>
+              <a:t>Analstics</a:t>
+            </a:r>
+            <a:r>
+              <a:rPr kumimoji="0" lang="en-US" altLang="ko-KR" sz="1100" b="0" i="0" u="none" strike="noStrike" kern="1200" cap="none" spc="0" normalizeH="0" baseline="0" noProof="0" dirty="0">
+                <a:ln>
+                  <a:solidFill>
+                    <a:prstClr val="white">
+                      <a:alpha val="40000"/>
+                    </a:prstClr>
+                  </a:solidFill>
+                </a:ln>
+                <a:solidFill>
+                  <a:srgbClr val="5B9BD5"/>
+                </a:solidFill>
+                <a:effectLst>
+                  <a:outerShdw blurRad="38100" dist="38100" dir="2700000" algn="tl">
+                    <a:srgbClr val="000000">
+                      <a:alpha val="43137"/>
+                    </a:srgbClr>
+                  </a:outerShdw>
+                </a:effectLst>
+                <a:uLnTx/>
+                <a:uFillTx/>
+                <a:latin typeface="나눔고딕" panose="020D0604000000000000" pitchFamily="50" charset="-127"/>
+                <a:ea typeface="나눔고딕" panose="020D0604000000000000" pitchFamily="50" charset="-127"/>
+                <a:cs typeface="+mn-cs"/>
+              </a:rPr>
+              <a:t> Web Service</a:t>
+            </a:r>
+            <a:endParaRPr kumimoji="0" lang="ko-KR" altLang="en-US" sz="1100" b="0" i="0" u="none" strike="noStrike" kern="1200" cap="none" spc="0" normalizeH="0" baseline="0" noProof="0" dirty="0">
+              <a:ln>
+                <a:solidFill>
+                  <a:prstClr val="white">
+                    <a:alpha val="40000"/>
+                  </a:prstClr>
+                </a:solidFill>
+              </a:ln>
+              <a:solidFill>
+                <a:srgbClr val="5B9BD5"/>
+              </a:solidFill>
+              <a:effectLst>
+                <a:outerShdw blurRad="38100" dist="38100" dir="2700000" algn="tl">
+                  <a:srgbClr val="000000">
+                    <a:alpha val="43137"/>
+                  </a:srgbClr>
+                </a:outerShdw>
+              </a:effectLst>
+              <a:uLnTx/>
+              <a:uFillTx/>
+              <a:latin typeface="나눔고딕" panose="020D0604000000000000" pitchFamily="50" charset="-127"/>
+              <a:ea typeface="나눔고딕" panose="020D0604000000000000" pitchFamily="50" charset="-127"/>
+              <a:cs typeface="+mn-cs"/>
+            </a:endParaRPr>
+          </a:p>
+        </p:txBody>
+      </p:sp>
+      <p:pic>
+        <p:nvPicPr>
+          <p:cNvPr id="11" name="그림 10">
+            <a:extLst>
+              <a:ext uri="{FF2B5EF4-FFF2-40B4-BE49-F238E27FC236}">
+                <a16:creationId xmlns:a16="http://schemas.microsoft.com/office/drawing/2014/main" id="{BF59102C-622E-49AE-9CDE-7C3FCC8C3ACD}"/>
+              </a:ext>
+            </a:extLst>
+          </p:cNvPr>
+          <p:cNvPicPr>
+            <a:picLocks noChangeAspect="1"/>
+          </p:cNvPicPr>
+          <p:nvPr/>
+        </p:nvPicPr>
+        <p:blipFill>
+          <a:blip r:embed="rId4">
+            <a:extLst>
+              <a:ext uri="{BEBA8EAE-BF5A-486C-A8C5-ECC9F3942E4B}">
+                <a14:imgProps xmlns:a14="http://schemas.microsoft.com/office/drawing/2010/main">
+                  <a14:imgLayer r:embed="rId5">
+                    <a14:imgEffect>
+                      <a14:sharpenSoften amount="-9000"/>
+                    </a14:imgEffect>
+                  </a14:imgLayer>
+                </a14:imgProps>
+              </a:ext>
+              <a:ext uri="{28A0092B-C50C-407E-A947-70E740481C1C}">
+                <a14:useLocalDpi xmlns:a14="http://schemas.microsoft.com/office/drawing/2010/main" val="0"/>
+              </a:ext>
+            </a:extLst>
+          </a:blip>
+          <a:stretch>
+            <a:fillRect/>
+          </a:stretch>
+        </p:blipFill>
+        <p:spPr>
+          <a:xfrm>
+            <a:off x="1208801" y="6142366"/>
+            <a:ext cx="1203411" cy="261611"/>
+          </a:xfrm>
+          <a:prstGeom prst="rect">
+            <a:avLst/>
+          </a:prstGeom>
+        </p:spPr>
+      </p:pic>
     </p:spTree>
     <p:extLst>
       <p:ext uri="{BB962C8B-B14F-4D97-AF65-F5344CB8AC3E}">
-        <p14:creationId xmlns:p14="http://schemas.microsoft.com/office/powerpoint/2010/main" val="2262335210"/>
+        <p14:creationId xmlns:p14="http://schemas.microsoft.com/office/powerpoint/2010/main" val="3841840477"/>
       </p:ext>
     </p:extLst>
   </p:cSld>
@@ -6610,7 +7358,7 @@
               <a:defRPr/>
             </a:pPr>
             <a:r>
-              <a:rPr kumimoji="0" lang="ko-KR" altLang="en-US" sz="3200" b="1" i="0" u="none" strike="noStrike" kern="1200" cap="none" spc="0" normalizeH="0" baseline="0" noProof="0" dirty="0" smtClean="0">
+              <a:rPr kumimoji="0" lang="ko-KR" altLang="en-US" sz="3200" b="1" i="0" u="none" strike="noStrike" kern="1200" cap="none" spc="0" normalizeH="0" baseline="0" noProof="0" dirty="0">
                 <a:ln>
                   <a:noFill/>
                 </a:ln>
@@ -6649,15 +7397,219 @@
           </a:p>
         </p:txBody>
       </p:sp>
+      <p:sp>
+        <p:nvSpPr>
+          <p:cNvPr id="10" name="TextBox 9">
+            <a:extLst>
+              <a:ext uri="{FF2B5EF4-FFF2-40B4-BE49-F238E27FC236}">
+                <a16:creationId xmlns:a16="http://schemas.microsoft.com/office/drawing/2014/main" id="{3015E320-0528-4001-9DB8-889BEDCC7544}"/>
+              </a:ext>
+            </a:extLst>
+          </p:cNvPr>
+          <p:cNvSpPr txBox="1"/>
+          <p:nvPr/>
+        </p:nvSpPr>
+        <p:spPr>
+          <a:xfrm>
+            <a:off x="8208985" y="6135585"/>
+            <a:ext cx="2774214" cy="261610"/>
+          </a:xfrm>
+          <a:prstGeom prst="rect">
+            <a:avLst/>
+          </a:prstGeom>
+          <a:noFill/>
+        </p:spPr>
+        <p:txBody>
+          <a:bodyPr wrap="square" rtlCol="0">
+            <a:spAutoFit/>
+          </a:bodyPr>
+          <a:lstStyle/>
+          <a:p>
+            <a:pPr marL="0" marR="0" lvl="0" indent="0" algn="ctr" defTabSz="914400" rtl="0" eaLnBrk="1" fontAlgn="auto" latinLnBrk="1" hangingPunct="1">
+              <a:lnSpc>
+                <a:spcPct val="100000"/>
+              </a:lnSpc>
+              <a:spcBef>
+                <a:spcPts val="0"/>
+              </a:spcBef>
+              <a:spcAft>
+                <a:spcPts val="0"/>
+              </a:spcAft>
+              <a:buClrTx/>
+              <a:buSzTx/>
+              <a:buFontTx/>
+              <a:buNone/>
+              <a:tabLst/>
+              <a:defRPr/>
+            </a:pPr>
+            <a:r>
+              <a:rPr kumimoji="0" lang="en-US" altLang="ko-KR" sz="1100" b="0" i="0" u="none" strike="noStrike" kern="1200" cap="none" spc="0" normalizeH="0" baseline="0" noProof="0" dirty="0">
+                <a:ln>
+                  <a:solidFill>
+                    <a:prstClr val="white">
+                      <a:alpha val="40000"/>
+                    </a:prstClr>
+                  </a:solidFill>
+                </a:ln>
+                <a:solidFill>
+                  <a:srgbClr val="5B9BD5"/>
+                </a:solidFill>
+                <a:effectLst>
+                  <a:outerShdw blurRad="38100" dist="38100" dir="2700000" algn="tl">
+                    <a:srgbClr val="000000">
+                      <a:alpha val="43137"/>
+                    </a:srgbClr>
+                  </a:outerShdw>
+                </a:effectLst>
+                <a:uLnTx/>
+                <a:uFillTx/>
+                <a:latin typeface="나눔고딕" panose="020D0604000000000000" pitchFamily="50" charset="-127"/>
+                <a:ea typeface="나눔고딕" panose="020D0604000000000000" pitchFamily="50" charset="-127"/>
+                <a:cs typeface="+mn-cs"/>
+              </a:rPr>
+              <a:t>Monitoring &amp; </a:t>
+            </a:r>
+            <a:r>
+              <a:rPr kumimoji="0" lang="en-US" altLang="ko-KR" sz="1100" b="0" i="0" u="none" strike="noStrike" kern="1200" cap="none" spc="0" normalizeH="0" baseline="0" noProof="0" dirty="0" err="1">
+                <a:ln>
+                  <a:solidFill>
+                    <a:prstClr val="white">
+                      <a:alpha val="40000"/>
+                    </a:prstClr>
+                  </a:solidFill>
+                </a:ln>
+                <a:solidFill>
+                  <a:srgbClr val="5B9BD5"/>
+                </a:solidFill>
+                <a:effectLst>
+                  <a:outerShdw blurRad="38100" dist="38100" dir="2700000" algn="tl">
+                    <a:srgbClr val="000000">
+                      <a:alpha val="43137"/>
+                    </a:srgbClr>
+                  </a:outerShdw>
+                </a:effectLst>
+                <a:uLnTx/>
+                <a:uFillTx/>
+                <a:latin typeface="나눔고딕" panose="020D0604000000000000" pitchFamily="50" charset="-127"/>
+                <a:ea typeface="나눔고딕" panose="020D0604000000000000" pitchFamily="50" charset="-127"/>
+                <a:cs typeface="+mn-cs"/>
+              </a:rPr>
+              <a:t>Analstics</a:t>
+            </a:r>
+            <a:r>
+              <a:rPr kumimoji="0" lang="en-US" altLang="ko-KR" sz="1100" b="0" i="0" u="none" strike="noStrike" kern="1200" cap="none" spc="0" normalizeH="0" baseline="0" noProof="0" dirty="0">
+                <a:ln>
+                  <a:solidFill>
+                    <a:prstClr val="white">
+                      <a:alpha val="40000"/>
+                    </a:prstClr>
+                  </a:solidFill>
+                </a:ln>
+                <a:solidFill>
+                  <a:srgbClr val="5B9BD5"/>
+                </a:solidFill>
+                <a:effectLst>
+                  <a:outerShdw blurRad="38100" dist="38100" dir="2700000" algn="tl">
+                    <a:srgbClr val="000000">
+                      <a:alpha val="43137"/>
+                    </a:srgbClr>
+                  </a:outerShdw>
+                </a:effectLst>
+                <a:uLnTx/>
+                <a:uFillTx/>
+                <a:latin typeface="나눔고딕" panose="020D0604000000000000" pitchFamily="50" charset="-127"/>
+                <a:ea typeface="나눔고딕" panose="020D0604000000000000" pitchFamily="50" charset="-127"/>
+                <a:cs typeface="+mn-cs"/>
+              </a:rPr>
+              <a:t> Web Service</a:t>
+            </a:r>
+            <a:endParaRPr kumimoji="0" lang="ko-KR" altLang="en-US" sz="1100" b="0" i="0" u="none" strike="noStrike" kern="1200" cap="none" spc="0" normalizeH="0" baseline="0" noProof="0" dirty="0">
+              <a:ln>
+                <a:solidFill>
+                  <a:prstClr val="white">
+                    <a:alpha val="40000"/>
+                  </a:prstClr>
+                </a:solidFill>
+              </a:ln>
+              <a:solidFill>
+                <a:srgbClr val="5B9BD5"/>
+              </a:solidFill>
+              <a:effectLst>
+                <a:outerShdw blurRad="38100" dist="38100" dir="2700000" algn="tl">
+                  <a:srgbClr val="000000">
+                    <a:alpha val="43137"/>
+                  </a:srgbClr>
+                </a:outerShdw>
+              </a:effectLst>
+              <a:uLnTx/>
+              <a:uFillTx/>
+              <a:latin typeface="나눔고딕" panose="020D0604000000000000" pitchFamily="50" charset="-127"/>
+              <a:ea typeface="나눔고딕" panose="020D0604000000000000" pitchFamily="50" charset="-127"/>
+              <a:cs typeface="+mn-cs"/>
+            </a:endParaRPr>
+          </a:p>
+        </p:txBody>
+      </p:sp>
+      <p:pic>
+        <p:nvPicPr>
+          <p:cNvPr id="11" name="그림 10">
+            <a:extLst>
+              <a:ext uri="{FF2B5EF4-FFF2-40B4-BE49-F238E27FC236}">
+                <a16:creationId xmlns:a16="http://schemas.microsoft.com/office/drawing/2014/main" id="{BF59102C-622E-49AE-9CDE-7C3FCC8C3ACD}"/>
+              </a:ext>
+            </a:extLst>
+          </p:cNvPr>
+          <p:cNvPicPr>
+            <a:picLocks noChangeAspect="1"/>
+          </p:cNvPicPr>
+          <p:nvPr/>
+        </p:nvPicPr>
+        <p:blipFill>
+          <a:blip r:embed="rId3">
+            <a:extLst>
+              <a:ext uri="{BEBA8EAE-BF5A-486C-A8C5-ECC9F3942E4B}">
+                <a14:imgProps xmlns:a14="http://schemas.microsoft.com/office/drawing/2010/main">
+                  <a14:imgLayer r:embed="rId4">
+                    <a14:imgEffect>
+                      <a14:sharpenSoften amount="-9000"/>
+                    </a14:imgEffect>
+                  </a14:imgLayer>
+                </a14:imgProps>
+              </a:ext>
+              <a:ext uri="{28A0092B-C50C-407E-A947-70E740481C1C}">
+                <a14:useLocalDpi xmlns:a14="http://schemas.microsoft.com/office/drawing/2010/main" val="0"/>
+              </a:ext>
+            </a:extLst>
+          </a:blip>
+          <a:stretch>
+            <a:fillRect/>
+          </a:stretch>
+        </p:blipFill>
+        <p:spPr>
+          <a:xfrm>
+            <a:off x="1208801" y="6142366"/>
+            <a:ext cx="1203411" cy="261611"/>
+          </a:xfrm>
+          <a:prstGeom prst="rect">
+            <a:avLst/>
+          </a:prstGeom>
+        </p:spPr>
+      </p:pic>
       <p:grpSp>
         <p:nvGrpSpPr>
-          <p:cNvPr id="10" name="그룹 9"/>
+          <p:cNvPr id="12" name="그룹 11">
+            <a:extLst>
+              <a:ext uri="{FF2B5EF4-FFF2-40B4-BE49-F238E27FC236}">
+                <a16:creationId xmlns:a16="http://schemas.microsoft.com/office/drawing/2014/main" id="{DBB35589-3170-4E94-84AF-C16A57FEEE73}"/>
+              </a:ext>
+            </a:extLst>
+          </p:cNvPr>
           <p:cNvGrpSpPr/>
           <p:nvPr/>
         </p:nvGrpSpPr>
         <p:grpSpPr>
           <a:xfrm>
-            <a:off x="2433146" y="2470203"/>
+            <a:off x="2433146" y="2237471"/>
             <a:ext cx="7275831" cy="3364946"/>
             <a:chOff x="2392427" y="2312045"/>
             <a:chExt cx="7275831" cy="3364946"/>
@@ -6665,14 +7617,20 @@
         </p:grpSpPr>
         <p:graphicFrame>
           <p:nvGraphicFramePr>
-            <p:cNvPr id="11" name="개체 10"/>
+            <p:cNvPr id="13" name="개체 12">
+              <a:extLst>
+                <a:ext uri="{FF2B5EF4-FFF2-40B4-BE49-F238E27FC236}">
+                  <a16:creationId xmlns:a16="http://schemas.microsoft.com/office/drawing/2014/main" id="{239EA841-647E-4D7F-ADAF-51857533D5E4}"/>
+                </a:ext>
+              </a:extLst>
+            </p:cNvPr>
             <p:cNvGraphicFramePr>
               <a:graphicFrameLocks noChangeAspect="1"/>
             </p:cNvGraphicFramePr>
             <p:nvPr>
               <p:extLst>
                 <p:ext uri="{D42A27DB-BD31-4B8C-83A1-F6EECF244321}">
-                  <p14:modId xmlns:p14="http://schemas.microsoft.com/office/powerpoint/2010/main" val="374752101"/>
+                  <p14:modId xmlns:p14="http://schemas.microsoft.com/office/powerpoint/2010/main" val="2466279313"/>
                 </p:ext>
               </p:extLst>
             </p:nvPr>
@@ -6685,21 +7643,21 @@
             <a:graphicData uri="http://schemas.openxmlformats.org/presentationml/2006/ole">
               <mc:AlternateContent xmlns:mc="http://schemas.openxmlformats.org/markup-compatibility/2006">
                 <mc:Choice xmlns:v="urn:schemas-microsoft-com:vml" Requires="v">
-                  <p:oleObj spid="_x0000_s5124" name="Image" r:id="rId3" imgW="3618720" imgH="4063320" progId="Photoshop.Image.13">
+                  <p:oleObj spid="_x0000_s6148" name="Image" r:id="rId5" imgW="3618720" imgH="4063320" progId="Photoshop.Image.13">
                     <p:embed/>
                   </p:oleObj>
                 </mc:Choice>
                 <mc:Fallback>
-                  <p:oleObj name="Image" r:id="rId3" imgW="3618720" imgH="4063320" progId="Photoshop.Image.13">
+                  <p:oleObj name="Image" r:id="rId5" imgW="3618720" imgH="4063320" progId="Photoshop.Image.13">
                     <p:embed/>
                     <p:pic>
                       <p:nvPicPr>
-                        <p:cNvPr id="17" name="개체 16"/>
+                        <p:cNvPr id="11" name="개체 10"/>
                         <p:cNvPicPr/>
                         <p:nvPr/>
                       </p:nvPicPr>
                       <p:blipFill>
-                        <a:blip r:embed="rId4"/>
+                        <a:blip r:embed="rId6"/>
                         <a:stretch>
                           <a:fillRect/>
                         </a:stretch>
@@ -6722,14 +7680,20 @@
         </p:graphicFrame>
         <p:pic>
           <p:nvPicPr>
-            <p:cNvPr id="12" name="그림 11"/>
+            <p:cNvPr id="14" name="그림 13">
+              <a:extLst>
+                <a:ext uri="{FF2B5EF4-FFF2-40B4-BE49-F238E27FC236}">
+                  <a16:creationId xmlns:a16="http://schemas.microsoft.com/office/drawing/2014/main" id="{0AC1CD75-729A-4FC4-9373-BD5E690099C4}"/>
+                </a:ext>
+              </a:extLst>
+            </p:cNvPr>
             <p:cNvPicPr>
               <a:picLocks noChangeAspect="1"/>
             </p:cNvPicPr>
             <p:nvPr/>
           </p:nvPicPr>
           <p:blipFill>
-            <a:blip r:embed="rId5"/>
+            <a:blip r:embed="rId7"/>
             <a:stretch>
               <a:fillRect/>
             </a:stretch>
@@ -6746,14 +7710,20 @@
         </p:pic>
         <p:pic>
           <p:nvPicPr>
-            <p:cNvPr id="13" name="그림 12"/>
+            <p:cNvPr id="15" name="그림 14">
+              <a:extLst>
+                <a:ext uri="{FF2B5EF4-FFF2-40B4-BE49-F238E27FC236}">
+                  <a16:creationId xmlns:a16="http://schemas.microsoft.com/office/drawing/2014/main" id="{E54239F9-400C-49B3-9D2E-F5C4D02E07D7}"/>
+                </a:ext>
+              </a:extLst>
+            </p:cNvPr>
             <p:cNvPicPr>
               <a:picLocks noChangeAspect="1"/>
             </p:cNvPicPr>
             <p:nvPr/>
           </p:nvPicPr>
           <p:blipFill rotWithShape="1">
-            <a:blip r:embed="rId6"/>
+            <a:blip r:embed="rId8"/>
             <a:srcRect l="7589" t="29160" r="8095" b="27551"/>
             <a:stretch/>
           </p:blipFill>
@@ -6769,14 +7739,20 @@
         </p:pic>
         <p:graphicFrame>
           <p:nvGraphicFramePr>
-            <p:cNvPr id="14" name="개체 13"/>
+            <p:cNvPr id="16" name="개체 15">
+              <a:extLst>
+                <a:ext uri="{FF2B5EF4-FFF2-40B4-BE49-F238E27FC236}">
+                  <a16:creationId xmlns:a16="http://schemas.microsoft.com/office/drawing/2014/main" id="{048405BB-387C-40CA-8366-D414C1A77790}"/>
+                </a:ext>
+              </a:extLst>
+            </p:cNvPr>
             <p:cNvGraphicFramePr>
               <a:graphicFrameLocks noChangeAspect="1"/>
             </p:cNvGraphicFramePr>
             <p:nvPr>
               <p:extLst>
                 <p:ext uri="{D42A27DB-BD31-4B8C-83A1-F6EECF244321}">
-                  <p14:modId xmlns:p14="http://schemas.microsoft.com/office/powerpoint/2010/main" val="2752426474"/>
+                  <p14:modId xmlns:p14="http://schemas.microsoft.com/office/powerpoint/2010/main" val="3382038311"/>
                 </p:ext>
               </p:extLst>
             </p:nvPr>
@@ -6789,21 +7765,21 @@
             <a:graphicData uri="http://schemas.openxmlformats.org/presentationml/2006/ole">
               <mc:AlternateContent xmlns:mc="http://schemas.openxmlformats.org/markup-compatibility/2006">
                 <mc:Choice xmlns:v="urn:schemas-microsoft-com:vml" Requires="v">
-                  <p:oleObj spid="_x0000_s5125" name="Image" r:id="rId7" imgW="4266360" imgH="5041080" progId="Photoshop.Image.13">
+                  <p:oleObj spid="_x0000_s6149" name="Image" r:id="rId9" imgW="4266360" imgH="5041080" progId="Photoshop.Image.13">
                     <p:embed/>
                   </p:oleObj>
                 </mc:Choice>
                 <mc:Fallback>
-                  <p:oleObj name="Image" r:id="rId7" imgW="4266360" imgH="5041080" progId="Photoshop.Image.13">
+                  <p:oleObj name="Image" r:id="rId9" imgW="4266360" imgH="5041080" progId="Photoshop.Image.13">
                     <p:embed/>
                     <p:pic>
                       <p:nvPicPr>
-                        <p:cNvPr id="21" name="개체 20"/>
+                        <p:cNvPr id="14" name="개체 13"/>
                         <p:cNvPicPr/>
                         <p:nvPr/>
                       </p:nvPicPr>
                       <p:blipFill>
-                        <a:blip r:embed="rId8"/>
+                        <a:blip r:embed="rId10"/>
                         <a:stretch>
                           <a:fillRect/>
                         </a:stretch>
@@ -6826,14 +7802,20 @@
         </p:graphicFrame>
         <p:pic>
           <p:nvPicPr>
-            <p:cNvPr id="15" name="그림 14"/>
+            <p:cNvPr id="17" name="그림 16">
+              <a:extLst>
+                <a:ext uri="{FF2B5EF4-FFF2-40B4-BE49-F238E27FC236}">
+                  <a16:creationId xmlns:a16="http://schemas.microsoft.com/office/drawing/2014/main" id="{1492D9F3-2753-4EBB-9481-93C94E945776}"/>
+                </a:ext>
+              </a:extLst>
+            </p:cNvPr>
             <p:cNvPicPr>
               <a:picLocks noChangeAspect="1"/>
             </p:cNvPicPr>
             <p:nvPr/>
           </p:nvPicPr>
           <p:blipFill>
-            <a:blip r:embed="rId9">
+            <a:blip r:embed="rId11">
               <a:extLst>
                 <a:ext uri="{28A0092B-C50C-407E-A947-70E740481C1C}">
                   <a14:useLocalDpi xmlns:a14="http://schemas.microsoft.com/office/drawing/2010/main" val="0"/>
@@ -6856,14 +7838,20 @@
         </p:pic>
         <p:pic>
           <p:nvPicPr>
-            <p:cNvPr id="16" name="Picture 5" descr="https://byline.network/wp-content/uploads/2017/10/mysql-logo.jpg"/>
+            <p:cNvPr id="18" name="Picture 5" descr="https://byline.network/wp-content/uploads/2017/10/mysql-logo.jpg">
+              <a:extLst>
+                <a:ext uri="{FF2B5EF4-FFF2-40B4-BE49-F238E27FC236}">
+                  <a16:creationId xmlns:a16="http://schemas.microsoft.com/office/drawing/2014/main" id="{21E14ACA-33A7-4F61-A64B-73429034BE33}"/>
+                </a:ext>
+              </a:extLst>
+            </p:cNvPr>
             <p:cNvPicPr>
               <a:picLocks noChangeAspect="1" noChangeArrowheads="1"/>
             </p:cNvPicPr>
             <p:nvPr/>
           </p:nvPicPr>
           <p:blipFill>
-            <a:blip r:embed="rId10" cstate="print">
+            <a:blip r:embed="rId12" cstate="print">
               <a:extLst>
                 <a:ext uri="{28A0092B-C50C-407E-A947-70E740481C1C}">
                   <a14:useLocalDpi xmlns:a14="http://schemas.microsoft.com/office/drawing/2010/main" val="0"/>
@@ -6899,7 +7887,7 @@
     </p:spTree>
     <p:extLst>
       <p:ext uri="{BB962C8B-B14F-4D97-AF65-F5344CB8AC3E}">
-        <p14:creationId xmlns:p14="http://schemas.microsoft.com/office/powerpoint/2010/main" val="2449891527"/>
+        <p14:creationId xmlns:p14="http://schemas.microsoft.com/office/powerpoint/2010/main" val="4235052582"/>
       </p:ext>
     </p:extLst>
   </p:cSld>
@@ -7222,7 +8210,7 @@
               <a:defRPr/>
             </a:pPr>
             <a:r>
-              <a:rPr kumimoji="0" lang="ko-KR" altLang="en-US" sz="3200" b="1" i="0" u="none" strike="noStrike" kern="1200" cap="none" spc="0" normalizeH="0" baseline="0" noProof="0" dirty="0" smtClean="0">
+              <a:rPr kumimoji="0" lang="ko-KR" altLang="en-US" sz="3200" b="1" i="0" u="none" strike="noStrike" kern="1200" cap="none" spc="0" normalizeH="0" baseline="0" noProof="0" dirty="0">
                 <a:ln>
                   <a:noFill/>
                 </a:ln>
@@ -16884,4 +17872,299 @@
     </a:ext>
   </a:extLst>
 </a:theme>
+</file>
+
+<file path=ppt/theme/theme2.xml><?xml version="1.0" encoding="utf-8"?>
+<a:theme xmlns:a="http://schemas.openxmlformats.org/drawingml/2006/main" name="Office 테마">
+  <a:themeElements>
+    <a:clrScheme name="Office">
+      <a:dk1>
+        <a:sysClr val="windowText" lastClr="000000"/>
+      </a:dk1>
+      <a:lt1>
+        <a:sysClr val="window" lastClr="FFFFFF"/>
+      </a:lt1>
+      <a:dk2>
+        <a:srgbClr val="44546A"/>
+      </a:dk2>
+      <a:lt2>
+        <a:srgbClr val="E7E6E6"/>
+      </a:lt2>
+      <a:accent1>
+        <a:srgbClr val="4472C4"/>
+      </a:accent1>
+      <a:accent2>
+        <a:srgbClr val="ED7D31"/>
+      </a:accent2>
+      <a:accent3>
+        <a:srgbClr val="A5A5A5"/>
+      </a:accent3>
+      <a:accent4>
+        <a:srgbClr val="FFC000"/>
+      </a:accent4>
+      <a:accent5>
+        <a:srgbClr val="5B9BD5"/>
+      </a:accent5>
+      <a:accent6>
+        <a:srgbClr val="70AD47"/>
+      </a:accent6>
+      <a:hlink>
+        <a:srgbClr val="0563C1"/>
+      </a:hlink>
+      <a:folHlink>
+        <a:srgbClr val="954F72"/>
+      </a:folHlink>
+    </a:clrScheme>
+    <a:fontScheme name="Office">
+      <a:majorFont>
+        <a:latin typeface="맑은 고딕" panose="020F0302020204030204"/>
+        <a:ea typeface=""/>
+        <a:cs typeface=""/>
+        <a:font script="Jpan" typeface="游ゴシック Light"/>
+        <a:font script="Hang" typeface="맑은 고딕"/>
+        <a:font script="Hans" typeface="等线 Light"/>
+        <a:font script="Hant" typeface="新細明體"/>
+        <a:font script="Arab" typeface="Times New Roman"/>
+        <a:font script="Hebr" typeface="Times New Roman"/>
+        <a:font script="Thai" typeface="Angsana New"/>
+        <a:font script="Ethi" typeface="Nyala"/>
+        <a:font script="Beng" typeface="Vrinda"/>
+        <a:font script="Gujr" typeface="Shruti"/>
+        <a:font script="Khmr" typeface="MoolBoran"/>
+        <a:font script="Knda" typeface="Tunga"/>
+        <a:font script="Guru" typeface="Raavi"/>
+        <a:font script="Cans" typeface="Euphemia"/>
+        <a:font script="Cher" typeface="Plantagenet Cherokee"/>
+        <a:font script="Yiii" typeface="Microsoft Yi Baiti"/>
+        <a:font script="Tibt" typeface="Microsoft Himalaya"/>
+        <a:font script="Thaa" typeface="MV Boli"/>
+        <a:font script="Deva" typeface="Mangal"/>
+        <a:font script="Telu" typeface="Gautami"/>
+        <a:font script="Taml" typeface="Latha"/>
+        <a:font script="Syrc" typeface="Estrangelo Edessa"/>
+        <a:font script="Orya" typeface="Kalinga"/>
+        <a:font script="Mlym" typeface="Kartika"/>
+        <a:font script="Laoo" typeface="DokChampa"/>
+        <a:font script="Sinh" typeface="Iskoola Pota"/>
+        <a:font script="Mong" typeface="Mongolian Baiti"/>
+        <a:font script="Viet" typeface="Times New Roman"/>
+        <a:font script="Uigh" typeface="Microsoft Uighur"/>
+        <a:font script="Geor" typeface="Sylfaen"/>
+        <a:font script="Armn" typeface="Arial"/>
+        <a:font script="Bugi" typeface="Leelawadee UI"/>
+        <a:font script="Bopo" typeface="Microsoft JhengHei"/>
+        <a:font script="Java" typeface="Javanese Text"/>
+        <a:font script="Lisu" typeface="Segoe UI"/>
+        <a:font script="Mymr" typeface="Myanmar Text"/>
+        <a:font script="Nkoo" typeface="Ebrima"/>
+        <a:font script="Olck" typeface="Nirmala UI"/>
+        <a:font script="Osma" typeface="Ebrima"/>
+        <a:font script="Phag" typeface="Phagspa"/>
+        <a:font script="Syrn" typeface="Estrangelo Edessa"/>
+        <a:font script="Syrj" typeface="Estrangelo Edessa"/>
+        <a:font script="Syre" typeface="Estrangelo Edessa"/>
+        <a:font script="Sora" typeface="Nirmala UI"/>
+        <a:font script="Tale" typeface="Microsoft Tai Le"/>
+        <a:font script="Talu" typeface="Microsoft New Tai Lue"/>
+        <a:font script="Tfng" typeface="Ebrima"/>
+      </a:majorFont>
+      <a:minorFont>
+        <a:latin typeface="맑은 고딕" panose="020F0502020204030204"/>
+        <a:ea typeface=""/>
+        <a:cs typeface=""/>
+        <a:font script="Jpan" typeface="游ゴシック"/>
+        <a:font script="Hang" typeface="맑은 고딕"/>
+        <a:font script="Hans" typeface="等线"/>
+        <a:font script="Hant" typeface="新細明體"/>
+        <a:font script="Arab" typeface="Arial"/>
+        <a:font script="Hebr" typeface="Arial"/>
+        <a:font script="Thai" typeface="Cordia New"/>
+        <a:font script="Ethi" typeface="Nyala"/>
+        <a:font script="Beng" typeface="Vrinda"/>
+        <a:font script="Gujr" typeface="Shruti"/>
+        <a:font script="Khmr" typeface="DaunPenh"/>
+        <a:font script="Knda" typeface="Tunga"/>
+        <a:font script="Guru" typeface="Raavi"/>
+        <a:font script="Cans" typeface="Euphemia"/>
+        <a:font script="Cher" typeface="Plantagenet Cherokee"/>
+        <a:font script="Yiii" typeface="Microsoft Yi Baiti"/>
+        <a:font script="Tibt" typeface="Microsoft Himalaya"/>
+        <a:font script="Thaa" typeface="MV Boli"/>
+        <a:font script="Deva" typeface="Mangal"/>
+        <a:font script="Telu" typeface="Gautami"/>
+        <a:font script="Taml" typeface="Latha"/>
+        <a:font script="Syrc" typeface="Estrangelo Edessa"/>
+        <a:font script="Orya" typeface="Kalinga"/>
+        <a:font script="Mlym" typeface="Kartika"/>
+        <a:font script="Laoo" typeface="DokChampa"/>
+        <a:font script="Sinh" typeface="Iskoola Pota"/>
+        <a:font script="Mong" typeface="Mongolian Baiti"/>
+        <a:font script="Viet" typeface="Arial"/>
+        <a:font script="Uigh" typeface="Microsoft Uighur"/>
+        <a:font script="Geor" typeface="Sylfaen"/>
+        <a:font script="Armn" typeface="Arial"/>
+        <a:font script="Bugi" typeface="Leelawadee UI"/>
+        <a:font script="Bopo" typeface="Microsoft JhengHei"/>
+        <a:font script="Java" typeface="Javanese Text"/>
+        <a:font script="Lisu" typeface="Segoe UI"/>
+        <a:font script="Mymr" typeface="Myanmar Text"/>
+        <a:font script="Nkoo" typeface="Ebrima"/>
+        <a:font script="Olck" typeface="Nirmala UI"/>
+        <a:font script="Osma" typeface="Ebrima"/>
+        <a:font script="Phag" typeface="Phagspa"/>
+        <a:font script="Syrn" typeface="Estrangelo Edessa"/>
+        <a:font script="Syrj" typeface="Estrangelo Edessa"/>
+        <a:font script="Syre" typeface="Estrangelo Edessa"/>
+        <a:font script="Sora" typeface="Nirmala UI"/>
+        <a:font script="Tale" typeface="Microsoft Tai Le"/>
+        <a:font script="Talu" typeface="Microsoft New Tai Lue"/>
+        <a:font script="Tfng" typeface="Ebrima"/>
+      </a:minorFont>
+    </a:fontScheme>
+    <a:fmtScheme name="Office">
+      <a:fillStyleLst>
+        <a:solidFill>
+          <a:schemeClr val="phClr"/>
+        </a:solidFill>
+        <a:gradFill rotWithShape="1">
+          <a:gsLst>
+            <a:gs pos="0">
+              <a:schemeClr val="phClr">
+                <a:lumMod val="110000"/>
+                <a:satMod val="105000"/>
+                <a:tint val="67000"/>
+              </a:schemeClr>
+            </a:gs>
+            <a:gs pos="50000">
+              <a:schemeClr val="phClr">
+                <a:lumMod val="105000"/>
+                <a:satMod val="103000"/>
+                <a:tint val="73000"/>
+              </a:schemeClr>
+            </a:gs>
+            <a:gs pos="100000">
+              <a:schemeClr val="phClr">
+                <a:lumMod val="105000"/>
+                <a:satMod val="109000"/>
+                <a:tint val="81000"/>
+              </a:schemeClr>
+            </a:gs>
+          </a:gsLst>
+          <a:lin ang="5400000" scaled="0"/>
+        </a:gradFill>
+        <a:gradFill rotWithShape="1">
+          <a:gsLst>
+            <a:gs pos="0">
+              <a:schemeClr val="phClr">
+                <a:satMod val="103000"/>
+                <a:lumMod val="102000"/>
+                <a:tint val="94000"/>
+              </a:schemeClr>
+            </a:gs>
+            <a:gs pos="50000">
+              <a:schemeClr val="phClr">
+                <a:satMod val="110000"/>
+                <a:lumMod val="100000"/>
+                <a:shade val="100000"/>
+              </a:schemeClr>
+            </a:gs>
+            <a:gs pos="100000">
+              <a:schemeClr val="phClr">
+                <a:lumMod val="99000"/>
+                <a:satMod val="120000"/>
+                <a:shade val="78000"/>
+              </a:schemeClr>
+            </a:gs>
+          </a:gsLst>
+          <a:lin ang="5400000" scaled="0"/>
+        </a:gradFill>
+      </a:fillStyleLst>
+      <a:lnStyleLst>
+        <a:ln w="6350" cap="flat" cmpd="sng" algn="ctr">
+          <a:solidFill>
+            <a:schemeClr val="phClr"/>
+          </a:solidFill>
+          <a:prstDash val="solid"/>
+          <a:miter lim="800000"/>
+        </a:ln>
+        <a:ln w="12700" cap="flat" cmpd="sng" algn="ctr">
+          <a:solidFill>
+            <a:schemeClr val="phClr"/>
+          </a:solidFill>
+          <a:prstDash val="solid"/>
+          <a:miter lim="800000"/>
+        </a:ln>
+        <a:ln w="19050" cap="flat" cmpd="sng" algn="ctr">
+          <a:solidFill>
+            <a:schemeClr val="phClr"/>
+          </a:solidFill>
+          <a:prstDash val="solid"/>
+          <a:miter lim="800000"/>
+        </a:ln>
+      </a:lnStyleLst>
+      <a:effectStyleLst>
+        <a:effectStyle>
+          <a:effectLst/>
+        </a:effectStyle>
+        <a:effectStyle>
+          <a:effectLst/>
+        </a:effectStyle>
+        <a:effectStyle>
+          <a:effectLst>
+            <a:outerShdw blurRad="57150" dist="19050" dir="5400000" algn="ctr" rotWithShape="0">
+              <a:srgbClr val="000000">
+                <a:alpha val="63000"/>
+              </a:srgbClr>
+            </a:outerShdw>
+          </a:effectLst>
+        </a:effectStyle>
+      </a:effectStyleLst>
+      <a:bgFillStyleLst>
+        <a:solidFill>
+          <a:schemeClr val="phClr"/>
+        </a:solidFill>
+        <a:solidFill>
+          <a:schemeClr val="phClr">
+            <a:tint val="95000"/>
+            <a:satMod val="170000"/>
+          </a:schemeClr>
+        </a:solidFill>
+        <a:gradFill rotWithShape="1">
+          <a:gsLst>
+            <a:gs pos="0">
+              <a:schemeClr val="phClr">
+                <a:tint val="93000"/>
+                <a:satMod val="150000"/>
+                <a:shade val="98000"/>
+                <a:lumMod val="102000"/>
+              </a:schemeClr>
+            </a:gs>
+            <a:gs pos="50000">
+              <a:schemeClr val="phClr">
+                <a:tint val="98000"/>
+                <a:satMod val="130000"/>
+                <a:shade val="90000"/>
+                <a:lumMod val="103000"/>
+              </a:schemeClr>
+            </a:gs>
+            <a:gs pos="100000">
+              <a:schemeClr val="phClr">
+                <a:shade val="63000"/>
+                <a:satMod val="120000"/>
+              </a:schemeClr>
+            </a:gs>
+          </a:gsLst>
+          <a:lin ang="5400000" scaled="0"/>
+        </a:gradFill>
+      </a:bgFillStyleLst>
+    </a:fmtScheme>
+  </a:themeElements>
+  <a:objectDefaults/>
+  <a:extraClrSchemeLst/>
+  <a:extLst>
+    <a:ext uri="{05A4C25C-085E-4340-85A3-A5531E510DB2}">
+      <thm15:themeFamily xmlns:thm15="http://schemas.microsoft.com/office/thememl/2012/main" name="Office Theme" id="{62F939B6-93AF-4DB8-9C6B-D6C7DFDC589F}" vid="{4A3C46E8-61CC-4603-A589-7422A47A8E4A}"/>
+    </a:ext>
+  </a:extLst>
+</a:theme>
 </file>
--- a/MonitoringWeb.pptx
+++ b/MonitoringWeb.pptx
@@ -11,8 +11,8 @@
     <p:sldId id="257" r:id="rId2"/>
     <p:sldId id="265" r:id="rId3"/>
     <p:sldId id="272" r:id="rId4"/>
-    <p:sldId id="271" r:id="rId5"/>
-    <p:sldId id="270" r:id="rId6"/>
+    <p:sldId id="273" r:id="rId5"/>
+    <p:sldId id="271" r:id="rId6"/>
     <p:sldId id="264" r:id="rId7"/>
     <p:sldId id="259" r:id="rId8"/>
     <p:sldId id="260" r:id="rId9"/>
@@ -1104,7 +1104,7 @@
           <a:p>
             <a:fld id="{A04268D2-1B59-4E33-9FA8-E7CF7C493DA9}" type="datetimeFigureOut">
               <a:rPr lang="ko-KR" altLang="en-US" smtClean="0"/>
-              <a:t>2020-03-14</a:t>
+              <a:t>2020-03-15</a:t>
             </a:fld>
             <a:endParaRPr lang="ko-KR" altLang="en-US"/>
           </a:p>
@@ -1507,7 +1507,7 @@
                 </a:solidFill>
               </a:rPr>
               <a:pPr/>
-              <a:t>2020-03-14</a:t>
+              <a:t>2020-03-15</a:t>
             </a:fld>
             <a:endParaRPr lang="ko-KR" altLang="en-US">
               <a:solidFill>
@@ -1707,7 +1707,7 @@
                 </a:solidFill>
               </a:rPr>
               <a:pPr/>
-              <a:t>2020-03-14</a:t>
+              <a:t>2020-03-15</a:t>
             </a:fld>
             <a:endParaRPr lang="ko-KR" altLang="en-US">
               <a:solidFill>
@@ -1917,7 +1917,7 @@
                 </a:solidFill>
               </a:rPr>
               <a:pPr/>
-              <a:t>2020-03-14</a:t>
+              <a:t>2020-03-15</a:t>
             </a:fld>
             <a:endParaRPr lang="ko-KR" altLang="en-US">
               <a:solidFill>
@@ -2117,7 +2117,7 @@
                 </a:solidFill>
               </a:rPr>
               <a:pPr/>
-              <a:t>2020-03-14</a:t>
+              <a:t>2020-03-15</a:t>
             </a:fld>
             <a:endParaRPr lang="ko-KR" altLang="en-US">
               <a:solidFill>
@@ -2394,7 +2394,7 @@
                 </a:solidFill>
               </a:rPr>
               <a:pPr/>
-              <a:t>2020-03-14</a:t>
+              <a:t>2020-03-15</a:t>
             </a:fld>
             <a:endParaRPr lang="ko-KR" altLang="en-US">
               <a:solidFill>
@@ -2655,7 +2655,7 @@
                 </a:solidFill>
               </a:rPr>
               <a:pPr/>
-              <a:t>2020-03-14</a:t>
+              <a:t>2020-03-15</a:t>
             </a:fld>
             <a:endParaRPr lang="ko-KR" altLang="en-US">
               <a:solidFill>
@@ -3051,7 +3051,7 @@
                 </a:solidFill>
               </a:rPr>
               <a:pPr/>
-              <a:t>2020-03-14</a:t>
+              <a:t>2020-03-15</a:t>
             </a:fld>
             <a:endParaRPr lang="ko-KR" altLang="en-US">
               <a:solidFill>
@@ -3200,7 +3200,7 @@
                 </a:solidFill>
               </a:rPr>
               <a:pPr/>
-              <a:t>2020-03-14</a:t>
+              <a:t>2020-03-15</a:t>
             </a:fld>
             <a:endParaRPr lang="ko-KR" altLang="en-US">
               <a:solidFill>
@@ -3327,7 +3327,7 @@
                 </a:solidFill>
               </a:rPr>
               <a:pPr/>
-              <a:t>2020-03-14</a:t>
+              <a:t>2020-03-15</a:t>
             </a:fld>
             <a:endParaRPr lang="ko-KR" altLang="en-US">
               <a:solidFill>
@@ -3634,7 +3634,7 @@
                 </a:solidFill>
               </a:rPr>
               <a:pPr/>
-              <a:t>2020-03-14</a:t>
+              <a:t>2020-03-15</a:t>
             </a:fld>
             <a:endParaRPr lang="ko-KR" altLang="en-US">
               <a:solidFill>
@@ -3918,7 +3918,7 @@
                 </a:solidFill>
               </a:rPr>
               <a:pPr/>
-              <a:t>2020-03-14</a:t>
+              <a:t>2020-03-15</a:t>
             </a:fld>
             <a:endParaRPr lang="ko-KR" altLang="en-US">
               <a:solidFill>
@@ -4161,7 +4161,7 @@
                 </a:solidFill>
               </a:rPr>
               <a:pPr/>
-              <a:t>2020-03-14</a:t>
+              <a:t>2020-03-15</a:t>
             </a:fld>
             <a:endParaRPr lang="ko-KR" altLang="en-US">
               <a:solidFill>
@@ -4921,7 +4921,7 @@
                   <a:prstClr val="white"/>
                 </a:solidFill>
               </a:rPr>
-              <a:t>Serive</a:t>
+              <a:t>Servive</a:t>
             </a:r>
             <a:endParaRPr lang="en-US" altLang="ko-KR" sz="4800" b="1" i="1" kern="0" dirty="0">
               <a:solidFill>
@@ -6264,7 +6264,7 @@
                 <a:latin typeface="나눔고딕" panose="020D0604000000000000" pitchFamily="50" charset="-127"/>
                 <a:ea typeface="나눔고딕" panose="020D0604000000000000" pitchFamily="50" charset="-127"/>
               </a:rPr>
-              <a:t>Analstics</a:t>
+              <a:t>Analystics</a:t>
             </a:r>
             <a:r>
               <a:rPr lang="en-US" altLang="ko-KR" sz="1100" dirty="0">
@@ -6862,21 +6862,7 @@
           </a:bodyPr>
           <a:lstStyle/>
           <a:p>
-            <a:pPr marL="0" marR="0" lvl="0" indent="0" algn="ctr" defTabSz="914400" rtl="0" eaLnBrk="1" fontAlgn="auto" latinLnBrk="1" hangingPunct="1">
-              <a:lnSpc>
-                <a:spcPct val="100000"/>
-              </a:lnSpc>
-              <a:spcBef>
-                <a:spcPts val="0"/>
-              </a:spcBef>
-              <a:spcAft>
-                <a:spcPts val="0"/>
-              </a:spcAft>
-              <a:buClrTx/>
-              <a:buSzTx/>
-              <a:buFontTx/>
-              <a:buNone/>
-              <a:tabLst/>
+            <a:pPr lvl="0" algn="ctr">
               <a:defRPr/>
             </a:pPr>
             <a:r>
@@ -6907,16 +6893,16 @@
               <a:t>Monitoring &amp; </a:t>
             </a:r>
             <a:r>
-              <a:rPr kumimoji="0" lang="en-US" altLang="ko-KR" sz="1100" b="0" i="0" u="none" strike="noStrike" kern="1200" cap="none" spc="0" normalizeH="0" baseline="0" noProof="0" dirty="0" err="1">
+              <a:rPr lang="en-US" altLang="ko-KR" sz="1100" dirty="0" err="1">
                 <a:ln>
                   <a:solidFill>
-                    <a:prstClr val="white">
+                    <a:schemeClr val="bg1">
                       <a:alpha val="40000"/>
-                    </a:prstClr>
+                    </a:schemeClr>
                   </a:solidFill>
                 </a:ln>
                 <a:solidFill>
-                  <a:srgbClr val="5B9BD5"/>
+                  <a:schemeClr val="accent1"/>
                 </a:solidFill>
                 <a:effectLst>
                   <a:outerShdw blurRad="38100" dist="38100" dir="2700000" algn="tl">
@@ -6925,13 +6911,10 @@
                     </a:srgbClr>
                   </a:outerShdw>
                 </a:effectLst>
-                <a:uLnTx/>
-                <a:uFillTx/>
                 <a:latin typeface="나눔고딕" panose="020D0604000000000000" pitchFamily="50" charset="-127"/>
                 <a:ea typeface="나눔고딕" panose="020D0604000000000000" pitchFamily="50" charset="-127"/>
-                <a:cs typeface="+mn-cs"/>
               </a:rPr>
-              <a:t>Analstics</a:t>
+              <a:t>Analystics</a:t>
             </a:r>
             <a:r>
               <a:rPr kumimoji="0" lang="en-US" altLang="ko-KR" sz="1100" b="0" i="0" u="none" strike="noStrike" kern="1200" cap="none" spc="0" normalizeH="0" baseline="0" noProof="0" dirty="0">
@@ -7425,21 +7408,7 @@
           </a:bodyPr>
           <a:lstStyle/>
           <a:p>
-            <a:pPr marL="0" marR="0" lvl="0" indent="0" algn="ctr" defTabSz="914400" rtl="0" eaLnBrk="1" fontAlgn="auto" latinLnBrk="1" hangingPunct="1">
-              <a:lnSpc>
-                <a:spcPct val="100000"/>
-              </a:lnSpc>
-              <a:spcBef>
-                <a:spcPts val="0"/>
-              </a:spcBef>
-              <a:spcAft>
-                <a:spcPts val="0"/>
-              </a:spcAft>
-              <a:buClrTx/>
-              <a:buSzTx/>
-              <a:buFontTx/>
-              <a:buNone/>
-              <a:tabLst/>
+            <a:pPr lvl="0" algn="ctr">
               <a:defRPr/>
             </a:pPr>
             <a:r>
@@ -7470,16 +7439,16 @@
               <a:t>Monitoring &amp; </a:t>
             </a:r>
             <a:r>
-              <a:rPr kumimoji="0" lang="en-US" altLang="ko-KR" sz="1100" b="0" i="0" u="none" strike="noStrike" kern="1200" cap="none" spc="0" normalizeH="0" baseline="0" noProof="0" dirty="0" err="1">
+              <a:rPr lang="en-US" altLang="ko-KR" sz="1100" dirty="0" err="1">
                 <a:ln>
                   <a:solidFill>
-                    <a:prstClr val="white">
+                    <a:schemeClr val="bg1">
                       <a:alpha val="40000"/>
-                    </a:prstClr>
+                    </a:schemeClr>
                   </a:solidFill>
                 </a:ln>
                 <a:solidFill>
-                  <a:srgbClr val="5B9BD5"/>
+                  <a:schemeClr val="accent1"/>
                 </a:solidFill>
                 <a:effectLst>
                   <a:outerShdw blurRad="38100" dist="38100" dir="2700000" algn="tl">
@@ -7488,13 +7457,10 @@
                     </a:srgbClr>
                   </a:outerShdw>
                 </a:effectLst>
-                <a:uLnTx/>
-                <a:uFillTx/>
                 <a:latin typeface="나눔고딕" panose="020D0604000000000000" pitchFamily="50" charset="-127"/>
                 <a:ea typeface="나눔고딕" panose="020D0604000000000000" pitchFamily="50" charset="-127"/>
-                <a:cs typeface="+mn-cs"/>
               </a:rPr>
-              <a:t>Analstics</a:t>
+              <a:t>Analystics</a:t>
             </a:r>
             <a:r>
               <a:rPr kumimoji="0" lang="en-US" altLang="ko-KR" sz="1100" b="0" i="0" u="none" strike="noStrike" kern="1200" cap="none" spc="0" normalizeH="0" baseline="0" noProof="0" dirty="0">
@@ -7627,13 +7593,7 @@
             <p:cNvGraphicFramePr>
               <a:graphicFrameLocks noChangeAspect="1"/>
             </p:cNvGraphicFramePr>
-            <p:nvPr>
-              <p:extLst>
-                <p:ext uri="{D42A27DB-BD31-4B8C-83A1-F6EECF244321}">
-                  <p14:modId xmlns:p14="http://schemas.microsoft.com/office/powerpoint/2010/main" val="2466279313"/>
-                </p:ext>
-              </p:extLst>
-            </p:nvPr>
+            <p:nvPr/>
           </p:nvGraphicFramePr>
           <p:xfrm>
             <a:off x="2544695" y="2312045"/>
@@ -7643,7 +7603,7 @@
             <a:graphicData uri="http://schemas.openxmlformats.org/presentationml/2006/ole">
               <mc:AlternateContent xmlns:mc="http://schemas.openxmlformats.org/markup-compatibility/2006">
                 <mc:Choice xmlns:v="urn:schemas-microsoft-com:vml" Requires="v">
-                  <p:oleObj spid="_x0000_s6148" name="Image" r:id="rId5" imgW="3618720" imgH="4063320" progId="Photoshop.Image.13">
+                  <p:oleObj spid="_x0000_s7174" name="Image" r:id="rId5" imgW="3618720" imgH="4063320" progId="Photoshop.Image.13">
                     <p:embed/>
                   </p:oleObj>
                 </mc:Choice>
@@ -7652,7 +7612,13 @@
                     <p:embed/>
                     <p:pic>
                       <p:nvPicPr>
-                        <p:cNvPr id="11" name="개체 10"/>
+                        <p:cNvPr id="13" name="개체 12">
+                          <a:extLst>
+                            <a:ext uri="{FF2B5EF4-FFF2-40B4-BE49-F238E27FC236}">
+                              <a16:creationId xmlns:a16="http://schemas.microsoft.com/office/drawing/2014/main" id="{239EA841-647E-4D7F-ADAF-51857533D5E4}"/>
+                            </a:ext>
+                          </a:extLst>
+                        </p:cNvPr>
                         <p:cNvPicPr/>
                         <p:nvPr/>
                       </p:nvPicPr>
@@ -7749,13 +7715,7 @@
             <p:cNvGraphicFramePr>
               <a:graphicFrameLocks noChangeAspect="1"/>
             </p:cNvGraphicFramePr>
-            <p:nvPr>
-              <p:extLst>
-                <p:ext uri="{D42A27DB-BD31-4B8C-83A1-F6EECF244321}">
-                  <p14:modId xmlns:p14="http://schemas.microsoft.com/office/powerpoint/2010/main" val="3382038311"/>
-                </p:ext>
-              </p:extLst>
-            </p:nvPr>
+            <p:nvPr/>
           </p:nvGraphicFramePr>
           <p:xfrm>
             <a:off x="7916529" y="2312045"/>
@@ -7765,7 +7725,7 @@
             <a:graphicData uri="http://schemas.openxmlformats.org/presentationml/2006/ole">
               <mc:AlternateContent xmlns:mc="http://schemas.openxmlformats.org/markup-compatibility/2006">
                 <mc:Choice xmlns:v="urn:schemas-microsoft-com:vml" Requires="v">
-                  <p:oleObj spid="_x0000_s6149" name="Image" r:id="rId9" imgW="4266360" imgH="5041080" progId="Photoshop.Image.13">
+                  <p:oleObj spid="_x0000_s7175" name="Image" r:id="rId9" imgW="4266360" imgH="5041080" progId="Photoshop.Image.13">
                     <p:embed/>
                   </p:oleObj>
                 </mc:Choice>
@@ -7774,7 +7734,13 @@
                     <p:embed/>
                     <p:pic>
                       <p:nvPicPr>
-                        <p:cNvPr id="14" name="개체 13"/>
+                        <p:cNvPr id="16" name="개체 15">
+                          <a:extLst>
+                            <a:ext uri="{FF2B5EF4-FFF2-40B4-BE49-F238E27FC236}">
+                              <a16:creationId xmlns:a16="http://schemas.microsoft.com/office/drawing/2014/main" id="{048405BB-387C-40CA-8366-D414C1A77790}"/>
+                            </a:ext>
+                          </a:extLst>
+                        </p:cNvPr>
                         <p:cNvPicPr/>
                         <p:nvPr/>
                       </p:nvPicPr>
@@ -7887,7 +7853,7 @@
     </p:spTree>
     <p:extLst>
       <p:ext uri="{BB962C8B-B14F-4D97-AF65-F5344CB8AC3E}">
-        <p14:creationId xmlns:p14="http://schemas.microsoft.com/office/powerpoint/2010/main" val="4235052582"/>
+        <p14:creationId xmlns:p14="http://schemas.microsoft.com/office/powerpoint/2010/main" val="2031977848"/>
       </p:ext>
     </p:extLst>
   </p:cSld>
@@ -8210,22 +8176,15 @@
               <a:defRPr/>
             </a:pPr>
             <a:r>
-              <a:rPr kumimoji="0" lang="ko-KR" altLang="en-US" sz="3200" b="1" i="0" u="none" strike="noStrike" kern="1200" cap="none" spc="0" normalizeH="0" baseline="0" noProof="0" dirty="0">
-                <a:ln>
-                  <a:noFill/>
-                </a:ln>
+              <a:rPr lang="ko-KR" altLang="en-US" sz="3200" b="1" dirty="0">
                 <a:solidFill>
                   <a:prstClr val="black">
                     <a:lumMod val="65000"/>
                     <a:lumOff val="35000"/>
                   </a:prstClr>
                 </a:solidFill>
-                <a:effectLst/>
-                <a:uLnTx/>
-                <a:uFillTx/>
                 <a:latin typeface="나눔고딕" panose="020D0604000000000000" pitchFamily="50" charset="-127"/>
                 <a:ea typeface="나눔고딕" panose="020D0604000000000000" pitchFamily="50" charset="-127"/>
-                <a:cs typeface="+mn-cs"/>
               </a:rPr>
               <a:t>기본 구조</a:t>
             </a:r>
@@ -8249,49 +8208,254 @@
           </a:p>
         </p:txBody>
       </p:sp>
+      <p:sp>
+        <p:nvSpPr>
+          <p:cNvPr id="10" name="TextBox 9">
+            <a:extLst>
+              <a:ext uri="{FF2B5EF4-FFF2-40B4-BE49-F238E27FC236}">
+                <a16:creationId xmlns:a16="http://schemas.microsoft.com/office/drawing/2014/main" id="{3015E320-0528-4001-9DB8-889BEDCC7544}"/>
+              </a:ext>
+            </a:extLst>
+          </p:cNvPr>
+          <p:cNvSpPr txBox="1"/>
+          <p:nvPr/>
+        </p:nvSpPr>
+        <p:spPr>
+          <a:xfrm>
+            <a:off x="8208985" y="6135585"/>
+            <a:ext cx="2774214" cy="261610"/>
+          </a:xfrm>
+          <a:prstGeom prst="rect">
+            <a:avLst/>
+          </a:prstGeom>
+          <a:noFill/>
+        </p:spPr>
+        <p:txBody>
+          <a:bodyPr wrap="square" rtlCol="0">
+            <a:spAutoFit/>
+          </a:bodyPr>
+          <a:lstStyle/>
+          <a:p>
+            <a:pPr lvl="0" algn="ctr">
+              <a:defRPr/>
+            </a:pPr>
+            <a:r>
+              <a:rPr kumimoji="0" lang="en-US" altLang="ko-KR" sz="1100" b="0" i="0" u="none" strike="noStrike" kern="1200" cap="none" spc="0" normalizeH="0" baseline="0" noProof="0" dirty="0">
+                <a:ln>
+                  <a:solidFill>
+                    <a:prstClr val="white">
+                      <a:alpha val="40000"/>
+                    </a:prstClr>
+                  </a:solidFill>
+                </a:ln>
+                <a:solidFill>
+                  <a:srgbClr val="5B9BD5"/>
+                </a:solidFill>
+                <a:effectLst>
+                  <a:outerShdw blurRad="38100" dist="38100" dir="2700000" algn="tl">
+                    <a:srgbClr val="000000">
+                      <a:alpha val="43137"/>
+                    </a:srgbClr>
+                  </a:outerShdw>
+                </a:effectLst>
+                <a:uLnTx/>
+                <a:uFillTx/>
+                <a:latin typeface="나눔고딕" panose="020D0604000000000000" pitchFamily="50" charset="-127"/>
+                <a:ea typeface="나눔고딕" panose="020D0604000000000000" pitchFamily="50" charset="-127"/>
+                <a:cs typeface="+mn-cs"/>
+              </a:rPr>
+              <a:t>Monitoring &amp; </a:t>
+            </a:r>
+            <a:r>
+              <a:rPr lang="en-US" altLang="ko-KR" sz="1100" dirty="0" err="1">
+                <a:ln>
+                  <a:solidFill>
+                    <a:schemeClr val="bg1">
+                      <a:alpha val="40000"/>
+                    </a:schemeClr>
+                  </a:solidFill>
+                </a:ln>
+                <a:solidFill>
+                  <a:schemeClr val="accent1"/>
+                </a:solidFill>
+                <a:effectLst>
+                  <a:outerShdw blurRad="38100" dist="38100" dir="2700000" algn="tl">
+                    <a:srgbClr val="000000">
+                      <a:alpha val="43137"/>
+                    </a:srgbClr>
+                  </a:outerShdw>
+                </a:effectLst>
+                <a:latin typeface="나눔고딕" panose="020D0604000000000000" pitchFamily="50" charset="-127"/>
+                <a:ea typeface="나눔고딕" panose="020D0604000000000000" pitchFamily="50" charset="-127"/>
+              </a:rPr>
+              <a:t>Analystics</a:t>
+            </a:r>
+            <a:r>
+              <a:rPr kumimoji="0" lang="en-US" altLang="ko-KR" sz="1100" b="0" i="0" u="none" strike="noStrike" kern="1200" cap="none" spc="0" normalizeH="0" baseline="0" noProof="0" dirty="0">
+                <a:ln>
+                  <a:solidFill>
+                    <a:prstClr val="white">
+                      <a:alpha val="40000"/>
+                    </a:prstClr>
+                  </a:solidFill>
+                </a:ln>
+                <a:solidFill>
+                  <a:srgbClr val="5B9BD5"/>
+                </a:solidFill>
+                <a:effectLst>
+                  <a:outerShdw blurRad="38100" dist="38100" dir="2700000" algn="tl">
+                    <a:srgbClr val="000000">
+                      <a:alpha val="43137"/>
+                    </a:srgbClr>
+                  </a:outerShdw>
+                </a:effectLst>
+                <a:uLnTx/>
+                <a:uFillTx/>
+                <a:latin typeface="나눔고딕" panose="020D0604000000000000" pitchFamily="50" charset="-127"/>
+                <a:ea typeface="나눔고딕" panose="020D0604000000000000" pitchFamily="50" charset="-127"/>
+                <a:cs typeface="+mn-cs"/>
+              </a:rPr>
+              <a:t> Web Service</a:t>
+            </a:r>
+            <a:endParaRPr kumimoji="0" lang="ko-KR" altLang="en-US" sz="1100" b="0" i="0" u="none" strike="noStrike" kern="1200" cap="none" spc="0" normalizeH="0" baseline="0" noProof="0" dirty="0">
+              <a:ln>
+                <a:solidFill>
+                  <a:prstClr val="white">
+                    <a:alpha val="40000"/>
+                  </a:prstClr>
+                </a:solidFill>
+              </a:ln>
+              <a:solidFill>
+                <a:srgbClr val="5B9BD5"/>
+              </a:solidFill>
+              <a:effectLst>
+                <a:outerShdw blurRad="38100" dist="38100" dir="2700000" algn="tl">
+                  <a:srgbClr val="000000">
+                    <a:alpha val="43137"/>
+                  </a:srgbClr>
+                </a:outerShdw>
+              </a:effectLst>
+              <a:uLnTx/>
+              <a:uFillTx/>
+              <a:latin typeface="나눔고딕" panose="020D0604000000000000" pitchFamily="50" charset="-127"/>
+              <a:ea typeface="나눔고딕" panose="020D0604000000000000" pitchFamily="50" charset="-127"/>
+              <a:cs typeface="+mn-cs"/>
+            </a:endParaRPr>
+          </a:p>
+        </p:txBody>
+      </p:sp>
       <p:pic>
         <p:nvPicPr>
-          <p:cNvPr id="6150" name="Picture 6" descr="http://3.bp.blogspot.com/-CnBNOP198p0/Tx_kGiE4X0I/AAAAAAAAABY/RdrjpW_o36E/s1600/how-php-works.jpg"/>
+          <p:cNvPr id="11" name="그림 10">
+            <a:extLst>
+              <a:ext uri="{FF2B5EF4-FFF2-40B4-BE49-F238E27FC236}">
+                <a16:creationId xmlns:a16="http://schemas.microsoft.com/office/drawing/2014/main" id="{BF59102C-622E-49AE-9CDE-7C3FCC8C3ACD}"/>
+              </a:ext>
+            </a:extLst>
+          </p:cNvPr>
           <p:cNvPicPr>
-            <a:picLocks noChangeAspect="1" noChangeArrowheads="1"/>
+            <a:picLocks noChangeAspect="1"/>
           </p:cNvPicPr>
           <p:nvPr/>
         </p:nvPicPr>
-        <p:blipFill rotWithShape="1">
-          <a:blip r:embed="rId2">
+        <p:blipFill>
+          <a:blip r:embed="rId3">
             <a:extLst>
+              <a:ext uri="{BEBA8EAE-BF5A-486C-A8C5-ECC9F3942E4B}">
+                <a14:imgProps xmlns:a14="http://schemas.microsoft.com/office/drawing/2010/main">
+                  <a14:imgLayer r:embed="rId4">
+                    <a14:imgEffect>
+                      <a14:sharpenSoften amount="-9000"/>
+                    </a14:imgEffect>
+                  </a14:imgLayer>
+                </a14:imgProps>
+              </a:ext>
               <a:ext uri="{28A0092B-C50C-407E-A947-70E740481C1C}">
                 <a14:useLocalDpi xmlns:a14="http://schemas.microsoft.com/office/drawing/2010/main" val="0"/>
               </a:ext>
             </a:extLst>
           </a:blip>
-          <a:srcRect t="10157" b="1"/>
-          <a:stretch/>
+          <a:stretch>
+            <a:fillRect/>
+          </a:stretch>
         </p:blipFill>
-        <p:spPr bwMode="auto">
+        <p:spPr>
           <a:xfrm>
-            <a:off x="3075994" y="2239006"/>
-            <a:ext cx="5990136" cy="3827340"/>
+            <a:off x="1208801" y="6142366"/>
+            <a:ext cx="1203411" cy="261611"/>
           </a:xfrm>
           <a:prstGeom prst="rect">
             <a:avLst/>
           </a:prstGeom>
-          <a:noFill/>
-          <a:extLst>
-            <a:ext uri="{909E8E84-426E-40DD-AFC4-6F175D3DCCD1}">
-              <a14:hiddenFill xmlns:a14="http://schemas.microsoft.com/office/drawing/2010/main">
-                <a:solidFill>
-                  <a:srgbClr val="FFFFFF"/>
-                </a:solidFill>
-              </a14:hiddenFill>
-            </a:ext>
-          </a:extLst>
         </p:spPr>
       </p:pic>
+      <p:graphicFrame>
+        <p:nvGraphicFramePr>
+          <p:cNvPr id="3" name="개체 2">
+            <a:extLst>
+              <a:ext uri="{FF2B5EF4-FFF2-40B4-BE49-F238E27FC236}">
+                <a16:creationId xmlns:a16="http://schemas.microsoft.com/office/drawing/2014/main" id="{0FCDE681-3B1D-4E17-A981-F4424F5C3A85}"/>
+              </a:ext>
+            </a:extLst>
+          </p:cNvPr>
+          <p:cNvGraphicFramePr>
+            <a:graphicFrameLocks noChangeAspect="1"/>
+          </p:cNvGraphicFramePr>
+          <p:nvPr>
+            <p:extLst>
+              <p:ext uri="{D42A27DB-BD31-4B8C-83A1-F6EECF244321}">
+                <p14:modId xmlns:p14="http://schemas.microsoft.com/office/powerpoint/2010/main" val="3482067090"/>
+              </p:ext>
+            </p:extLst>
+          </p:nvPr>
+        </p:nvGraphicFramePr>
+        <p:xfrm>
+          <a:off x="2340775" y="2126483"/>
+          <a:ext cx="7460573" cy="3586922"/>
+        </p:xfrm>
+        <a:graphic>
+          <a:graphicData uri="http://schemas.openxmlformats.org/presentationml/2006/ole">
+            <mc:AlternateContent xmlns:mc="http://schemas.openxmlformats.org/markup-compatibility/2006">
+              <mc:Choice xmlns:v="urn:schemas-microsoft-com:vml" Requires="v">
+                <p:oleObj spid="_x0000_s6152" name="Image" r:id="rId5" imgW="10615680" imgH="5104440" progId="Photoshop.Image.13">
+                  <p:embed/>
+                </p:oleObj>
+              </mc:Choice>
+              <mc:Fallback>
+                <p:oleObj name="Image" r:id="rId5" imgW="10615680" imgH="5104440" progId="Photoshop.Image.13">
+                  <p:embed/>
+                  <p:pic>
+                    <p:nvPicPr>
+                      <p:cNvPr id="0" name=""/>
+                      <p:cNvPicPr/>
+                      <p:nvPr/>
+                    </p:nvPicPr>
+                    <p:blipFill>
+                      <a:blip r:embed="rId6"/>
+                      <a:stretch>
+                        <a:fillRect/>
+                      </a:stretch>
+                    </p:blipFill>
+                    <p:spPr>
+                      <a:xfrm>
+                        <a:off x="2340775" y="2126483"/>
+                        <a:ext cx="7460573" cy="3586922"/>
+                      </a:xfrm>
+                      <a:prstGeom prst="rect">
+                        <a:avLst/>
+                      </a:prstGeom>
+                    </p:spPr>
+                  </p:pic>
+                </p:oleObj>
+              </mc:Fallback>
+            </mc:AlternateContent>
+          </a:graphicData>
+        </a:graphic>
+      </p:graphicFrame>
     </p:spTree>
     <p:extLst>
       <p:ext uri="{BB962C8B-B14F-4D97-AF65-F5344CB8AC3E}">
-        <p14:creationId xmlns:p14="http://schemas.microsoft.com/office/powerpoint/2010/main" val="4071331705"/>
+        <p14:creationId xmlns:p14="http://schemas.microsoft.com/office/powerpoint/2010/main" val="4235052582"/>
       </p:ext>
     </p:extLst>
   </p:cSld>
